--- a/Slides/Class14.pptx
+++ b/Slides/Class14.pptx
@@ -5,16 +5,24 @@
     <p:sldMasterId id="2147483648" r:id="rId1"/>
   </p:sldMasterIdLst>
   <p:notesMasterIdLst>
-    <p:notesMasterId r:id="rId6"/>
+    <p:notesMasterId r:id="rId14"/>
   </p:notesMasterIdLst>
   <p:handoutMasterIdLst>
-    <p:handoutMasterId r:id="rId7"/>
+    <p:handoutMasterId r:id="rId15"/>
   </p:handoutMasterIdLst>
   <p:sldIdLst>
     <p:sldId id="258" r:id="rId2"/>
-    <p:sldId id="407" r:id="rId3"/>
-    <p:sldId id="408" r:id="rId4"/>
-    <p:sldId id="410" r:id="rId5"/>
+    <p:sldId id="397" r:id="rId3"/>
+    <p:sldId id="375" r:id="rId4"/>
+    <p:sldId id="399" r:id="rId5"/>
+    <p:sldId id="400" r:id="rId6"/>
+    <p:sldId id="401" r:id="rId7"/>
+    <p:sldId id="402" r:id="rId8"/>
+    <p:sldId id="403" r:id="rId9"/>
+    <p:sldId id="404" r:id="rId10"/>
+    <p:sldId id="405" r:id="rId11"/>
+    <p:sldId id="406" r:id="rId12"/>
+    <p:sldId id="407" r:id="rId13"/>
   </p:sldIdLst>
   <p:sldSz cx="9144000" cy="6858000" type="screen4x3"/>
   <p:notesSz cx="6858000" cy="9144000"/>
@@ -228,7 +236,7 @@
           <a:p>
             <a:fld id="{C24322AF-E05B-7249-906C-FBAC6154C037}" type="datetimeFigureOut">
               <a:rPr lang="en-US" smtClean="0"/>
-              <a:t>12/11/18</a:t>
+              <a:t>1/24/21</a:t>
             </a:fld>
             <a:endParaRPr lang="en-US"/>
           </a:p>
@@ -394,7 +402,7 @@
             <a:fld id="{06A43BE5-3BD4-F642-8751-88A31D8D6D13}" type="datetimeFigureOut">
               <a:rPr lang="en-US" smtClean="0"/>
               <a:pPr/>
-              <a:t>12/11/18</a:t>
+              <a:t>1/24/21</a:t>
             </a:fld>
             <a:endParaRPr lang="en-US"/>
           </a:p>
@@ -937,7 +945,7 @@
             <a:fld id="{A4FA2B0E-4818-9849-9CF1-1031FD4E1DAB}" type="datetimeFigureOut">
               <a:rPr lang="en-US" smtClean="0"/>
               <a:pPr/>
-              <a:t>12/11/18</a:t>
+              <a:t>1/24/21</a:t>
             </a:fld>
             <a:endParaRPr lang="en-US"/>
           </a:p>
@@ -1102,7 +1110,7 @@
             <a:fld id="{A4FA2B0E-4818-9849-9CF1-1031FD4E1DAB}" type="datetimeFigureOut">
               <a:rPr lang="en-US" smtClean="0"/>
               <a:pPr/>
-              <a:t>12/11/18</a:t>
+              <a:t>1/24/21</a:t>
             </a:fld>
             <a:endParaRPr lang="en-US"/>
           </a:p>
@@ -1277,7 +1285,7 @@
             <a:fld id="{A4FA2B0E-4818-9849-9CF1-1031FD4E1DAB}" type="datetimeFigureOut">
               <a:rPr lang="en-US" smtClean="0"/>
               <a:pPr/>
-              <a:t>12/11/18</a:t>
+              <a:t>1/24/21</a:t>
             </a:fld>
             <a:endParaRPr lang="en-US"/>
           </a:p>
@@ -1442,7 +1450,7 @@
             <a:fld id="{A4FA2B0E-4818-9849-9CF1-1031FD4E1DAB}" type="datetimeFigureOut">
               <a:rPr lang="en-US" smtClean="0"/>
               <a:pPr/>
-              <a:t>12/11/18</a:t>
+              <a:t>1/24/21</a:t>
             </a:fld>
             <a:endParaRPr lang="en-US"/>
           </a:p>
@@ -1684,7 +1692,7 @@
             <a:fld id="{A4FA2B0E-4818-9849-9CF1-1031FD4E1DAB}" type="datetimeFigureOut">
               <a:rPr lang="en-US" smtClean="0"/>
               <a:pPr/>
-              <a:t>12/11/18</a:t>
+              <a:t>1/24/21</a:t>
             </a:fld>
             <a:endParaRPr lang="en-US"/>
           </a:p>
@@ -1966,7 +1974,7 @@
             <a:fld id="{A4FA2B0E-4818-9849-9CF1-1031FD4E1DAB}" type="datetimeFigureOut">
               <a:rPr lang="en-US" smtClean="0"/>
               <a:pPr/>
-              <a:t>12/11/18</a:t>
+              <a:t>1/24/21</a:t>
             </a:fld>
             <a:endParaRPr lang="en-US"/>
           </a:p>
@@ -2382,7 +2390,7 @@
             <a:fld id="{A4FA2B0E-4818-9849-9CF1-1031FD4E1DAB}" type="datetimeFigureOut">
               <a:rPr lang="en-US" smtClean="0"/>
               <a:pPr/>
-              <a:t>12/11/18</a:t>
+              <a:t>1/24/21</a:t>
             </a:fld>
             <a:endParaRPr lang="en-US"/>
           </a:p>
@@ -2496,7 +2504,7 @@
             <a:fld id="{A4FA2B0E-4818-9849-9CF1-1031FD4E1DAB}" type="datetimeFigureOut">
               <a:rPr lang="en-US" smtClean="0"/>
               <a:pPr/>
-              <a:t>12/11/18</a:t>
+              <a:t>1/24/21</a:t>
             </a:fld>
             <a:endParaRPr lang="en-US"/>
           </a:p>
@@ -2588,7 +2596,7 @@
             <a:fld id="{A4FA2B0E-4818-9849-9CF1-1031FD4E1DAB}" type="datetimeFigureOut">
               <a:rPr lang="en-US" smtClean="0"/>
               <a:pPr/>
-              <a:t>12/11/18</a:t>
+              <a:t>1/24/21</a:t>
             </a:fld>
             <a:endParaRPr lang="en-US"/>
           </a:p>
@@ -2860,7 +2868,7 @@
             <a:fld id="{A4FA2B0E-4818-9849-9CF1-1031FD4E1DAB}" type="datetimeFigureOut">
               <a:rPr lang="en-US" smtClean="0"/>
               <a:pPr/>
-              <a:t>12/11/18</a:t>
+              <a:t>1/24/21</a:t>
             </a:fld>
             <a:endParaRPr lang="en-US"/>
           </a:p>
@@ -3109,7 +3117,7 @@
             <a:fld id="{A4FA2B0E-4818-9849-9CF1-1031FD4E1DAB}" type="datetimeFigureOut">
               <a:rPr lang="en-US" smtClean="0"/>
               <a:pPr/>
-              <a:t>12/11/18</a:t>
+              <a:t>1/24/21</a:t>
             </a:fld>
             <a:endParaRPr lang="en-US"/>
           </a:p>
@@ -3317,7 +3325,7 @@
             <a:fld id="{A4FA2B0E-4818-9849-9CF1-1031FD4E1DAB}" type="datetimeFigureOut">
               <a:rPr lang="en-US" smtClean="0"/>
               <a:pPr/>
-              <a:t>12/11/18</a:t>
+              <a:t>1/24/21</a:t>
             </a:fld>
             <a:endParaRPr lang="en-US"/>
           </a:p>
@@ -3730,7 +3738,7 @@
         <p:spPr>
           <a:xfrm>
             <a:off x="722088" y="3711629"/>
-            <a:ext cx="7436528" cy="1569660"/>
+            <a:ext cx="7436528" cy="1077218"/>
           </a:xfrm>
           <a:prstGeom prst="rect">
             <a:avLst/>
@@ -3761,20 +3769,7 @@
                 <a:latin typeface="Times New Roman"/>
                 <a:cs typeface="Times New Roman"/>
               </a:rPr>
-              <a:t>Written Summary of Research Article</a:t>
-            </a:r>
-          </a:p>
-          <a:p>
-            <a:pPr marL="568325" indent="-457200">
-              <a:buFont typeface="Arial" panose="020B0604020202020204" pitchFamily="34" charset="0"/>
-              <a:buChar char="•"/>
-            </a:pPr>
-            <a:r>
-              <a:rPr lang="en-US" sz="3200" dirty="0">
-                <a:latin typeface="Times New Roman"/>
-                <a:cs typeface="Times New Roman"/>
-              </a:rPr>
-              <a:t>Peer Review with Rubrics</a:t>
+              <a:t>Diversity &amp; Inclusion in Physics</a:t>
             </a:r>
           </a:p>
         </p:txBody>
@@ -3789,6 +3784,900 @@
       <p:endSnd/>
     </p:sndAc>
   </p:transition>
+</p:sld>
+</file>
+
+<file path=ppt/slides/slide10.xml><?xml version="1.0" encoding="utf-8"?>
+<p:sld xmlns:a="http://schemas.openxmlformats.org/drawingml/2006/main" xmlns:r="http://schemas.openxmlformats.org/officeDocument/2006/relationships" xmlns:p="http://schemas.openxmlformats.org/presentationml/2006/main">
+  <p:cSld>
+    <p:spTree>
+      <p:nvGrpSpPr>
+        <p:cNvPr id="1" name=""/>
+        <p:cNvGrpSpPr/>
+        <p:nvPr/>
+      </p:nvGrpSpPr>
+      <p:grpSpPr>
+        <a:xfrm>
+          <a:off x="0" y="0"/>
+          <a:ext cx="0" cy="0"/>
+          <a:chOff x="0" y="0"/>
+          <a:chExt cx="0" cy="0"/>
+        </a:xfrm>
+      </p:grpSpPr>
+      <p:sp>
+        <p:nvSpPr>
+          <p:cNvPr id="4" name="TextBox 3"/>
+          <p:cNvSpPr txBox="1"/>
+          <p:nvPr/>
+        </p:nvSpPr>
+        <p:spPr>
+          <a:xfrm>
+            <a:off x="275549" y="191702"/>
+            <a:ext cx="8672182" cy="553998"/>
+          </a:xfrm>
+          <a:prstGeom prst="rect">
+            <a:avLst/>
+          </a:prstGeom>
+          <a:noFill/>
+        </p:spPr>
+        <p:txBody>
+          <a:bodyPr wrap="none" rtlCol="0">
+            <a:spAutoFit/>
+          </a:bodyPr>
+          <a:lstStyle/>
+          <a:p>
+            <a:r>
+              <a:rPr lang="en-US" sz="3000" b="1" dirty="0">
+                <a:solidFill>
+                  <a:prstClr val="black"/>
+                </a:solidFill>
+                <a:latin typeface="Times New Roman"/>
+                <a:cs typeface="Times New Roman"/>
+              </a:rPr>
+              <a:t>Diversity &amp; Inclusion: Visible / Invisible Disabilities</a:t>
+            </a:r>
+            <a:endParaRPr lang="en-US" sz="2400" b="1" dirty="0">
+              <a:solidFill>
+                <a:prstClr val="black"/>
+              </a:solidFill>
+              <a:latin typeface="Times New Roman"/>
+              <a:cs typeface="Times New Roman"/>
+            </a:endParaRPr>
+          </a:p>
+        </p:txBody>
+      </p:sp>
+      <p:sp>
+        <p:nvSpPr>
+          <p:cNvPr id="6" name="TextBox 5">
+            <a:extLst>
+              <a:ext uri="{FF2B5EF4-FFF2-40B4-BE49-F238E27FC236}">
+                <a16:creationId xmlns:a16="http://schemas.microsoft.com/office/drawing/2014/main" id="{878A97EC-2834-8447-A6B8-2F5335C4C2C1}"/>
+              </a:ext>
+            </a:extLst>
+          </p:cNvPr>
+          <p:cNvSpPr txBox="1"/>
+          <p:nvPr/>
+        </p:nvSpPr>
+        <p:spPr>
+          <a:xfrm>
+            <a:off x="539603" y="945629"/>
+            <a:ext cx="8355015" cy="5386090"/>
+          </a:xfrm>
+          <a:prstGeom prst="rect">
+            <a:avLst/>
+          </a:prstGeom>
+          <a:noFill/>
+        </p:spPr>
+        <p:txBody>
+          <a:bodyPr wrap="square" rtlCol="0">
+            <a:spAutoFit/>
+          </a:bodyPr>
+          <a:lstStyle/>
+          <a:p>
+            <a:pPr marL="342900" indent="-342900">
+              <a:buFont typeface="Arial" panose="020B0604020202020204" pitchFamily="34" charset="0"/>
+              <a:buChar char="•"/>
+            </a:pPr>
+            <a:r>
+              <a:rPr lang="en-US" sz="2400" dirty="0">
+                <a:latin typeface="Times New Roman" panose="02020603050405020304" pitchFamily="18" charset="0"/>
+                <a:ea typeface="MS Mincho" panose="02020609040205080304" pitchFamily="49" charset="-128"/>
+                <a:cs typeface="Times New Roman" panose="02020603050405020304" pitchFamily="18" charset="0"/>
+              </a:rPr>
+              <a:t>Resources:</a:t>
+            </a:r>
+          </a:p>
+          <a:p>
+            <a:pPr marL="914400" lvl="1" indent="-457200">
+              <a:buFont typeface="Arial" panose="020B0604020202020204" pitchFamily="34" charset="0"/>
+              <a:buChar char="•"/>
+            </a:pPr>
+            <a:r>
+              <a:rPr lang="en-US" sz="2000" dirty="0">
+                <a:latin typeface="Times New Roman" panose="02020603050405020304" pitchFamily="18" charset="0"/>
+                <a:ea typeface="MS Mincho" panose="02020609040205080304" pitchFamily="49" charset="-128"/>
+                <a:cs typeface="Times New Roman" panose="02020603050405020304" pitchFamily="18" charset="0"/>
+                <a:hlinkClick r:id="rId2"/>
+              </a:rPr>
+              <a:t>http://www.iop.org/publications/iop/2008/file_42866.pdf</a:t>
+            </a:r>
+            <a:endParaRPr lang="en-US" sz="2000" dirty="0">
+              <a:latin typeface="Times New Roman" panose="02020603050405020304" pitchFamily="18" charset="0"/>
+              <a:ea typeface="MS Mincho" panose="02020609040205080304" pitchFamily="49" charset="-128"/>
+              <a:cs typeface="Times New Roman" panose="02020603050405020304" pitchFamily="18" charset="0"/>
+            </a:endParaRPr>
+          </a:p>
+          <a:p>
+            <a:pPr marL="914400" lvl="1" indent="-457200">
+              <a:buFont typeface="Arial" panose="020B0604020202020204" pitchFamily="34" charset="0"/>
+              <a:buChar char="•"/>
+            </a:pPr>
+            <a:r>
+              <a:rPr lang="en-US" sz="2000" dirty="0">
+                <a:latin typeface="Times New Roman" panose="02020603050405020304" pitchFamily="18" charset="0"/>
+                <a:ea typeface="MS Mincho" panose="02020609040205080304" pitchFamily="49" charset="-128"/>
+                <a:cs typeface="Times New Roman" panose="02020603050405020304" pitchFamily="18" charset="0"/>
+                <a:hlinkClick r:id="rId3"/>
+              </a:rPr>
+              <a:t>https://www.symmetrymagazine.org/article/approaching-disability-like-a-scientist</a:t>
+            </a:r>
+            <a:endParaRPr lang="en-US" sz="2000" dirty="0">
+              <a:latin typeface="Times New Roman" panose="02020603050405020304" pitchFamily="18" charset="0"/>
+              <a:ea typeface="MS Mincho" panose="02020609040205080304" pitchFamily="49" charset="-128"/>
+              <a:cs typeface="Times New Roman" panose="02020603050405020304" pitchFamily="18" charset="0"/>
+            </a:endParaRPr>
+          </a:p>
+          <a:p>
+            <a:pPr marL="914400" lvl="1" indent="-457200">
+              <a:buFont typeface="Arial" panose="020B0604020202020204" pitchFamily="34" charset="0"/>
+              <a:buChar char="•"/>
+            </a:pPr>
+            <a:r>
+              <a:rPr lang="en-US" sz="2000" dirty="0">
+                <a:latin typeface="Times New Roman" panose="02020603050405020304" pitchFamily="18" charset="0"/>
+                <a:ea typeface="MS Mincho" panose="02020609040205080304" pitchFamily="49" charset="-128"/>
+                <a:cs typeface="Times New Roman" panose="02020603050405020304" pitchFamily="18" charset="0"/>
+                <a:hlinkClick r:id="rId4"/>
+              </a:rPr>
+              <a:t>https://healthcenter.gwu.edu/counseling-and-psychological-services</a:t>
+            </a:r>
+            <a:endParaRPr lang="en-US" sz="2000" dirty="0">
+              <a:latin typeface="Times New Roman" panose="02020603050405020304" pitchFamily="18" charset="0"/>
+              <a:ea typeface="MS Mincho" panose="02020609040205080304" pitchFamily="49" charset="-128"/>
+              <a:cs typeface="Times New Roman" panose="02020603050405020304" pitchFamily="18" charset="0"/>
+            </a:endParaRPr>
+          </a:p>
+          <a:p>
+            <a:pPr marL="914400" lvl="1" indent="-457200">
+              <a:buFont typeface="Arial" panose="020B0604020202020204" pitchFamily="34" charset="0"/>
+              <a:buChar char="•"/>
+            </a:pPr>
+            <a:endParaRPr lang="en-US" sz="800" dirty="0">
+              <a:latin typeface="Times New Roman" panose="02020603050405020304" pitchFamily="18" charset="0"/>
+              <a:ea typeface="MS Mincho" panose="02020609040205080304" pitchFamily="49" charset="-128"/>
+              <a:cs typeface="Times New Roman" panose="02020603050405020304" pitchFamily="18" charset="0"/>
+            </a:endParaRPr>
+          </a:p>
+          <a:p>
+            <a:pPr marL="457200" indent="-457200">
+              <a:buFont typeface="Arial" panose="020B0604020202020204" pitchFamily="34" charset="0"/>
+              <a:buChar char="•"/>
+            </a:pPr>
+            <a:r>
+              <a:rPr lang="en-US" sz="2400" dirty="0">
+                <a:latin typeface="Times New Roman" panose="02020603050405020304" pitchFamily="18" charset="0"/>
+                <a:ea typeface="MS Mincho" panose="02020609040205080304" pitchFamily="49" charset="-128"/>
+                <a:cs typeface="Times New Roman" panose="02020603050405020304" pitchFamily="18" charset="0"/>
+              </a:rPr>
+              <a:t>Q1: What issues are there for individuals experiencing visible and/or invisible disabilities while pursuing education and a career in physics?</a:t>
+            </a:r>
+          </a:p>
+          <a:p>
+            <a:pPr marL="457200" indent="-457200">
+              <a:buFont typeface="Arial" panose="020B0604020202020204" pitchFamily="34" charset="0"/>
+              <a:buChar char="•"/>
+            </a:pPr>
+            <a:endParaRPr lang="en-US" sz="800" dirty="0">
+              <a:latin typeface="Times New Roman" panose="02020603050405020304" pitchFamily="18" charset="0"/>
+              <a:ea typeface="MS Mincho" panose="02020609040205080304" pitchFamily="49" charset="-128"/>
+              <a:cs typeface="Times New Roman" panose="02020603050405020304" pitchFamily="18" charset="0"/>
+            </a:endParaRPr>
+          </a:p>
+          <a:p>
+            <a:pPr marL="457200" indent="-457200">
+              <a:buFont typeface="Arial" panose="020B0604020202020204" pitchFamily="34" charset="0"/>
+              <a:buChar char="•"/>
+            </a:pPr>
+            <a:r>
+              <a:rPr lang="en-US" sz="2400" dirty="0">
+                <a:latin typeface="Times New Roman" panose="02020603050405020304" pitchFamily="18" charset="0"/>
+                <a:ea typeface="MS Mincho" panose="02020609040205080304" pitchFamily="49" charset="-128"/>
+                <a:cs typeface="Times New Roman" panose="02020603050405020304" pitchFamily="18" charset="0"/>
+              </a:rPr>
+              <a:t>Q2: What aspects of common community practice cause problems for physicists experiencing visible and/or invisible disabilities?</a:t>
+            </a:r>
+          </a:p>
+          <a:p>
+            <a:pPr marL="457200" indent="-457200">
+              <a:buFont typeface="Arial" panose="020B0604020202020204" pitchFamily="34" charset="0"/>
+              <a:buChar char="•"/>
+            </a:pPr>
+            <a:endParaRPr lang="en-US" sz="800" dirty="0">
+              <a:latin typeface="Times New Roman" panose="02020603050405020304" pitchFamily="18" charset="0"/>
+              <a:ea typeface="MS Mincho" panose="02020609040205080304" pitchFamily="49" charset="-128"/>
+              <a:cs typeface="Times New Roman" panose="02020603050405020304" pitchFamily="18" charset="0"/>
+            </a:endParaRPr>
+          </a:p>
+          <a:p>
+            <a:pPr marL="457200" indent="-457200">
+              <a:buFont typeface="Arial" panose="020B0604020202020204" pitchFamily="34" charset="0"/>
+              <a:buChar char="•"/>
+            </a:pPr>
+            <a:r>
+              <a:rPr lang="en-US" sz="2400" dirty="0">
+                <a:latin typeface="Times New Roman" panose="02020603050405020304" pitchFamily="18" charset="0"/>
+                <a:ea typeface="MS Mincho" panose="02020609040205080304" pitchFamily="49" charset="-128"/>
+                <a:cs typeface="Times New Roman" panose="02020603050405020304" pitchFamily="18" charset="0"/>
+              </a:rPr>
+              <a:t>Q3: What can be done to make life easier for individuals experiencing visible and/or invisible disabilities within the physics department and the physics community?</a:t>
+            </a:r>
+          </a:p>
+        </p:txBody>
+      </p:sp>
+    </p:spTree>
+    <p:extLst>
+      <p:ext uri="{BB962C8B-B14F-4D97-AF65-F5344CB8AC3E}">
+        <p14:creationId xmlns:p14="http://schemas.microsoft.com/office/powerpoint/2010/main" val="2741183054"/>
+      </p:ext>
+    </p:extLst>
+  </p:cSld>
+  <p:clrMapOvr>
+    <a:masterClrMapping/>
+  </p:clrMapOvr>
+</p:sld>
+</file>
+
+<file path=ppt/slides/slide11.xml><?xml version="1.0" encoding="utf-8"?>
+<p:sld xmlns:a="http://schemas.openxmlformats.org/drawingml/2006/main" xmlns:r="http://schemas.openxmlformats.org/officeDocument/2006/relationships" xmlns:p="http://schemas.openxmlformats.org/presentationml/2006/main">
+  <p:cSld>
+    <p:spTree>
+      <p:nvGrpSpPr>
+        <p:cNvPr id="1" name=""/>
+        <p:cNvGrpSpPr/>
+        <p:nvPr/>
+      </p:nvGrpSpPr>
+      <p:grpSpPr>
+        <a:xfrm>
+          <a:off x="0" y="0"/>
+          <a:ext cx="0" cy="0"/>
+          <a:chOff x="0" y="0"/>
+          <a:chExt cx="0" cy="0"/>
+        </a:xfrm>
+      </p:grpSpPr>
+      <p:sp>
+        <p:nvSpPr>
+          <p:cNvPr id="4" name="TextBox 3"/>
+          <p:cNvSpPr txBox="1"/>
+          <p:nvPr/>
+        </p:nvSpPr>
+        <p:spPr>
+          <a:xfrm>
+            <a:off x="275549" y="191702"/>
+            <a:ext cx="6669390" cy="553998"/>
+          </a:xfrm>
+          <a:prstGeom prst="rect">
+            <a:avLst/>
+          </a:prstGeom>
+          <a:noFill/>
+        </p:spPr>
+        <p:txBody>
+          <a:bodyPr wrap="none" rtlCol="0">
+            <a:spAutoFit/>
+          </a:bodyPr>
+          <a:lstStyle/>
+          <a:p>
+            <a:r>
+              <a:rPr lang="en-US" sz="3000" b="1" dirty="0">
+                <a:solidFill>
+                  <a:prstClr val="black"/>
+                </a:solidFill>
+                <a:latin typeface="Times New Roman"/>
+                <a:cs typeface="Times New Roman"/>
+              </a:rPr>
+              <a:t>Diversity &amp; Inclusion: Other Resources</a:t>
+            </a:r>
+            <a:endParaRPr lang="en-US" sz="2400" b="1" dirty="0">
+              <a:solidFill>
+                <a:prstClr val="black"/>
+              </a:solidFill>
+              <a:latin typeface="Times New Roman"/>
+              <a:cs typeface="Times New Roman"/>
+            </a:endParaRPr>
+          </a:p>
+        </p:txBody>
+      </p:sp>
+      <p:sp>
+        <p:nvSpPr>
+          <p:cNvPr id="6" name="TextBox 5">
+            <a:extLst>
+              <a:ext uri="{FF2B5EF4-FFF2-40B4-BE49-F238E27FC236}">
+                <a16:creationId xmlns:a16="http://schemas.microsoft.com/office/drawing/2014/main" id="{878A97EC-2834-8447-A6B8-2F5335C4C2C1}"/>
+              </a:ext>
+            </a:extLst>
+          </p:cNvPr>
+          <p:cNvSpPr txBox="1"/>
+          <p:nvPr/>
+        </p:nvSpPr>
+        <p:spPr>
+          <a:xfrm>
+            <a:off x="539604" y="945629"/>
+            <a:ext cx="8378766" cy="5632311"/>
+          </a:xfrm>
+          <a:prstGeom prst="rect">
+            <a:avLst/>
+          </a:prstGeom>
+          <a:noFill/>
+        </p:spPr>
+        <p:txBody>
+          <a:bodyPr wrap="square" rtlCol="0">
+            <a:spAutoFit/>
+          </a:bodyPr>
+          <a:lstStyle/>
+          <a:p>
+            <a:pPr marL="342900" indent="-342900">
+              <a:buFont typeface="Arial" panose="020B0604020202020204" pitchFamily="34" charset="0"/>
+              <a:buChar char="•"/>
+            </a:pPr>
+            <a:r>
+              <a:rPr lang="en-GB" altLang="en-US" sz="2400" dirty="0">
+                <a:latin typeface="Times New Roman" panose="02020603050405020304" pitchFamily="18" charset="0"/>
+                <a:cs typeface="Times New Roman" panose="02020603050405020304" pitchFamily="18" charset="0"/>
+              </a:rPr>
+              <a:t>APS Bridge Program: </a:t>
+            </a:r>
+            <a:r>
+              <a:rPr lang="en-GB" altLang="en-US" sz="2400" dirty="0">
+                <a:latin typeface="Times New Roman" panose="02020603050405020304" pitchFamily="18" charset="0"/>
+                <a:cs typeface="Times New Roman" panose="02020603050405020304" pitchFamily="18" charset="0"/>
+                <a:hlinkClick r:id="rId2"/>
+              </a:rPr>
+              <a:t>http://www.apsbridgeprogram.org</a:t>
+            </a:r>
+            <a:endParaRPr lang="en-GB" altLang="en-US" sz="2400" dirty="0">
+              <a:latin typeface="Times New Roman" panose="02020603050405020304" pitchFamily="18" charset="0"/>
+              <a:cs typeface="Times New Roman" panose="02020603050405020304" pitchFamily="18" charset="0"/>
+            </a:endParaRPr>
+          </a:p>
+          <a:p>
+            <a:pPr marL="342900" indent="-342900">
+              <a:buFont typeface="Arial" panose="020B0604020202020204" pitchFamily="34" charset="0"/>
+              <a:buChar char="•"/>
+            </a:pPr>
+            <a:endParaRPr lang="en-GB" altLang="en-US" sz="800" dirty="0">
+              <a:latin typeface="Times New Roman" panose="02020603050405020304" pitchFamily="18" charset="0"/>
+              <a:cs typeface="Times New Roman" panose="02020603050405020304" pitchFamily="18" charset="0"/>
+            </a:endParaRPr>
+          </a:p>
+          <a:p>
+            <a:pPr marL="342900" indent="-342900">
+              <a:buFont typeface="Arial" panose="020B0604020202020204" pitchFamily="34" charset="0"/>
+              <a:buChar char="•"/>
+            </a:pPr>
+            <a:r>
+              <a:rPr lang="en-GB" altLang="en-US" sz="2400" dirty="0">
+                <a:latin typeface="Times New Roman" panose="02020603050405020304" pitchFamily="18" charset="0"/>
+                <a:cs typeface="Times New Roman" panose="02020603050405020304" pitchFamily="18" charset="0"/>
+              </a:rPr>
+              <a:t>Conference for Undergraduate Women in Physics: </a:t>
+            </a:r>
+            <a:r>
+              <a:rPr lang="en-GB" altLang="en-US" sz="2400" dirty="0">
+                <a:latin typeface="Times New Roman" panose="02020603050405020304" pitchFamily="18" charset="0"/>
+                <a:cs typeface="Times New Roman" panose="02020603050405020304" pitchFamily="18" charset="0"/>
+                <a:hlinkClick r:id="rId3"/>
+              </a:rPr>
+              <a:t>https://www.aps.org/programs/women/workshops/cuwip.cfm</a:t>
+            </a:r>
+            <a:endParaRPr lang="en-GB" altLang="en-US" sz="2400" dirty="0">
+              <a:latin typeface="Times New Roman" panose="02020603050405020304" pitchFamily="18" charset="0"/>
+              <a:cs typeface="Times New Roman" panose="02020603050405020304" pitchFamily="18" charset="0"/>
+            </a:endParaRPr>
+          </a:p>
+          <a:p>
+            <a:pPr marL="342900" indent="-342900">
+              <a:buFont typeface="Arial" panose="020B0604020202020204" pitchFamily="34" charset="0"/>
+              <a:buChar char="•"/>
+            </a:pPr>
+            <a:endParaRPr lang="en-GB" altLang="en-US" sz="800" dirty="0">
+              <a:latin typeface="Times New Roman" panose="02020603050405020304" pitchFamily="18" charset="0"/>
+              <a:cs typeface="Times New Roman" panose="02020603050405020304" pitchFamily="18" charset="0"/>
+            </a:endParaRPr>
+          </a:p>
+          <a:p>
+            <a:pPr marL="342900" indent="-342900">
+              <a:buFont typeface="Arial" panose="020B0604020202020204" pitchFamily="34" charset="0"/>
+              <a:buChar char="•"/>
+            </a:pPr>
+            <a:r>
+              <a:rPr lang="en-GB" altLang="en-US" sz="2400" dirty="0">
+                <a:latin typeface="Times New Roman" panose="02020603050405020304" pitchFamily="18" charset="0"/>
+                <a:cs typeface="Times New Roman" panose="02020603050405020304" pitchFamily="18" charset="0"/>
+              </a:rPr>
+              <a:t>Step Up 4 Women: </a:t>
+            </a:r>
+            <a:r>
+              <a:rPr lang="en-GB" altLang="en-US" sz="2400" dirty="0">
+                <a:latin typeface="Times New Roman" panose="02020603050405020304" pitchFamily="18" charset="0"/>
+                <a:cs typeface="Times New Roman" panose="02020603050405020304" pitchFamily="18" charset="0"/>
+                <a:hlinkClick r:id="rId4"/>
+              </a:rPr>
+              <a:t>https://www.aps.org/programs/education/su4w/</a:t>
+            </a:r>
+            <a:endParaRPr lang="en-GB" altLang="en-US" sz="2400" dirty="0">
+              <a:latin typeface="Times New Roman" panose="02020603050405020304" pitchFamily="18" charset="0"/>
+              <a:cs typeface="Times New Roman" panose="02020603050405020304" pitchFamily="18" charset="0"/>
+            </a:endParaRPr>
+          </a:p>
+          <a:p>
+            <a:pPr marL="342900" indent="-342900">
+              <a:buFont typeface="Arial" panose="020B0604020202020204" pitchFamily="34" charset="0"/>
+              <a:buChar char="•"/>
+            </a:pPr>
+            <a:endParaRPr lang="en-GB" altLang="en-US" sz="800" dirty="0">
+              <a:latin typeface="Times New Roman" panose="02020603050405020304" pitchFamily="18" charset="0"/>
+              <a:cs typeface="Times New Roman" panose="02020603050405020304" pitchFamily="18" charset="0"/>
+            </a:endParaRPr>
+          </a:p>
+          <a:p>
+            <a:pPr marL="342900" indent="-342900">
+              <a:buFont typeface="Arial" panose="020B0604020202020204" pitchFamily="34" charset="0"/>
+              <a:buChar char="•"/>
+            </a:pPr>
+            <a:r>
+              <a:rPr lang="en-GB" altLang="en-US" sz="2400" dirty="0">
+                <a:latin typeface="Times New Roman" panose="02020603050405020304" pitchFamily="18" charset="0"/>
+                <a:cs typeface="Times New Roman" panose="02020603050405020304" pitchFamily="18" charset="0"/>
+              </a:rPr>
+              <a:t>National Mentoring Community: </a:t>
+            </a:r>
+            <a:r>
+              <a:rPr lang="en-GB" altLang="en-US" sz="2400" dirty="0">
+                <a:latin typeface="Times New Roman" panose="02020603050405020304" pitchFamily="18" charset="0"/>
+                <a:cs typeface="Times New Roman" panose="02020603050405020304" pitchFamily="18" charset="0"/>
+                <a:hlinkClick r:id="rId5"/>
+              </a:rPr>
+              <a:t>https://www.aps.org/programs/minorities/nmc/</a:t>
+            </a:r>
+            <a:endParaRPr lang="en-GB" altLang="en-US" sz="2400" dirty="0">
+              <a:latin typeface="Times New Roman" panose="02020603050405020304" pitchFamily="18" charset="0"/>
+              <a:cs typeface="Times New Roman" panose="02020603050405020304" pitchFamily="18" charset="0"/>
+            </a:endParaRPr>
+          </a:p>
+          <a:p>
+            <a:pPr marL="342900" indent="-342900">
+              <a:buFont typeface="Arial" panose="020B0604020202020204" pitchFamily="34" charset="0"/>
+              <a:buChar char="•"/>
+            </a:pPr>
+            <a:endParaRPr lang="en-GB" altLang="en-US" sz="800" dirty="0">
+              <a:latin typeface="Times New Roman" panose="02020603050405020304" pitchFamily="18" charset="0"/>
+              <a:cs typeface="Times New Roman" panose="02020603050405020304" pitchFamily="18" charset="0"/>
+            </a:endParaRPr>
+          </a:p>
+          <a:p>
+            <a:pPr marL="342900" indent="-342900">
+              <a:buFont typeface="Arial" panose="020B0604020202020204" pitchFamily="34" charset="0"/>
+              <a:buChar char="•"/>
+            </a:pPr>
+            <a:r>
+              <a:rPr lang="en-GB" altLang="en-US" sz="2400" dirty="0">
+                <a:latin typeface="Times New Roman" panose="02020603050405020304" pitchFamily="18" charset="0"/>
+                <a:cs typeface="Times New Roman" panose="02020603050405020304" pitchFamily="18" charset="0"/>
+              </a:rPr>
+              <a:t>Women in Physics Groups (grants up to $1000): </a:t>
+            </a:r>
+            <a:r>
+              <a:rPr lang="en-GB" altLang="en-US" sz="2400" dirty="0">
+                <a:latin typeface="Times New Roman" panose="02020603050405020304" pitchFamily="18" charset="0"/>
+                <a:cs typeface="Times New Roman" panose="02020603050405020304" pitchFamily="18" charset="0"/>
+                <a:hlinkClick r:id="rId6"/>
+              </a:rPr>
+              <a:t>https://www.aps.org/programs/women/index.cfm</a:t>
+            </a:r>
+            <a:endParaRPr lang="en-GB" altLang="en-US" sz="2400" dirty="0">
+              <a:latin typeface="Times New Roman" panose="02020603050405020304" pitchFamily="18" charset="0"/>
+              <a:cs typeface="Times New Roman" panose="02020603050405020304" pitchFamily="18" charset="0"/>
+            </a:endParaRPr>
+          </a:p>
+          <a:p>
+            <a:pPr marL="342900" indent="-342900">
+              <a:buFont typeface="Arial" panose="020B0604020202020204" pitchFamily="34" charset="0"/>
+              <a:buChar char="•"/>
+            </a:pPr>
+            <a:endParaRPr lang="en-GB" altLang="en-US" sz="800" dirty="0">
+              <a:latin typeface="Times New Roman" panose="02020603050405020304" pitchFamily="18" charset="0"/>
+              <a:cs typeface="Times New Roman" panose="02020603050405020304" pitchFamily="18" charset="0"/>
+            </a:endParaRPr>
+          </a:p>
+          <a:p>
+            <a:pPr marL="342900" indent="-342900">
+              <a:buFont typeface="Arial" panose="020B0604020202020204" pitchFamily="34" charset="0"/>
+              <a:buChar char="•"/>
+            </a:pPr>
+            <a:r>
+              <a:rPr lang="en-GB" altLang="en-US" sz="2400" dirty="0">
+                <a:latin typeface="Times New Roman" panose="02020603050405020304" pitchFamily="18" charset="0"/>
+                <a:cs typeface="Times New Roman" panose="02020603050405020304" pitchFamily="18" charset="0"/>
+              </a:rPr>
+              <a:t>AIP Team-Up: </a:t>
+            </a:r>
+            <a:r>
+              <a:rPr lang="en-GB" altLang="en-US" sz="2400" dirty="0">
+                <a:latin typeface="Times New Roman" panose="02020603050405020304" pitchFamily="18" charset="0"/>
+                <a:cs typeface="Times New Roman" panose="02020603050405020304" pitchFamily="18" charset="0"/>
+                <a:hlinkClick r:id="rId7"/>
+              </a:rPr>
+              <a:t>https://www.aip.org/diversity-initiatives/team-up-task-force</a:t>
+            </a:r>
+            <a:endParaRPr lang="en-GB" altLang="en-US" sz="2400" dirty="0">
+              <a:latin typeface="Times New Roman" panose="02020603050405020304" pitchFamily="18" charset="0"/>
+              <a:cs typeface="Times New Roman" panose="02020603050405020304" pitchFamily="18" charset="0"/>
+            </a:endParaRPr>
+          </a:p>
+          <a:p>
+            <a:pPr marL="342900" indent="-342900">
+              <a:buFont typeface="Arial" panose="020B0604020202020204" pitchFamily="34" charset="0"/>
+              <a:buChar char="•"/>
+            </a:pPr>
+            <a:endParaRPr lang="en-GB" altLang="en-US" sz="800" dirty="0">
+              <a:latin typeface="Times New Roman" panose="02020603050405020304" pitchFamily="18" charset="0"/>
+              <a:cs typeface="Times New Roman" panose="02020603050405020304" pitchFamily="18" charset="0"/>
+            </a:endParaRPr>
+          </a:p>
+          <a:p>
+            <a:pPr marL="342900" indent="-342900">
+              <a:buFont typeface="Arial" panose="020B0604020202020204" pitchFamily="34" charset="0"/>
+              <a:buChar char="•"/>
+            </a:pPr>
+            <a:r>
+              <a:rPr lang="en-GB" altLang="en-US" sz="2400" i="1" dirty="0">
+                <a:latin typeface="Times New Roman" panose="02020603050405020304" pitchFamily="18" charset="0"/>
+                <a:cs typeface="Times New Roman" panose="02020603050405020304" pitchFamily="18" charset="0"/>
+              </a:rPr>
+              <a:t>Women Don't Ask: The High Cost of Avoiding Negotiation – and Positive Strategies for Change </a:t>
+            </a:r>
+            <a:r>
+              <a:rPr lang="en-GB" altLang="en-US" sz="2400" dirty="0">
+                <a:latin typeface="Times New Roman" panose="02020603050405020304" pitchFamily="18" charset="0"/>
+                <a:cs typeface="Times New Roman" panose="02020603050405020304" pitchFamily="18" charset="0"/>
+              </a:rPr>
+              <a:t>(L. Babcock &amp; S. </a:t>
+            </a:r>
+            <a:r>
+              <a:rPr lang="en-GB" altLang="en-US" sz="2400" dirty="0" err="1">
+                <a:latin typeface="Times New Roman" panose="02020603050405020304" pitchFamily="18" charset="0"/>
+                <a:cs typeface="Times New Roman" panose="02020603050405020304" pitchFamily="18" charset="0"/>
+              </a:rPr>
+              <a:t>Laschever</a:t>
+            </a:r>
+            <a:r>
+              <a:rPr lang="en-GB" altLang="en-US" sz="2400" dirty="0">
+                <a:latin typeface="Times New Roman" panose="02020603050405020304" pitchFamily="18" charset="0"/>
+                <a:cs typeface="Times New Roman" panose="02020603050405020304" pitchFamily="18" charset="0"/>
+              </a:rPr>
+              <a:t>)</a:t>
+            </a:r>
+          </a:p>
+        </p:txBody>
+      </p:sp>
+    </p:spTree>
+    <p:extLst>
+      <p:ext uri="{BB962C8B-B14F-4D97-AF65-F5344CB8AC3E}">
+        <p14:creationId xmlns:p14="http://schemas.microsoft.com/office/powerpoint/2010/main" val="3010689005"/>
+      </p:ext>
+    </p:extLst>
+  </p:cSld>
+  <p:clrMapOvr>
+    <a:masterClrMapping/>
+  </p:clrMapOvr>
+</p:sld>
+</file>
+
+<file path=ppt/slides/slide12.xml><?xml version="1.0" encoding="utf-8"?>
+<p:sld xmlns:a="http://schemas.openxmlformats.org/drawingml/2006/main" xmlns:r="http://schemas.openxmlformats.org/officeDocument/2006/relationships" xmlns:p="http://schemas.openxmlformats.org/presentationml/2006/main">
+  <p:cSld>
+    <p:spTree>
+      <p:nvGrpSpPr>
+        <p:cNvPr id="1" name=""/>
+        <p:cNvGrpSpPr/>
+        <p:nvPr/>
+      </p:nvGrpSpPr>
+      <p:grpSpPr>
+        <a:xfrm>
+          <a:off x="0" y="0"/>
+          <a:ext cx="0" cy="0"/>
+          <a:chOff x="0" y="0"/>
+          <a:chExt cx="0" cy="0"/>
+        </a:xfrm>
+      </p:grpSpPr>
+      <p:sp>
+        <p:nvSpPr>
+          <p:cNvPr id="4" name="TextBox 3"/>
+          <p:cNvSpPr txBox="1"/>
+          <p:nvPr/>
+        </p:nvSpPr>
+        <p:spPr>
+          <a:xfrm>
+            <a:off x="275549" y="191702"/>
+            <a:ext cx="4812536" cy="553998"/>
+          </a:xfrm>
+          <a:prstGeom prst="rect">
+            <a:avLst/>
+          </a:prstGeom>
+          <a:noFill/>
+        </p:spPr>
+        <p:txBody>
+          <a:bodyPr wrap="none" rtlCol="0">
+            <a:spAutoFit/>
+          </a:bodyPr>
+          <a:lstStyle/>
+          <a:p>
+            <a:r>
+              <a:rPr lang="en-US" sz="3000" b="1" dirty="0">
+                <a:solidFill>
+                  <a:prstClr val="black"/>
+                </a:solidFill>
+                <a:latin typeface="Times New Roman"/>
+                <a:cs typeface="Times New Roman"/>
+              </a:rPr>
+              <a:t>Upcoming Classes/Activities</a:t>
+            </a:r>
+            <a:endParaRPr lang="en-US" sz="2400" b="1" dirty="0">
+              <a:solidFill>
+                <a:prstClr val="black"/>
+              </a:solidFill>
+              <a:latin typeface="Times New Roman"/>
+              <a:cs typeface="Times New Roman"/>
+            </a:endParaRPr>
+          </a:p>
+        </p:txBody>
+      </p:sp>
+      <p:sp>
+        <p:nvSpPr>
+          <p:cNvPr id="6" name="TextBox 5">
+            <a:extLst>
+              <a:ext uri="{FF2B5EF4-FFF2-40B4-BE49-F238E27FC236}">
+                <a16:creationId xmlns:a16="http://schemas.microsoft.com/office/drawing/2014/main" id="{878A97EC-2834-8447-A6B8-2F5335C4C2C1}"/>
+              </a:ext>
+            </a:extLst>
+          </p:cNvPr>
+          <p:cNvSpPr txBox="1"/>
+          <p:nvPr/>
+        </p:nvSpPr>
+        <p:spPr>
+          <a:xfrm>
+            <a:off x="539603" y="945629"/>
+            <a:ext cx="8450017" cy="5078313"/>
+          </a:xfrm>
+          <a:prstGeom prst="rect">
+            <a:avLst/>
+          </a:prstGeom>
+          <a:noFill/>
+        </p:spPr>
+        <p:txBody>
+          <a:bodyPr wrap="square" rtlCol="0">
+            <a:spAutoFit/>
+          </a:bodyPr>
+          <a:lstStyle/>
+          <a:p>
+            <a:pPr marL="342900" indent="-342900">
+              <a:buFont typeface="Arial" panose="020B0604020202020204" pitchFamily="34" charset="0"/>
+              <a:buChar char="•"/>
+            </a:pPr>
+            <a:r>
+              <a:rPr lang="en-US" sz="2400" dirty="0">
+                <a:latin typeface="Times New Roman" panose="02020603050405020304" pitchFamily="18" charset="0"/>
+                <a:ea typeface="MS Mincho" panose="02020609040205080304" pitchFamily="49" charset="-128"/>
+                <a:cs typeface="Times New Roman" panose="02020603050405020304" pitchFamily="18" charset="0"/>
+              </a:rPr>
+              <a:t>Next class: summary of one research article related to students’ research topic</a:t>
+            </a:r>
+          </a:p>
+          <a:p>
+            <a:pPr marL="800100" lvl="1" indent="-342900">
+              <a:buFont typeface="Arial" panose="020B0604020202020204" pitchFamily="34" charset="0"/>
+              <a:buChar char="•"/>
+            </a:pPr>
+            <a:r>
+              <a:rPr lang="en-US" sz="2200" dirty="0">
+                <a:latin typeface="Times New Roman" panose="02020603050405020304" pitchFamily="18" charset="0"/>
+                <a:ea typeface="MS Mincho" panose="02020609040205080304" pitchFamily="49" charset="-128"/>
+                <a:cs typeface="Times New Roman" panose="02020603050405020304" pitchFamily="18" charset="0"/>
+              </a:rPr>
+              <a:t>300 – 400 words (strict minimum &amp; maximum)</a:t>
+            </a:r>
+          </a:p>
+          <a:p>
+            <a:pPr marL="800100" lvl="1" indent="-342900">
+              <a:buFont typeface="Arial" panose="020B0604020202020204" pitchFamily="34" charset="0"/>
+              <a:buChar char="•"/>
+            </a:pPr>
+            <a:r>
+              <a:rPr lang="en-US" sz="2200" dirty="0">
+                <a:latin typeface="Times New Roman" panose="02020603050405020304" pitchFamily="18" charset="0"/>
+                <a:ea typeface="MS Mincho" panose="02020609040205080304" pitchFamily="49" charset="-128"/>
+                <a:cs typeface="Times New Roman" panose="02020603050405020304" pitchFamily="18" charset="0"/>
+              </a:rPr>
+              <a:t>Audience: students in this class </a:t>
+            </a:r>
+            <a:r>
+              <a:rPr lang="en-US" sz="2200" dirty="0">
+                <a:latin typeface="Times New Roman" panose="02020603050405020304" pitchFamily="18" charset="0"/>
+                <a:ea typeface="MS Mincho" panose="02020609040205080304" pitchFamily="49" charset="-128"/>
+                <a:cs typeface="Times New Roman" panose="02020603050405020304" pitchFamily="18" charset="0"/>
+                <a:sym typeface="Wingdings" pitchFamily="2" charset="2"/>
+              </a:rPr>
+              <a:t> peer review</a:t>
+            </a:r>
+          </a:p>
+          <a:p>
+            <a:pPr marL="800100" lvl="1" indent="-342900">
+              <a:buFont typeface="Arial" panose="020B0604020202020204" pitchFamily="34" charset="0"/>
+              <a:buChar char="•"/>
+            </a:pPr>
+            <a:r>
+              <a:rPr lang="en-US" sz="2200" dirty="0">
+                <a:latin typeface="Times New Roman" panose="02020603050405020304" pitchFamily="18" charset="0"/>
+                <a:ea typeface="MS Mincho" panose="02020609040205080304" pitchFamily="49" charset="-128"/>
+                <a:cs typeface="Times New Roman" panose="02020603050405020304" pitchFamily="18" charset="0"/>
+              </a:rPr>
+              <a:t>Think about CAT (Collect, Analyze, Try)</a:t>
+            </a:r>
+            <a:endParaRPr lang="en-US" sz="2200" dirty="0">
+              <a:latin typeface="Times New Roman" panose="02020603050405020304" pitchFamily="18" charset="0"/>
+              <a:ea typeface="MS Mincho" panose="02020609040205080304" pitchFamily="49" charset="-128"/>
+              <a:cs typeface="Times New Roman" panose="02020603050405020304" pitchFamily="18" charset="0"/>
+              <a:sym typeface="Wingdings" pitchFamily="2" charset="2"/>
+            </a:endParaRPr>
+          </a:p>
+          <a:p>
+            <a:pPr marL="800100" lvl="1" indent="-342900">
+              <a:buFont typeface="Arial" panose="020B0604020202020204" pitchFamily="34" charset="0"/>
+              <a:buChar char="•"/>
+            </a:pPr>
+            <a:r>
+              <a:rPr lang="en-US" sz="2200" dirty="0">
+                <a:latin typeface="Times New Roman" panose="02020603050405020304" pitchFamily="18" charset="0"/>
+                <a:ea typeface="MS Mincho" panose="02020609040205080304" pitchFamily="49" charset="-128"/>
+                <a:cs typeface="Times New Roman" panose="02020603050405020304" pitchFamily="18" charset="0"/>
+              </a:rPr>
+              <a:t>To be written in </a:t>
+            </a:r>
+            <a:r>
+              <a:rPr lang="en-US" sz="2200" dirty="0" err="1">
+                <a:latin typeface="Times New Roman" panose="02020603050405020304" pitchFamily="18" charset="0"/>
+                <a:ea typeface="MS Mincho" panose="02020609040205080304" pitchFamily="49" charset="-128"/>
+                <a:cs typeface="Times New Roman" panose="02020603050405020304" pitchFamily="18" charset="0"/>
+              </a:rPr>
+              <a:t>LaTeX</a:t>
+            </a:r>
+            <a:r>
+              <a:rPr lang="en-US" sz="2200" dirty="0">
+                <a:latin typeface="Times New Roman" panose="02020603050405020304" pitchFamily="18" charset="0"/>
+                <a:ea typeface="MS Mincho" panose="02020609040205080304" pitchFamily="49" charset="-128"/>
+                <a:cs typeface="Times New Roman" panose="02020603050405020304" pitchFamily="18" charset="0"/>
+              </a:rPr>
+              <a:t> and submitted in electronic form, both </a:t>
+            </a:r>
+            <a:r>
+              <a:rPr lang="en-US" sz="2200" dirty="0" err="1">
+                <a:latin typeface="Times New Roman" panose="02020603050405020304" pitchFamily="18" charset="0"/>
+                <a:ea typeface="MS Mincho" panose="02020609040205080304" pitchFamily="49" charset="-128"/>
+                <a:cs typeface="Times New Roman" panose="02020603050405020304" pitchFamily="18" charset="0"/>
+              </a:rPr>
+              <a:t>tex</a:t>
+            </a:r>
+            <a:r>
+              <a:rPr lang="en-US" sz="2200" dirty="0">
+                <a:latin typeface="Times New Roman" panose="02020603050405020304" pitchFamily="18" charset="0"/>
+                <a:ea typeface="MS Mincho" panose="02020609040205080304" pitchFamily="49" charset="-128"/>
+                <a:cs typeface="Times New Roman" panose="02020603050405020304" pitchFamily="18" charset="0"/>
+              </a:rPr>
+              <a:t> and pdf, via e-mail before the start of the next class</a:t>
+            </a:r>
+          </a:p>
+          <a:p>
+            <a:pPr marL="800100" lvl="1" indent="-342900">
+              <a:buFont typeface="Arial" panose="020B0604020202020204" pitchFamily="34" charset="0"/>
+              <a:buChar char="•"/>
+            </a:pPr>
+            <a:r>
+              <a:rPr lang="en-US" sz="2200" dirty="0">
+                <a:latin typeface="Times New Roman" panose="02020603050405020304" pitchFamily="18" charset="0"/>
+                <a:ea typeface="MS Mincho" panose="02020609040205080304" pitchFamily="49" charset="-128"/>
+                <a:cs typeface="Times New Roman" panose="02020603050405020304" pitchFamily="18" charset="0"/>
+              </a:rPr>
+              <a:t>Every student should bring a print-out of the summary to class</a:t>
+            </a:r>
+          </a:p>
+          <a:p>
+            <a:pPr marL="342900" indent="-342900">
+              <a:buFont typeface="Arial" panose="020B0604020202020204" pitchFamily="34" charset="0"/>
+              <a:buChar char="•"/>
+            </a:pPr>
+            <a:endParaRPr lang="en-US" sz="800" dirty="0">
+              <a:latin typeface="Times New Roman" panose="02020603050405020304" pitchFamily="18" charset="0"/>
+              <a:ea typeface="MS Mincho" panose="02020609040205080304" pitchFamily="49" charset="-128"/>
+              <a:cs typeface="Times New Roman" panose="02020603050405020304" pitchFamily="18" charset="0"/>
+            </a:endParaRPr>
+          </a:p>
+          <a:p>
+            <a:pPr marL="342900" indent="-342900">
+              <a:buFont typeface="Arial" panose="020B0604020202020204" pitchFamily="34" charset="0"/>
+              <a:buChar char="•"/>
+            </a:pPr>
+            <a:r>
+              <a:rPr lang="en-US" sz="2400" dirty="0">
+                <a:latin typeface="Times New Roman" panose="02020603050405020304" pitchFamily="18" charset="0"/>
+                <a:ea typeface="MS Mincho" panose="02020609040205080304" pitchFamily="49" charset="-128"/>
+                <a:cs typeface="Times New Roman" panose="02020603050405020304" pitchFamily="18" charset="0"/>
+              </a:rPr>
+              <a:t>Next week: presentation on one research article related to students’ research topic</a:t>
+            </a:r>
+          </a:p>
+          <a:p>
+            <a:pPr marL="800100" lvl="1" indent="-342900">
+              <a:buFont typeface="Arial" panose="020B0604020202020204" pitchFamily="34" charset="0"/>
+              <a:buChar char="•"/>
+            </a:pPr>
+            <a:r>
+              <a:rPr lang="en-US" sz="2200" dirty="0">
+                <a:latin typeface="Times New Roman" panose="02020603050405020304" pitchFamily="18" charset="0"/>
+                <a:ea typeface="MS Mincho" panose="02020609040205080304" pitchFamily="49" charset="-128"/>
+                <a:cs typeface="Times New Roman" panose="02020603050405020304" pitchFamily="18" charset="0"/>
+              </a:rPr>
+              <a:t>3 – 4 minutes, with maximum of 3 slides (including title slide)</a:t>
+            </a:r>
+          </a:p>
+          <a:p>
+            <a:pPr marL="800100" lvl="1" indent="-342900">
+              <a:buFont typeface="Arial" panose="020B0604020202020204" pitchFamily="34" charset="0"/>
+              <a:buChar char="•"/>
+            </a:pPr>
+            <a:r>
+              <a:rPr lang="en-US" sz="2200" dirty="0">
+                <a:latin typeface="Times New Roman" panose="02020603050405020304" pitchFamily="18" charset="0"/>
+                <a:ea typeface="MS Mincho" panose="02020609040205080304" pitchFamily="49" charset="-128"/>
+                <a:cs typeface="Times New Roman" panose="02020603050405020304" pitchFamily="18" charset="0"/>
+              </a:rPr>
+              <a:t>Every presentation will have at least two students asking questions and two students providing feedback</a:t>
+            </a:r>
+          </a:p>
+          <a:p>
+            <a:pPr marL="800100" lvl="1" indent="-342900">
+              <a:buFont typeface="Arial" panose="020B0604020202020204" pitchFamily="34" charset="0"/>
+              <a:buChar char="•"/>
+            </a:pPr>
+            <a:r>
+              <a:rPr lang="en-US" sz="2200" dirty="0">
+                <a:latin typeface="Times New Roman" panose="02020603050405020304" pitchFamily="18" charset="0"/>
+                <a:ea typeface="MS Mincho" panose="02020609040205080304" pitchFamily="49" charset="-128"/>
+                <a:cs typeface="Times New Roman" panose="02020603050405020304" pitchFamily="18" charset="0"/>
+              </a:rPr>
+              <a:t>Presentations, questions and feedback will all be graded</a:t>
+            </a:r>
+          </a:p>
+        </p:txBody>
+      </p:sp>
+    </p:spTree>
+    <p:extLst>
+      <p:ext uri="{BB962C8B-B14F-4D97-AF65-F5344CB8AC3E}">
+        <p14:creationId xmlns:p14="http://schemas.microsoft.com/office/powerpoint/2010/main" val="2561974156"/>
+      </p:ext>
+    </p:extLst>
+  </p:cSld>
+  <p:clrMapOvr>
+    <a:masterClrMapping/>
+  </p:clrMapOvr>
 </p:sld>
 </file>
 
@@ -3818,7 +4707,7 @@
         <p:spPr>
           <a:xfrm>
             <a:off x="275549" y="191702"/>
-            <a:ext cx="6263831" cy="553998"/>
+            <a:ext cx="4190571" cy="553998"/>
           </a:xfrm>
           <a:prstGeom prst="rect">
             <a:avLst/>
@@ -3839,7 +4728,7 @@
                 <a:latin typeface="Times New Roman"/>
                 <a:cs typeface="Times New Roman"/>
               </a:rPr>
-              <a:t>Written Summaries &amp; Presentations</a:t>
+              <a:t>Physics as a Community</a:t>
             </a:r>
             <a:endParaRPr lang="en-US" sz="2400" b="1" dirty="0">
               <a:solidFill>
@@ -3866,7 +4755,7 @@
         <p:spPr>
           <a:xfrm>
             <a:off x="539603" y="945629"/>
-            <a:ext cx="8450017" cy="3477875"/>
+            <a:ext cx="8450017" cy="5262979"/>
           </a:xfrm>
           <a:prstGeom prst="rect">
             <a:avLst/>
@@ -3889,59 +4778,7 @@
                 <a:ea typeface="MS Mincho" panose="02020609040205080304" pitchFamily="49" charset="-128"/>
                 <a:cs typeface="Times New Roman" panose="02020603050405020304" pitchFamily="18" charset="0"/>
               </a:rPr>
-              <a:t>Today: peer review of research article summary</a:t>
-            </a:r>
-          </a:p>
-          <a:p>
-            <a:pPr marL="800100" lvl="1" indent="-342900">
-              <a:buFont typeface="Arial" panose="020B0604020202020204" pitchFamily="34" charset="0"/>
-              <a:buChar char="•"/>
-            </a:pPr>
-            <a:r>
-              <a:rPr lang="en-US" sz="2200" dirty="0">
-                <a:latin typeface="Times New Roman" panose="02020603050405020304" pitchFamily="18" charset="0"/>
-                <a:ea typeface="MS Mincho" panose="02020609040205080304" pitchFamily="49" charset="-128"/>
-                <a:cs typeface="Times New Roman" panose="02020603050405020304" pitchFamily="18" charset="0"/>
-              </a:rPr>
-              <a:t>300 – 400 words (strict minimum &amp; maximum)</a:t>
-            </a:r>
-          </a:p>
-          <a:p>
-            <a:pPr marL="800100" lvl="1" indent="-342900">
-              <a:buFont typeface="Arial" panose="020B0604020202020204" pitchFamily="34" charset="0"/>
-              <a:buChar char="•"/>
-            </a:pPr>
-            <a:r>
-              <a:rPr lang="en-US" sz="2200" dirty="0">
-                <a:latin typeface="Times New Roman" panose="02020603050405020304" pitchFamily="18" charset="0"/>
-                <a:ea typeface="MS Mincho" panose="02020609040205080304" pitchFamily="49" charset="-128"/>
-                <a:cs typeface="Times New Roman" panose="02020603050405020304" pitchFamily="18" charset="0"/>
-              </a:rPr>
-              <a:t>Audience: students in this class </a:t>
-            </a:r>
-            <a:r>
-              <a:rPr lang="en-US" sz="2200" dirty="0">
-                <a:latin typeface="Times New Roman" panose="02020603050405020304" pitchFamily="18" charset="0"/>
-                <a:ea typeface="MS Mincho" panose="02020609040205080304" pitchFamily="49" charset="-128"/>
-                <a:cs typeface="Times New Roman" panose="02020603050405020304" pitchFamily="18" charset="0"/>
-                <a:sym typeface="Wingdings" pitchFamily="2" charset="2"/>
-              </a:rPr>
-              <a:t> peer review</a:t>
-            </a:r>
-          </a:p>
-          <a:p>
-            <a:pPr marL="800100" lvl="1" indent="-342900">
-              <a:buFont typeface="Arial" panose="020B0604020202020204" pitchFamily="34" charset="0"/>
-              <a:buChar char="•"/>
-            </a:pPr>
-            <a:r>
-              <a:rPr lang="en-US" sz="2200" dirty="0">
-                <a:latin typeface="Times New Roman" panose="02020603050405020304" pitchFamily="18" charset="0"/>
-                <a:ea typeface="MS Mincho" panose="02020609040205080304" pitchFamily="49" charset="-128"/>
-                <a:cs typeface="Times New Roman" panose="02020603050405020304" pitchFamily="18" charset="0"/>
-                <a:sym typeface="Wingdings" pitchFamily="2" charset="2"/>
-              </a:rPr>
-              <a:t>Two rounds of peer review</a:t>
+              <a:t>Every community has issues, including the physics community</a:t>
             </a:r>
           </a:p>
           <a:p>
@@ -3966,35 +4803,7 @@
                 <a:ea typeface="MS Mincho" panose="02020609040205080304" pitchFamily="49" charset="-128"/>
                 <a:cs typeface="Times New Roman" panose="02020603050405020304" pitchFamily="18" charset="0"/>
               </a:rPr>
-              <a:t>Next class: presentation on research article (part I)</a:t>
-            </a:r>
-          </a:p>
-          <a:p>
-            <a:pPr marL="800100" lvl="1" indent="-342900">
-              <a:buFont typeface="Arial" panose="020B0604020202020204" pitchFamily="34" charset="0"/>
-              <a:buChar char="•"/>
-            </a:pPr>
-            <a:r>
-              <a:rPr lang="en-US" sz="2200" dirty="0">
-                <a:latin typeface="Times New Roman" panose="02020603050405020304" pitchFamily="18" charset="0"/>
-                <a:ea typeface="MS Mincho" panose="02020609040205080304" pitchFamily="49" charset="-128"/>
-                <a:cs typeface="Times New Roman" panose="02020603050405020304" pitchFamily="18" charset="0"/>
-              </a:rPr>
-              <a:t>3 – 4 minutes, with maximum of 3 slides (including title slide)</a:t>
-            </a:r>
-          </a:p>
-          <a:p>
-            <a:pPr marL="800100" lvl="1" indent="-342900">
-              <a:buFont typeface="Arial" panose="020B0604020202020204" pitchFamily="34" charset="0"/>
-              <a:buChar char="•"/>
-            </a:pPr>
-            <a:r>
-              <a:rPr lang="en-US" sz="2200" dirty="0">
-                <a:latin typeface="Times New Roman" panose="02020603050405020304" pitchFamily="18" charset="0"/>
-                <a:ea typeface="MS Mincho" panose="02020609040205080304" pitchFamily="49" charset="-128"/>
-                <a:cs typeface="Times New Roman" panose="02020603050405020304" pitchFamily="18" charset="0"/>
-              </a:rPr>
-              <a:t>Every presentation will have at least two students asking questions and two students providing feedback</a:t>
+              <a:t>Variety of issues encountered by community members, possibly including students in this class</a:t>
             </a:r>
           </a:p>
           <a:p>
@@ -4019,7 +4828,107 @@
                 <a:ea typeface="MS Mincho" panose="02020609040205080304" pitchFamily="49" charset="-128"/>
                 <a:cs typeface="Times New Roman" panose="02020603050405020304" pitchFamily="18" charset="0"/>
               </a:rPr>
-              <a:t>Next week: presentation on research article (part II &amp; III)</a:t>
+              <a:t>Today + next week: discussions on community, and issues of diversity &amp; inclusion</a:t>
+            </a:r>
+          </a:p>
+          <a:p>
+            <a:pPr marL="342900" indent="-342900">
+              <a:buFont typeface="Arial" panose="020B0604020202020204" pitchFamily="34" charset="0"/>
+              <a:buChar char="•"/>
+            </a:pPr>
+            <a:endParaRPr lang="en-US" sz="800" dirty="0">
+              <a:latin typeface="Times New Roman" panose="02020603050405020304" pitchFamily="18" charset="0"/>
+              <a:ea typeface="MS Mincho" panose="02020609040205080304" pitchFamily="49" charset="-128"/>
+              <a:cs typeface="Times New Roman" panose="02020603050405020304" pitchFamily="18" charset="0"/>
+            </a:endParaRPr>
+          </a:p>
+          <a:p>
+            <a:pPr marL="342900" indent="-342900">
+              <a:buFont typeface="Arial" panose="020B0604020202020204" pitchFamily="34" charset="0"/>
+              <a:buChar char="•"/>
+            </a:pPr>
+            <a:r>
+              <a:rPr lang="en-US" sz="2400" dirty="0">
+                <a:latin typeface="Times New Roman" panose="02020603050405020304" pitchFamily="18" charset="0"/>
+                <a:ea typeface="MS Mincho" panose="02020609040205080304" pitchFamily="49" charset="-128"/>
+                <a:cs typeface="Times New Roman" panose="02020603050405020304" pitchFamily="18" charset="0"/>
+              </a:rPr>
+              <a:t>Discussion of the issues is the first step to addressing them</a:t>
+            </a:r>
+          </a:p>
+          <a:p>
+            <a:pPr marL="342900" indent="-342900">
+              <a:buFont typeface="Arial" panose="020B0604020202020204" pitchFamily="34" charset="0"/>
+              <a:buChar char="•"/>
+            </a:pPr>
+            <a:endParaRPr lang="en-US" sz="800" dirty="0">
+              <a:latin typeface="Times New Roman" panose="02020603050405020304" pitchFamily="18" charset="0"/>
+              <a:ea typeface="MS Mincho" panose="02020609040205080304" pitchFamily="49" charset="-128"/>
+              <a:cs typeface="Times New Roman" panose="02020603050405020304" pitchFamily="18" charset="0"/>
+            </a:endParaRPr>
+          </a:p>
+          <a:p>
+            <a:pPr marL="342900" indent="-342900">
+              <a:buFont typeface="Arial" panose="020B0604020202020204" pitchFamily="34" charset="0"/>
+              <a:buChar char="•"/>
+            </a:pPr>
+            <a:r>
+              <a:rPr lang="en-US" sz="2400" dirty="0">
+                <a:latin typeface="Times New Roman" panose="02020603050405020304" pitchFamily="18" charset="0"/>
+                <a:ea typeface="MS Mincho" panose="02020609040205080304" pitchFamily="49" charset="-128"/>
+                <a:cs typeface="Times New Roman" panose="02020603050405020304" pitchFamily="18" charset="0"/>
+              </a:rPr>
+              <a:t>Be mindful that these issues can be personal to individuals in the discussion</a:t>
+            </a:r>
+          </a:p>
+          <a:p>
+            <a:pPr marL="342900" indent="-342900">
+              <a:buFont typeface="Arial" panose="020B0604020202020204" pitchFamily="34" charset="0"/>
+              <a:buChar char="•"/>
+            </a:pPr>
+            <a:endParaRPr lang="en-US" sz="800" dirty="0">
+              <a:latin typeface="Times New Roman" panose="02020603050405020304" pitchFamily="18" charset="0"/>
+              <a:ea typeface="MS Mincho" panose="02020609040205080304" pitchFamily="49" charset="-128"/>
+              <a:cs typeface="Times New Roman" panose="02020603050405020304" pitchFamily="18" charset="0"/>
+            </a:endParaRPr>
+          </a:p>
+          <a:p>
+            <a:pPr marL="342900" indent="-342900">
+              <a:buFont typeface="Arial" panose="020B0604020202020204" pitchFamily="34" charset="0"/>
+              <a:buChar char="•"/>
+            </a:pPr>
+            <a:r>
+              <a:rPr lang="en-US" sz="2400" dirty="0">
+                <a:latin typeface="Times New Roman" panose="02020603050405020304" pitchFamily="18" charset="0"/>
+                <a:ea typeface="MS Mincho" panose="02020609040205080304" pitchFamily="49" charset="-128"/>
+                <a:cs typeface="Times New Roman" panose="02020603050405020304" pitchFamily="18" charset="0"/>
+              </a:rPr>
+              <a:t>Stories shared in these class discussions should be treated as confidential</a:t>
+            </a:r>
+          </a:p>
+          <a:p>
+            <a:pPr marL="342900" indent="-342900">
+              <a:buFont typeface="Arial" panose="020B0604020202020204" pitchFamily="34" charset="0"/>
+              <a:buChar char="•"/>
+            </a:pPr>
+            <a:endParaRPr lang="en-US" sz="800" dirty="0">
+              <a:latin typeface="Times New Roman" panose="02020603050405020304" pitchFamily="18" charset="0"/>
+              <a:ea typeface="MS Mincho" panose="02020609040205080304" pitchFamily="49" charset="-128"/>
+              <a:cs typeface="Times New Roman" panose="02020603050405020304" pitchFamily="18" charset="0"/>
+            </a:endParaRPr>
+          </a:p>
+          <a:p>
+            <a:pPr marL="342900" indent="-342900">
+              <a:buFont typeface="Arial" panose="020B0604020202020204" pitchFamily="34" charset="0"/>
+              <a:buChar char="•"/>
+            </a:pPr>
+            <a:r>
+              <a:rPr lang="en-US" sz="2400" dirty="0">
+                <a:latin typeface="Times New Roman" panose="02020603050405020304" pitchFamily="18" charset="0"/>
+                <a:ea typeface="MS Mincho" panose="02020609040205080304" pitchFamily="49" charset="-128"/>
+                <a:cs typeface="Times New Roman" panose="02020603050405020304" pitchFamily="18" charset="0"/>
+              </a:rPr>
+              <a:t>Take away from these classes: ideas &amp; inspiration to improve the physics community</a:t>
             </a:r>
           </a:p>
         </p:txBody>
@@ -4027,7 +4936,7 @@
     </p:spTree>
     <p:extLst>
       <p:ext uri="{BB962C8B-B14F-4D97-AF65-F5344CB8AC3E}">
-        <p14:creationId xmlns:p14="http://schemas.microsoft.com/office/powerpoint/2010/main" val="2561974156"/>
+        <p14:creationId xmlns:p14="http://schemas.microsoft.com/office/powerpoint/2010/main" val="1886494587"/>
       </p:ext>
     </p:extLst>
   </p:cSld>
@@ -4063,7 +4972,7 @@
         <p:spPr>
           <a:xfrm>
             <a:off x="275549" y="191702"/>
-            <a:ext cx="6042103" cy="553998"/>
+            <a:ext cx="6290505" cy="553998"/>
           </a:xfrm>
           <a:prstGeom prst="rect">
             <a:avLst/>
@@ -4084,7 +4993,37 @@
                 <a:latin typeface="Times New Roman"/>
                 <a:cs typeface="Times New Roman"/>
               </a:rPr>
-              <a:t>Rubric Items for Written Summary</a:t>
+              <a:t>Diversity &amp; Inclusion  </a:t>
+            </a:r>
+            <a:r>
+              <a:rPr lang="en-US" sz="2400" dirty="0">
+                <a:solidFill>
+                  <a:prstClr val="black"/>
+                </a:solidFill>
+                <a:latin typeface="Times New Roman"/>
+                <a:cs typeface="Times New Roman"/>
+              </a:rPr>
+              <a:t>(</a:t>
+            </a:r>
+            <a:r>
+              <a:rPr lang="en-US" sz="2400" i="1" dirty="0">
+                <a:solidFill>
+                  <a:prstClr val="black"/>
+                </a:solidFill>
+                <a:latin typeface="Times New Roman"/>
+                <a:cs typeface="Times New Roman"/>
+              </a:rPr>
+              <a:t>Class discussions</a:t>
+            </a:r>
+            <a:r>
+              <a:rPr lang="en-US" sz="2400" dirty="0">
+                <a:solidFill>
+                  <a:prstClr val="black"/>
+                </a:solidFill>
+                <a:latin typeface="Times New Roman"/>
+                <a:cs typeface="Times New Roman"/>
+              </a:rPr>
+              <a:t>)</a:t>
             </a:r>
             <a:endParaRPr lang="en-US" sz="2400" b="1" dirty="0">
               <a:solidFill>
@@ -4111,7 +5050,7 @@
         <p:spPr>
           <a:xfrm>
             <a:off x="539603" y="945629"/>
-            <a:ext cx="8450017" cy="4493538"/>
+            <a:ext cx="8355015" cy="4893647"/>
           </a:xfrm>
           <a:prstGeom prst="rect">
             <a:avLst/>
@@ -4134,132 +5073,188 @@
                 <a:ea typeface="MS Mincho" panose="02020609040205080304" pitchFamily="49" charset="-128"/>
                 <a:cs typeface="Times New Roman" panose="02020603050405020304" pitchFamily="18" charset="0"/>
               </a:rPr>
-              <a:t>Content: grasp of physics behind the research in the paper</a:t>
-            </a:r>
-          </a:p>
-          <a:p>
-            <a:pPr marL="342900" indent="-342900">
-              <a:buFont typeface="Arial" panose="020B0604020202020204" pitchFamily="34" charset="0"/>
-              <a:buChar char="•"/>
-            </a:pPr>
-            <a:r>
-              <a:rPr lang="en-US" sz="2400" dirty="0">
+              <a:t>Discussion topics:</a:t>
+            </a:r>
+          </a:p>
+          <a:p>
+            <a:pPr marL="914400" lvl="1" indent="-457200">
+              <a:buFont typeface="Arial" panose="020B0604020202020204" pitchFamily="34" charset="0"/>
+              <a:buChar char="•"/>
+            </a:pPr>
+            <a:r>
+              <a:rPr lang="en-US" sz="2200" dirty="0">
                 <a:latin typeface="Times New Roman" panose="02020603050405020304" pitchFamily="18" charset="0"/>
                 <a:ea typeface="MS Mincho" panose="02020609040205080304" pitchFamily="49" charset="-128"/>
                 <a:cs typeface="Times New Roman" panose="02020603050405020304" pitchFamily="18" charset="0"/>
               </a:rPr>
-              <a:t>Motivation: grasp of context and motivation behind the research</a:t>
-            </a:r>
-          </a:p>
-          <a:p>
-            <a:pPr marL="342900" indent="-342900">
-              <a:buFont typeface="Arial" panose="020B0604020202020204" pitchFamily="34" charset="0"/>
-              <a:buChar char="•"/>
-            </a:pPr>
-            <a:r>
-              <a:rPr lang="en-US" sz="2400" dirty="0">
+              <a:t>Group 1: Stereotype Threat</a:t>
+            </a:r>
+          </a:p>
+          <a:p>
+            <a:pPr marL="914400" lvl="1" indent="-457200">
+              <a:buFont typeface="Arial" panose="020B0604020202020204" pitchFamily="34" charset="0"/>
+              <a:buChar char="•"/>
+            </a:pPr>
+            <a:r>
+              <a:rPr lang="en-US" sz="2200" dirty="0">
                 <a:latin typeface="Times New Roman" panose="02020603050405020304" pitchFamily="18" charset="0"/>
                 <a:ea typeface="MS Mincho" panose="02020609040205080304" pitchFamily="49" charset="-128"/>
                 <a:cs typeface="Times New Roman" panose="02020603050405020304" pitchFamily="18" charset="0"/>
               </a:rPr>
-              <a:t>Subject Knowledge: confident and focused writing, holding the reader’s attention; relevant details enrich writing</a:t>
-            </a:r>
-          </a:p>
-          <a:p>
-            <a:pPr marL="342900" indent="-342900">
-              <a:buFont typeface="Arial" panose="020B0604020202020204" pitchFamily="34" charset="0"/>
-              <a:buChar char="•"/>
-            </a:pPr>
-            <a:r>
-              <a:rPr lang="en-US" sz="2400" dirty="0">
+              <a:t>Group 2: Imposter Syndrome</a:t>
+            </a:r>
+          </a:p>
+          <a:p>
+            <a:pPr marL="914400" lvl="1" indent="-457200">
+              <a:buFont typeface="Arial" panose="020B0604020202020204" pitchFamily="34" charset="0"/>
+              <a:buChar char="•"/>
+            </a:pPr>
+            <a:r>
+              <a:rPr lang="en-US" sz="2200" dirty="0">
                 <a:latin typeface="Times New Roman" panose="02020603050405020304" pitchFamily="18" charset="0"/>
                 <a:ea typeface="MS Mincho" panose="02020609040205080304" pitchFamily="49" charset="-128"/>
                 <a:cs typeface="Times New Roman" panose="02020603050405020304" pitchFamily="18" charset="0"/>
               </a:rPr>
-              <a:t>Organization: strong beginning, middle and end, with clear transitions and focused closure</a:t>
-            </a:r>
-          </a:p>
-          <a:p>
-            <a:pPr marL="342900" indent="-342900">
-              <a:buFont typeface="Arial" panose="020B0604020202020204" pitchFamily="34" charset="0"/>
-              <a:buChar char="•"/>
-            </a:pPr>
-            <a:r>
-              <a:rPr lang="en-US" sz="2400" dirty="0">
+              <a:t>Group 3: Harassment / Discrimination</a:t>
+            </a:r>
+          </a:p>
+          <a:p>
+            <a:pPr marL="914400" lvl="1" indent="-457200">
+              <a:buFont typeface="Arial" panose="020B0604020202020204" pitchFamily="34" charset="0"/>
+              <a:buChar char="•"/>
+            </a:pPr>
+            <a:r>
+              <a:rPr lang="en-US" sz="2200" dirty="0">
                 <a:latin typeface="Times New Roman" panose="02020603050405020304" pitchFamily="18" charset="0"/>
                 <a:ea typeface="MS Mincho" panose="02020609040205080304" pitchFamily="49" charset="-128"/>
                 <a:cs typeface="Times New Roman" panose="02020603050405020304" pitchFamily="18" charset="0"/>
               </a:rPr>
-              <a:t>Referencing: internal and external referencing effective and complete, using proper standards</a:t>
-            </a:r>
-          </a:p>
-          <a:p>
-            <a:pPr marL="342900" indent="-342900">
-              <a:buFont typeface="Arial" panose="020B0604020202020204" pitchFamily="34" charset="0"/>
-              <a:buChar char="•"/>
-            </a:pPr>
-            <a:r>
-              <a:rPr lang="en-US" sz="2400" dirty="0">
+              <a:t>Group 4: LGBTQ+ Status</a:t>
+            </a:r>
+          </a:p>
+          <a:p>
+            <a:pPr marL="914400" lvl="1" indent="-457200">
+              <a:buFont typeface="Arial" panose="020B0604020202020204" pitchFamily="34" charset="0"/>
+              <a:buChar char="•"/>
+            </a:pPr>
+            <a:r>
+              <a:rPr lang="en-US" sz="2200" dirty="0">
                 <a:latin typeface="Times New Roman" panose="02020603050405020304" pitchFamily="18" charset="0"/>
                 <a:ea typeface="MS Mincho" panose="02020609040205080304" pitchFamily="49" charset="-128"/>
                 <a:cs typeface="Times New Roman" panose="02020603050405020304" pitchFamily="18" charset="0"/>
               </a:rPr>
-              <a:t>Vocabulary: effective and engaging word choice</a:t>
-            </a:r>
-          </a:p>
-          <a:p>
-            <a:pPr marL="342900" indent="-342900">
-              <a:buFont typeface="Arial" panose="020B0604020202020204" pitchFamily="34" charset="0"/>
-              <a:buChar char="•"/>
-            </a:pPr>
-            <a:r>
-              <a:rPr lang="en-US" sz="2400" dirty="0">
+              <a:t>Group 5: Caring / Parenting Responsibilities</a:t>
+            </a:r>
+          </a:p>
+          <a:p>
+            <a:pPr marL="914400" lvl="1" indent="-457200">
+              <a:buFont typeface="Arial" panose="020B0604020202020204" pitchFamily="34" charset="0"/>
+              <a:buChar char="•"/>
+            </a:pPr>
+            <a:r>
+              <a:rPr lang="en-US" sz="2200" dirty="0">
                 <a:latin typeface="Times New Roman" panose="02020603050405020304" pitchFamily="18" charset="0"/>
                 <a:ea typeface="MS Mincho" panose="02020609040205080304" pitchFamily="49" charset="-128"/>
                 <a:cs typeface="Times New Roman" panose="02020603050405020304" pitchFamily="18" charset="0"/>
               </a:rPr>
-              <a:t>Voice: distinct, writing is well adapted to the audience</a:t>
-            </a:r>
-          </a:p>
-          <a:p>
-            <a:pPr marL="342900" indent="-342900">
-              <a:buFont typeface="Arial" panose="020B0604020202020204" pitchFamily="34" charset="0"/>
-              <a:buChar char="•"/>
-            </a:pPr>
-            <a:r>
-              <a:rPr lang="en-US" sz="2400" dirty="0">
+              <a:t>Group 6: Socio-economic Disadvantage</a:t>
+            </a:r>
+          </a:p>
+          <a:p>
+            <a:pPr marL="914400" lvl="1" indent="-457200">
+              <a:buFont typeface="Arial" panose="020B0604020202020204" pitchFamily="34" charset="0"/>
+              <a:buChar char="•"/>
+            </a:pPr>
+            <a:r>
+              <a:rPr lang="en-US" sz="2200" dirty="0">
                 <a:latin typeface="Times New Roman" panose="02020603050405020304" pitchFamily="18" charset="0"/>
                 <a:ea typeface="MS Mincho" panose="02020609040205080304" pitchFamily="49" charset="-128"/>
                 <a:cs typeface="Times New Roman" panose="02020603050405020304" pitchFamily="18" charset="0"/>
               </a:rPr>
-              <a:t>Fluency: variety of sentence structure</a:t>
-            </a:r>
-          </a:p>
-          <a:p>
-            <a:pPr marL="342900" indent="-342900">
-              <a:buFont typeface="Arial" panose="020B0604020202020204" pitchFamily="34" charset="0"/>
-              <a:buChar char="•"/>
-            </a:pPr>
-            <a:r>
-              <a:rPr lang="en-US" sz="2400" dirty="0">
-                <a:latin typeface="Times New Roman" panose="02020603050405020304" pitchFamily="18" charset="0"/>
-                <a:ea typeface="MS Mincho" panose="02020609040205080304" pitchFamily="49" charset="-128"/>
-                <a:cs typeface="Times New Roman" panose="02020603050405020304" pitchFamily="18" charset="0"/>
-              </a:rPr>
-              <a:t>Conventions: consistent, effective and creative use of spelling</a:t>
-            </a:r>
-            <a:endParaRPr lang="en-US" sz="2200" dirty="0">
+              <a:t>Group 7: Visible / Invisible Disabilities</a:t>
+            </a:r>
+          </a:p>
+          <a:p>
+            <a:pPr marL="457200" indent="-457200">
+              <a:buFont typeface="Arial" panose="020B0604020202020204" pitchFamily="34" charset="0"/>
+              <a:buChar char="•"/>
+            </a:pPr>
+            <a:endParaRPr lang="en-US" sz="800" dirty="0">
               <a:latin typeface="Times New Roman" panose="02020603050405020304" pitchFamily="18" charset="0"/>
               <a:ea typeface="MS Mincho" panose="02020609040205080304" pitchFamily="49" charset="-128"/>
               <a:cs typeface="Times New Roman" panose="02020603050405020304" pitchFamily="18" charset="0"/>
             </a:endParaRPr>
           </a:p>
+          <a:p>
+            <a:pPr marL="457200" indent="-457200">
+              <a:buFont typeface="Arial" panose="020B0604020202020204" pitchFamily="34" charset="0"/>
+              <a:buChar char="•"/>
+            </a:pPr>
+            <a:r>
+              <a:rPr lang="en-US" sz="2200" dirty="0">
+                <a:latin typeface="Times New Roman" panose="02020603050405020304" pitchFamily="18" charset="0"/>
+                <a:ea typeface="MS Mincho" panose="02020609040205080304" pitchFamily="49" charset="-128"/>
+                <a:cs typeface="Times New Roman" panose="02020603050405020304" pitchFamily="18" charset="0"/>
+              </a:rPr>
+              <a:t>Every group gets resources and 3 questions for 1 topic</a:t>
+            </a:r>
+          </a:p>
+          <a:p>
+            <a:pPr marL="457200" indent="-457200">
+              <a:buFont typeface="Arial" panose="020B0604020202020204" pitchFamily="34" charset="0"/>
+              <a:buChar char="•"/>
+            </a:pPr>
+            <a:endParaRPr lang="en-US" sz="800" dirty="0">
+              <a:latin typeface="Times New Roman" panose="02020603050405020304" pitchFamily="18" charset="0"/>
+              <a:ea typeface="MS Mincho" panose="02020609040205080304" pitchFamily="49" charset="-128"/>
+              <a:cs typeface="Times New Roman" panose="02020603050405020304" pitchFamily="18" charset="0"/>
+            </a:endParaRPr>
+          </a:p>
+          <a:p>
+            <a:pPr marL="457200" indent="-457200">
+              <a:buFont typeface="Arial" panose="020B0604020202020204" pitchFamily="34" charset="0"/>
+              <a:buChar char="•"/>
+            </a:pPr>
+            <a:r>
+              <a:rPr lang="en-US" sz="2200" dirty="0">
+                <a:latin typeface="Times New Roman" panose="02020603050405020304" pitchFamily="18" charset="0"/>
+                <a:ea typeface="MS Mincho" panose="02020609040205080304" pitchFamily="49" charset="-128"/>
+                <a:cs typeface="Times New Roman" panose="02020603050405020304" pitchFamily="18" charset="0"/>
+              </a:rPr>
+              <a:t>Given resources are to be used as reference material, but more resources can be explored (and shared with the instructor / class)</a:t>
+            </a:r>
+          </a:p>
+          <a:p>
+            <a:pPr marL="457200" indent="-457200">
+              <a:buFont typeface="Arial" panose="020B0604020202020204" pitchFamily="34" charset="0"/>
+              <a:buChar char="•"/>
+            </a:pPr>
+            <a:endParaRPr lang="en-US" sz="800" dirty="0">
+              <a:latin typeface="Times New Roman" panose="02020603050405020304" pitchFamily="18" charset="0"/>
+              <a:ea typeface="MS Mincho" panose="02020609040205080304" pitchFamily="49" charset="-128"/>
+              <a:cs typeface="Times New Roman" panose="02020603050405020304" pitchFamily="18" charset="0"/>
+            </a:endParaRPr>
+          </a:p>
+          <a:p>
+            <a:pPr marL="457200" indent="-457200">
+              <a:buFont typeface="Arial" panose="020B0604020202020204" pitchFamily="34" charset="0"/>
+              <a:buChar char="•"/>
+            </a:pPr>
+            <a:r>
+              <a:rPr lang="en-US" sz="2200" dirty="0">
+                <a:latin typeface="Times New Roman" panose="02020603050405020304" pitchFamily="18" charset="0"/>
+                <a:ea typeface="MS Mincho" panose="02020609040205080304" pitchFamily="49" charset="-128"/>
+                <a:cs typeface="Times New Roman" panose="02020603050405020304" pitchFamily="18" charset="0"/>
+              </a:rPr>
+              <a:t>Every student should be prepared to answer 1 question, and the group has to answer all 3 questions for their topic</a:t>
+            </a:r>
+          </a:p>
         </p:txBody>
       </p:sp>
     </p:spTree>
     <p:extLst>
       <p:ext uri="{BB962C8B-B14F-4D97-AF65-F5344CB8AC3E}">
-        <p14:creationId xmlns:p14="http://schemas.microsoft.com/office/powerpoint/2010/main" val="2715674298"/>
+        <p14:creationId xmlns:p14="http://schemas.microsoft.com/office/powerpoint/2010/main" val="159186170"/>
       </p:ext>
     </p:extLst>
   </p:cSld>
@@ -4295,7 +5290,7 @@
         <p:spPr>
           <a:xfrm>
             <a:off x="275549" y="191702"/>
-            <a:ext cx="3837012" cy="553998"/>
+            <a:ext cx="6898107" cy="553998"/>
           </a:xfrm>
           <a:prstGeom prst="rect">
             <a:avLst/>
@@ -4316,7 +5311,7 @@
                 <a:latin typeface="Times New Roman"/>
                 <a:cs typeface="Times New Roman"/>
               </a:rPr>
-              <a:t>Peer Review Activities</a:t>
+              <a:t>Diversity &amp; Inclusion: Stereotype Threat</a:t>
             </a:r>
             <a:endParaRPr lang="en-US" sz="2400" b="1" dirty="0">
               <a:solidFill>
@@ -4343,7 +5338,7 @@
         <p:spPr>
           <a:xfrm>
             <a:off x="539603" y="945629"/>
-            <a:ext cx="8450017" cy="3785652"/>
+            <a:ext cx="8355015" cy="3662541"/>
           </a:xfrm>
           <a:prstGeom prst="rect">
             <a:avLst/>
@@ -4366,11 +5361,31 @@
                 <a:ea typeface="MS Mincho" panose="02020609040205080304" pitchFamily="49" charset="-128"/>
                 <a:cs typeface="Times New Roman" panose="02020603050405020304" pitchFamily="18" charset="0"/>
               </a:rPr>
-              <a:t>Read the entire summary</a:t>
-            </a:r>
-          </a:p>
-          <a:p>
-            <a:pPr marL="342900" indent="-342900">
+              <a:t>Resources:</a:t>
+            </a:r>
+          </a:p>
+          <a:p>
+            <a:pPr marL="914400" lvl="1" indent="-457200">
+              <a:buFont typeface="Arial" panose="020B0604020202020204" pitchFamily="34" charset="0"/>
+              <a:buChar char="•"/>
+            </a:pPr>
+            <a:r>
+              <a:rPr lang="en-US" sz="2000" dirty="0">
+                <a:latin typeface="Times New Roman" panose="02020603050405020304" pitchFamily="18" charset="0"/>
+                <a:ea typeface="MS Mincho" panose="02020609040205080304" pitchFamily="49" charset="-128"/>
+                <a:cs typeface="Times New Roman" panose="02020603050405020304" pitchFamily="18" charset="0"/>
+                <a:hlinkClick r:id="rId2"/>
+              </a:rPr>
+              <a:t>https://diversity.arizona.edu/sites/default/files/stereotype_threat_overview.pdf</a:t>
+            </a:r>
+            <a:endParaRPr lang="en-US" sz="2000" dirty="0">
+              <a:latin typeface="Times New Roman" panose="02020603050405020304" pitchFamily="18" charset="0"/>
+              <a:ea typeface="MS Mincho" panose="02020609040205080304" pitchFamily="49" charset="-128"/>
+              <a:cs typeface="Times New Roman" panose="02020603050405020304" pitchFamily="18" charset="0"/>
+            </a:endParaRPr>
+          </a:p>
+          <a:p>
+            <a:pPr marL="457200" indent="-457200">
               <a:buFont typeface="Arial" panose="020B0604020202020204" pitchFamily="34" charset="0"/>
               <a:buChar char="•"/>
             </a:pPr>
@@ -4381,7 +5396,7 @@
             </a:endParaRPr>
           </a:p>
           <a:p>
-            <a:pPr marL="342900" indent="-342900">
+            <a:pPr marL="457200" indent="-457200">
               <a:buFont typeface="Arial" panose="020B0604020202020204" pitchFamily="34" charset="0"/>
               <a:buChar char="•"/>
             </a:pPr>
@@ -4391,11 +5406,11 @@
                 <a:ea typeface="MS Mincho" panose="02020609040205080304" pitchFamily="49" charset="-128"/>
                 <a:cs typeface="Times New Roman" panose="02020603050405020304" pitchFamily="18" charset="0"/>
               </a:rPr>
-              <a:t>Discuss if the summary meets the expectations of the genre</a:t>
-            </a:r>
-          </a:p>
-          <a:p>
-            <a:pPr marL="342900" indent="-342900">
+              <a:t>Q1: What is stereotype threat and in what kind of situations has it been observed / studied?</a:t>
+            </a:r>
+          </a:p>
+          <a:p>
+            <a:pPr marL="457200" indent="-457200">
               <a:buFont typeface="Arial" panose="020B0604020202020204" pitchFamily="34" charset="0"/>
               <a:buChar char="•"/>
             </a:pPr>
@@ -4406,7 +5421,7 @@
             </a:endParaRPr>
           </a:p>
           <a:p>
-            <a:pPr marL="342900" indent="-342900">
+            <a:pPr marL="457200" indent="-457200">
               <a:buFont typeface="Arial" panose="020B0604020202020204" pitchFamily="34" charset="0"/>
               <a:buChar char="•"/>
             </a:pPr>
@@ -4416,11 +5431,11 @@
                 <a:ea typeface="MS Mincho" panose="02020609040205080304" pitchFamily="49" charset="-128"/>
                 <a:cs typeface="Times New Roman" panose="02020603050405020304" pitchFamily="18" charset="0"/>
               </a:rPr>
-              <a:t>Identify &amp; discuss what is most important, interesting or striking</a:t>
-            </a:r>
-          </a:p>
-          <a:p>
-            <a:pPr marL="342900" indent="-342900">
+              <a:t>Q2: How does stereotype threat impact upon an individual’s performance as a physicist?</a:t>
+            </a:r>
+          </a:p>
+          <a:p>
+            <a:pPr marL="457200" indent="-457200">
               <a:buFont typeface="Arial" panose="020B0604020202020204" pitchFamily="34" charset="0"/>
               <a:buChar char="•"/>
             </a:pPr>
@@ -4431,6 +5446,121 @@
             </a:endParaRPr>
           </a:p>
           <a:p>
+            <a:pPr marL="457200" indent="-457200">
+              <a:buFont typeface="Arial" panose="020B0604020202020204" pitchFamily="34" charset="0"/>
+              <a:buChar char="•"/>
+            </a:pPr>
+            <a:r>
+              <a:rPr lang="en-US" sz="2400" dirty="0">
+                <a:latin typeface="Times New Roman" panose="02020603050405020304" pitchFamily="18" charset="0"/>
+                <a:ea typeface="MS Mincho" panose="02020609040205080304" pitchFamily="49" charset="-128"/>
+                <a:cs typeface="Times New Roman" panose="02020603050405020304" pitchFamily="18" charset="0"/>
+              </a:rPr>
+              <a:t>Q3: What can be done to minimize stereotype threat within the physics department and the physics community?</a:t>
+            </a:r>
+          </a:p>
+        </p:txBody>
+      </p:sp>
+    </p:spTree>
+    <p:extLst>
+      <p:ext uri="{BB962C8B-B14F-4D97-AF65-F5344CB8AC3E}">
+        <p14:creationId xmlns:p14="http://schemas.microsoft.com/office/powerpoint/2010/main" val="3095473469"/>
+      </p:ext>
+    </p:extLst>
+  </p:cSld>
+  <p:clrMapOvr>
+    <a:masterClrMapping/>
+  </p:clrMapOvr>
+</p:sld>
+</file>
+
+<file path=ppt/slides/slide5.xml><?xml version="1.0" encoding="utf-8"?>
+<p:sld xmlns:a="http://schemas.openxmlformats.org/drawingml/2006/main" xmlns:r="http://schemas.openxmlformats.org/officeDocument/2006/relationships" xmlns:p="http://schemas.openxmlformats.org/presentationml/2006/main">
+  <p:cSld>
+    <p:spTree>
+      <p:nvGrpSpPr>
+        <p:cNvPr id="1" name=""/>
+        <p:cNvGrpSpPr/>
+        <p:nvPr/>
+      </p:nvGrpSpPr>
+      <p:grpSpPr>
+        <a:xfrm>
+          <a:off x="0" y="0"/>
+          <a:ext cx="0" cy="0"/>
+          <a:chOff x="0" y="0"/>
+          <a:chExt cx="0" cy="0"/>
+        </a:xfrm>
+      </p:grpSpPr>
+      <p:sp>
+        <p:nvSpPr>
+          <p:cNvPr id="4" name="TextBox 3"/>
+          <p:cNvSpPr txBox="1"/>
+          <p:nvPr/>
+        </p:nvSpPr>
+        <p:spPr>
+          <a:xfrm>
+            <a:off x="275549" y="191702"/>
+            <a:ext cx="7201587" cy="553998"/>
+          </a:xfrm>
+          <a:prstGeom prst="rect">
+            <a:avLst/>
+          </a:prstGeom>
+          <a:noFill/>
+        </p:spPr>
+        <p:txBody>
+          <a:bodyPr wrap="none" rtlCol="0">
+            <a:spAutoFit/>
+          </a:bodyPr>
+          <a:lstStyle/>
+          <a:p>
+            <a:r>
+              <a:rPr lang="en-US" sz="3000" b="1" dirty="0">
+                <a:solidFill>
+                  <a:prstClr val="black"/>
+                </a:solidFill>
+                <a:latin typeface="Times New Roman"/>
+                <a:cs typeface="Times New Roman"/>
+              </a:rPr>
+              <a:t>Diversity &amp; Inclusion: Imposter Syndrome</a:t>
+            </a:r>
+            <a:endParaRPr lang="en-US" sz="2400" b="1" dirty="0">
+              <a:solidFill>
+                <a:prstClr val="black"/>
+              </a:solidFill>
+              <a:latin typeface="Times New Roman"/>
+              <a:cs typeface="Times New Roman"/>
+            </a:endParaRPr>
+          </a:p>
+        </p:txBody>
+      </p:sp>
+      <p:sp>
+        <p:nvSpPr>
+          <p:cNvPr id="6" name="TextBox 5">
+            <a:extLst>
+              <a:ext uri="{FF2B5EF4-FFF2-40B4-BE49-F238E27FC236}">
+                <a16:creationId xmlns:a16="http://schemas.microsoft.com/office/drawing/2014/main" id="{878A97EC-2834-8447-A6B8-2F5335C4C2C1}"/>
+              </a:ext>
+            </a:extLst>
+          </p:cNvPr>
+          <p:cNvSpPr txBox="1"/>
+          <p:nvPr/>
+        </p:nvSpPr>
+        <p:spPr>
+          <a:xfrm>
+            <a:off x="539603" y="945629"/>
+            <a:ext cx="8355015" cy="3354765"/>
+          </a:xfrm>
+          <a:prstGeom prst="rect">
+            <a:avLst/>
+          </a:prstGeom>
+          <a:noFill/>
+        </p:spPr>
+        <p:txBody>
+          <a:bodyPr wrap="square" rtlCol="0">
+            <a:spAutoFit/>
+          </a:bodyPr>
+          <a:lstStyle/>
+          <a:p>
             <a:pPr marL="342900" indent="-342900">
               <a:buFont typeface="Arial" panose="020B0604020202020204" pitchFamily="34" charset="0"/>
               <a:buChar char="•"/>
@@ -4441,11 +5571,31 @@
                 <a:ea typeface="MS Mincho" panose="02020609040205080304" pitchFamily="49" charset="-128"/>
                 <a:cs typeface="Times New Roman" panose="02020603050405020304" pitchFamily="18" charset="0"/>
               </a:rPr>
-              <a:t>Identify &amp; discuss what is almost but not quite said</a:t>
-            </a:r>
-          </a:p>
-          <a:p>
-            <a:pPr marL="342900" indent="-342900">
+              <a:t>Resources:</a:t>
+            </a:r>
+          </a:p>
+          <a:p>
+            <a:pPr marL="914400" lvl="1" indent="-457200">
+              <a:buFont typeface="Arial" panose="020B0604020202020204" pitchFamily="34" charset="0"/>
+              <a:buChar char="•"/>
+            </a:pPr>
+            <a:r>
+              <a:rPr lang="en-US" sz="2000" dirty="0">
+                <a:latin typeface="Times New Roman" panose="02020603050405020304" pitchFamily="18" charset="0"/>
+                <a:ea typeface="MS Mincho" panose="02020609040205080304" pitchFamily="49" charset="-128"/>
+                <a:cs typeface="Times New Roman" panose="02020603050405020304" pitchFamily="18" charset="0"/>
+                <a:hlinkClick r:id="rId2"/>
+              </a:rPr>
+              <a:t>https://www.tci-thaijo.org/index.php/IJBS/article/view/521</a:t>
+            </a:r>
+            <a:endParaRPr lang="en-US" sz="2000" dirty="0">
+              <a:latin typeface="Times New Roman" panose="02020603050405020304" pitchFamily="18" charset="0"/>
+              <a:ea typeface="MS Mincho" panose="02020609040205080304" pitchFamily="49" charset="-128"/>
+              <a:cs typeface="Times New Roman" panose="02020603050405020304" pitchFamily="18" charset="0"/>
+            </a:endParaRPr>
+          </a:p>
+          <a:p>
+            <a:pPr marL="457200" indent="-457200">
               <a:buFont typeface="Arial" panose="020B0604020202020204" pitchFamily="34" charset="0"/>
               <a:buChar char="•"/>
             </a:pPr>
@@ -4456,7 +5606,7 @@
             </a:endParaRPr>
           </a:p>
           <a:p>
-            <a:pPr marL="342900" indent="-342900">
+            <a:pPr marL="457200" indent="-457200">
               <a:buFont typeface="Arial" panose="020B0604020202020204" pitchFamily="34" charset="0"/>
               <a:buChar char="•"/>
             </a:pPr>
@@ -4466,11 +5616,11 @@
                 <a:ea typeface="MS Mincho" panose="02020609040205080304" pitchFamily="49" charset="-128"/>
                 <a:cs typeface="Times New Roman" panose="02020603050405020304" pitchFamily="18" charset="0"/>
               </a:rPr>
-              <a:t>Discuss the strengths &amp; weaknesses based on the rubric</a:t>
-            </a:r>
-          </a:p>
-          <a:p>
-            <a:pPr marL="342900" indent="-342900">
+              <a:t>Q1: What is imposter syndrome and in what kind of situations has it been observed / studied?</a:t>
+            </a:r>
+          </a:p>
+          <a:p>
+            <a:pPr marL="457200" indent="-457200">
               <a:buFont typeface="Arial" panose="020B0604020202020204" pitchFamily="34" charset="0"/>
               <a:buChar char="•"/>
             </a:pPr>
@@ -4481,7 +5631,7 @@
             </a:endParaRPr>
           </a:p>
           <a:p>
-            <a:pPr marL="342900" indent="-342900">
+            <a:pPr marL="457200" indent="-457200">
               <a:buFont typeface="Arial" panose="020B0604020202020204" pitchFamily="34" charset="0"/>
               <a:buChar char="•"/>
             </a:pPr>
@@ -4491,11 +5641,11 @@
                 <a:ea typeface="MS Mincho" panose="02020609040205080304" pitchFamily="49" charset="-128"/>
                 <a:cs typeface="Times New Roman" panose="02020603050405020304" pitchFamily="18" charset="0"/>
               </a:rPr>
-              <a:t>Feedback should always be constructive!</a:t>
-            </a:r>
-          </a:p>
-          <a:p>
-            <a:pPr marL="342900" indent="-342900">
+              <a:t>Q2: How does imposter syndrome impact upon an individual’s performance as a physicist?</a:t>
+            </a:r>
+          </a:p>
+          <a:p>
+            <a:pPr marL="457200" indent="-457200">
               <a:buFont typeface="Arial" panose="020B0604020202020204" pitchFamily="34" charset="0"/>
               <a:buChar char="•"/>
             </a:pPr>
@@ -4506,39 +5656,739 @@
             </a:endParaRPr>
           </a:p>
           <a:p>
-            <a:pPr marL="342900" indent="-342900">
+            <a:pPr marL="457200" indent="-457200">
               <a:buFont typeface="Arial" panose="020B0604020202020204" pitchFamily="34" charset="0"/>
               <a:buChar char="•"/>
             </a:pPr>
             <a:r>
               <a:rPr lang="en-US" sz="2400" dirty="0">
+                <a:latin typeface="Times New Roman" panose="02020603050405020304" pitchFamily="18" charset="0"/>
+                <a:ea typeface="MS Mincho" panose="02020609040205080304" pitchFamily="49" charset="-128"/>
+                <a:cs typeface="Times New Roman" panose="02020603050405020304" pitchFamily="18" charset="0"/>
+              </a:rPr>
+              <a:t>Q3: What can an individual do to minimize their own imposter syndrome and/or support individuals with imposter syndrome?</a:t>
+            </a:r>
+          </a:p>
+        </p:txBody>
+      </p:sp>
+    </p:spTree>
+    <p:extLst>
+      <p:ext uri="{BB962C8B-B14F-4D97-AF65-F5344CB8AC3E}">
+        <p14:creationId xmlns:p14="http://schemas.microsoft.com/office/powerpoint/2010/main" val="3537580524"/>
+      </p:ext>
+    </p:extLst>
+  </p:cSld>
+  <p:clrMapOvr>
+    <a:masterClrMapping/>
+  </p:clrMapOvr>
+</p:sld>
+</file>
+
+<file path=ppt/slides/slide6.xml><?xml version="1.0" encoding="utf-8"?>
+<p:sld xmlns:a="http://schemas.openxmlformats.org/drawingml/2006/main" xmlns:r="http://schemas.openxmlformats.org/officeDocument/2006/relationships" xmlns:p="http://schemas.openxmlformats.org/presentationml/2006/main">
+  <p:cSld>
+    <p:spTree>
+      <p:nvGrpSpPr>
+        <p:cNvPr id="1" name=""/>
+        <p:cNvGrpSpPr/>
+        <p:nvPr/>
+      </p:nvGrpSpPr>
+      <p:grpSpPr>
+        <a:xfrm>
+          <a:off x="0" y="0"/>
+          <a:ext cx="0" cy="0"/>
+          <a:chOff x="0" y="0"/>
+          <a:chExt cx="0" cy="0"/>
+        </a:xfrm>
+      </p:grpSpPr>
+      <p:sp>
+        <p:nvSpPr>
+          <p:cNvPr id="4" name="TextBox 3"/>
+          <p:cNvSpPr txBox="1"/>
+          <p:nvPr/>
+        </p:nvSpPr>
+        <p:spPr>
+          <a:xfrm>
+            <a:off x="275549" y="191702"/>
+            <a:ext cx="8682185" cy="553998"/>
+          </a:xfrm>
+          <a:prstGeom prst="rect">
+            <a:avLst/>
+          </a:prstGeom>
+          <a:noFill/>
+        </p:spPr>
+        <p:txBody>
+          <a:bodyPr wrap="none" rtlCol="0">
+            <a:spAutoFit/>
+          </a:bodyPr>
+          <a:lstStyle/>
+          <a:p>
+            <a:r>
+              <a:rPr lang="en-US" sz="3000" b="1" dirty="0">
                 <a:solidFill>
                   <a:prstClr val="black"/>
                 </a:solidFill>
-                <a:latin typeface="Times New Roman" panose="02020603050405020304" pitchFamily="18" charset="0"/>
-                <a:cs typeface="Times New Roman" panose="02020603050405020304" pitchFamily="18" charset="0"/>
-              </a:rPr>
-              <a:t>Write down notes on the discussion and give the sheet to the instructor (</a:t>
-            </a:r>
-            <a:r>
-              <a:rPr lang="en-US" sz="2400" i="1" dirty="0">
+                <a:latin typeface="Times New Roman"/>
+                <a:cs typeface="Times New Roman"/>
+              </a:rPr>
+              <a:t>Diversity &amp; Inclusion: Harassment / Discrimination</a:t>
+            </a:r>
+            <a:endParaRPr lang="en-US" sz="2400" b="1" dirty="0">
+              <a:solidFill>
+                <a:prstClr val="black"/>
+              </a:solidFill>
+              <a:latin typeface="Times New Roman"/>
+              <a:cs typeface="Times New Roman"/>
+            </a:endParaRPr>
+          </a:p>
+        </p:txBody>
+      </p:sp>
+      <p:sp>
+        <p:nvSpPr>
+          <p:cNvPr id="6" name="TextBox 5">
+            <a:extLst>
+              <a:ext uri="{FF2B5EF4-FFF2-40B4-BE49-F238E27FC236}">
+                <a16:creationId xmlns:a16="http://schemas.microsoft.com/office/drawing/2014/main" id="{878A97EC-2834-8447-A6B8-2F5335C4C2C1}"/>
+              </a:ext>
+            </a:extLst>
+          </p:cNvPr>
+          <p:cNvSpPr txBox="1"/>
+          <p:nvPr/>
+        </p:nvSpPr>
+        <p:spPr>
+          <a:xfrm>
+            <a:off x="539603" y="945629"/>
+            <a:ext cx="8355015" cy="4278094"/>
+          </a:xfrm>
+          <a:prstGeom prst="rect">
+            <a:avLst/>
+          </a:prstGeom>
+          <a:noFill/>
+        </p:spPr>
+        <p:txBody>
+          <a:bodyPr wrap="square" rtlCol="0">
+            <a:spAutoFit/>
+          </a:bodyPr>
+          <a:lstStyle/>
+          <a:p>
+            <a:pPr marL="342900" indent="-342900">
+              <a:buFont typeface="Arial" panose="020B0604020202020204" pitchFamily="34" charset="0"/>
+              <a:buChar char="•"/>
+            </a:pPr>
+            <a:r>
+              <a:rPr lang="en-US" sz="2400" dirty="0">
+                <a:latin typeface="Times New Roman" panose="02020603050405020304" pitchFamily="18" charset="0"/>
+                <a:ea typeface="MS Mincho" panose="02020609040205080304" pitchFamily="49" charset="-128"/>
+                <a:cs typeface="Times New Roman" panose="02020603050405020304" pitchFamily="18" charset="0"/>
+              </a:rPr>
+              <a:t>Resources:</a:t>
+            </a:r>
+          </a:p>
+          <a:p>
+            <a:pPr marL="914400" lvl="1" indent="-457200">
+              <a:buFont typeface="Arial" panose="020B0604020202020204" pitchFamily="34" charset="0"/>
+              <a:buChar char="•"/>
+            </a:pPr>
+            <a:r>
+              <a:rPr lang="en-US" sz="2000" dirty="0">
+                <a:latin typeface="Times New Roman" panose="02020603050405020304" pitchFamily="18" charset="0"/>
+                <a:ea typeface="MS Mincho" panose="02020609040205080304" pitchFamily="49" charset="-128"/>
+                <a:cs typeface="Times New Roman" panose="02020603050405020304" pitchFamily="18" charset="0"/>
+                <a:hlinkClick r:id="rId2"/>
+              </a:rPr>
+              <a:t>https://i-sight.com/resources/11-types-of-workplace-harassment-and-how-to-stop-them/</a:t>
+            </a:r>
+            <a:endParaRPr lang="en-US" sz="2000" dirty="0">
+              <a:latin typeface="Times New Roman" panose="02020603050405020304" pitchFamily="18" charset="0"/>
+              <a:ea typeface="MS Mincho" panose="02020609040205080304" pitchFamily="49" charset="-128"/>
+              <a:cs typeface="Times New Roman" panose="02020603050405020304" pitchFamily="18" charset="0"/>
+            </a:endParaRPr>
+          </a:p>
+          <a:p>
+            <a:pPr marL="914400" lvl="1" indent="-457200">
+              <a:buFont typeface="Arial" panose="020B0604020202020204" pitchFamily="34" charset="0"/>
+              <a:buChar char="•"/>
+            </a:pPr>
+            <a:r>
+              <a:rPr lang="en-US" sz="2000" dirty="0">
+                <a:latin typeface="Times New Roman" panose="02020603050405020304" pitchFamily="18" charset="0"/>
+                <a:ea typeface="MS Mincho" panose="02020609040205080304" pitchFamily="49" charset="-128"/>
+                <a:cs typeface="Times New Roman" panose="02020603050405020304" pitchFamily="18" charset="0"/>
+                <a:hlinkClick r:id="rId3"/>
+              </a:rPr>
+              <a:t>https://www.projectcallisto.org</a:t>
+            </a:r>
+            <a:endParaRPr lang="en-US" sz="2000" dirty="0">
+              <a:latin typeface="Times New Roman" panose="02020603050405020304" pitchFamily="18" charset="0"/>
+              <a:ea typeface="MS Mincho" panose="02020609040205080304" pitchFamily="49" charset="-128"/>
+              <a:cs typeface="Times New Roman" panose="02020603050405020304" pitchFamily="18" charset="0"/>
+            </a:endParaRPr>
+          </a:p>
+          <a:p>
+            <a:pPr marL="914400" lvl="1" indent="-457200">
+              <a:buFont typeface="Arial" panose="020B0604020202020204" pitchFamily="34" charset="0"/>
+              <a:buChar char="•"/>
+            </a:pPr>
+            <a:r>
+              <a:rPr lang="en-US" sz="2000" dirty="0">
+                <a:latin typeface="Times New Roman" panose="02020603050405020304" pitchFamily="18" charset="0"/>
+                <a:ea typeface="MS Mincho" panose="02020609040205080304" pitchFamily="49" charset="-128"/>
+                <a:cs typeface="Times New Roman" panose="02020603050405020304" pitchFamily="18" charset="0"/>
+                <a:hlinkClick r:id="rId4"/>
+              </a:rPr>
+              <a:t>https://haven.gwu.edu</a:t>
+            </a:r>
+            <a:endParaRPr lang="en-US" sz="2000" dirty="0">
+              <a:latin typeface="Times New Roman" panose="02020603050405020304" pitchFamily="18" charset="0"/>
+              <a:ea typeface="MS Mincho" panose="02020609040205080304" pitchFamily="49" charset="-128"/>
+              <a:cs typeface="Times New Roman" panose="02020603050405020304" pitchFamily="18" charset="0"/>
+            </a:endParaRPr>
+          </a:p>
+          <a:p>
+            <a:pPr marL="914400" lvl="1" indent="-457200">
+              <a:buFont typeface="Arial" panose="020B0604020202020204" pitchFamily="34" charset="0"/>
+              <a:buChar char="•"/>
+            </a:pPr>
+            <a:endParaRPr lang="en-US" sz="800" dirty="0">
+              <a:latin typeface="Times New Roman" panose="02020603050405020304" pitchFamily="18" charset="0"/>
+              <a:ea typeface="MS Mincho" panose="02020609040205080304" pitchFamily="49" charset="-128"/>
+              <a:cs typeface="Times New Roman" panose="02020603050405020304" pitchFamily="18" charset="0"/>
+            </a:endParaRPr>
+          </a:p>
+          <a:p>
+            <a:pPr marL="457200" indent="-457200">
+              <a:buFont typeface="Arial" panose="020B0604020202020204" pitchFamily="34" charset="0"/>
+              <a:buChar char="•"/>
+            </a:pPr>
+            <a:r>
+              <a:rPr lang="en-US" sz="2400" dirty="0">
+                <a:latin typeface="Times New Roman" panose="02020603050405020304" pitchFamily="18" charset="0"/>
+                <a:ea typeface="MS Mincho" panose="02020609040205080304" pitchFamily="49" charset="-128"/>
+                <a:cs typeface="Times New Roman" panose="02020603050405020304" pitchFamily="18" charset="0"/>
+              </a:rPr>
+              <a:t>Q1: What types of harassment can occur in the professional physics environment?</a:t>
+            </a:r>
+          </a:p>
+          <a:p>
+            <a:pPr marL="457200" indent="-457200">
+              <a:buFont typeface="Arial" panose="020B0604020202020204" pitchFamily="34" charset="0"/>
+              <a:buChar char="•"/>
+            </a:pPr>
+            <a:endParaRPr lang="en-US" sz="800" dirty="0">
+              <a:latin typeface="Times New Roman" panose="02020603050405020304" pitchFamily="18" charset="0"/>
+              <a:ea typeface="MS Mincho" panose="02020609040205080304" pitchFamily="49" charset="-128"/>
+              <a:cs typeface="Times New Roman" panose="02020603050405020304" pitchFamily="18" charset="0"/>
+            </a:endParaRPr>
+          </a:p>
+          <a:p>
+            <a:pPr marL="457200" indent="-457200">
+              <a:buFont typeface="Arial" panose="020B0604020202020204" pitchFamily="34" charset="0"/>
+              <a:buChar char="•"/>
+            </a:pPr>
+            <a:r>
+              <a:rPr lang="en-US" sz="2400" dirty="0">
+                <a:latin typeface="Times New Roman" panose="02020603050405020304" pitchFamily="18" charset="0"/>
+                <a:ea typeface="MS Mincho" panose="02020609040205080304" pitchFamily="49" charset="-128"/>
+                <a:cs typeface="Times New Roman" panose="02020603050405020304" pitchFamily="18" charset="0"/>
+              </a:rPr>
+              <a:t>Q2: What steps can individuals and the community take to minimize the incidence of harassment?</a:t>
+            </a:r>
+          </a:p>
+          <a:p>
+            <a:pPr marL="457200" indent="-457200">
+              <a:buFont typeface="Arial" panose="020B0604020202020204" pitchFamily="34" charset="0"/>
+              <a:buChar char="•"/>
+            </a:pPr>
+            <a:endParaRPr lang="en-US" sz="800" dirty="0">
+              <a:latin typeface="Times New Roman" panose="02020603050405020304" pitchFamily="18" charset="0"/>
+              <a:ea typeface="MS Mincho" panose="02020609040205080304" pitchFamily="49" charset="-128"/>
+              <a:cs typeface="Times New Roman" panose="02020603050405020304" pitchFamily="18" charset="0"/>
+            </a:endParaRPr>
+          </a:p>
+          <a:p>
+            <a:pPr marL="457200" indent="-457200">
+              <a:buFont typeface="Arial" panose="020B0604020202020204" pitchFamily="34" charset="0"/>
+              <a:buChar char="•"/>
+            </a:pPr>
+            <a:r>
+              <a:rPr lang="en-US" sz="2400" dirty="0">
+                <a:latin typeface="Times New Roman" panose="02020603050405020304" pitchFamily="18" charset="0"/>
+                <a:ea typeface="MS Mincho" panose="02020609040205080304" pitchFamily="49" charset="-128"/>
+                <a:cs typeface="Times New Roman" panose="02020603050405020304" pitchFamily="18" charset="0"/>
+              </a:rPr>
+              <a:t>Q3: How can individuals react to minimize harm in situations where harassment has occurred or is occurring?</a:t>
+            </a:r>
+          </a:p>
+        </p:txBody>
+      </p:sp>
+    </p:spTree>
+    <p:extLst>
+      <p:ext uri="{BB962C8B-B14F-4D97-AF65-F5344CB8AC3E}">
+        <p14:creationId xmlns:p14="http://schemas.microsoft.com/office/powerpoint/2010/main" val="4106925271"/>
+      </p:ext>
+    </p:extLst>
+  </p:cSld>
+  <p:clrMapOvr>
+    <a:masterClrMapping/>
+  </p:clrMapOvr>
+</p:sld>
+</file>
+
+<file path=ppt/slides/slide7.xml><?xml version="1.0" encoding="utf-8"?>
+<p:sld xmlns:a="http://schemas.openxmlformats.org/drawingml/2006/main" xmlns:r="http://schemas.openxmlformats.org/officeDocument/2006/relationships" xmlns:p="http://schemas.openxmlformats.org/presentationml/2006/main">
+  <p:cSld>
+    <p:spTree>
+      <p:nvGrpSpPr>
+        <p:cNvPr id="1" name=""/>
+        <p:cNvGrpSpPr/>
+        <p:nvPr/>
+      </p:nvGrpSpPr>
+      <p:grpSpPr>
+        <a:xfrm>
+          <a:off x="0" y="0"/>
+          <a:ext cx="0" cy="0"/>
+          <a:chOff x="0" y="0"/>
+          <a:chExt cx="0" cy="0"/>
+        </a:xfrm>
+      </p:grpSpPr>
+      <p:sp>
+        <p:nvSpPr>
+          <p:cNvPr id="4" name="TextBox 3"/>
+          <p:cNvSpPr txBox="1"/>
+          <p:nvPr/>
+        </p:nvSpPr>
+        <p:spPr>
+          <a:xfrm>
+            <a:off x="275549" y="191702"/>
+            <a:ext cx="6644768" cy="553998"/>
+          </a:xfrm>
+          <a:prstGeom prst="rect">
+            <a:avLst/>
+          </a:prstGeom>
+          <a:noFill/>
+        </p:spPr>
+        <p:txBody>
+          <a:bodyPr wrap="none" rtlCol="0">
+            <a:spAutoFit/>
+          </a:bodyPr>
+          <a:lstStyle/>
+          <a:p>
+            <a:r>
+              <a:rPr lang="en-US" sz="3000" b="1" dirty="0">
                 <a:solidFill>
                   <a:prstClr val="black"/>
                 </a:solidFill>
-                <a:latin typeface="Times New Roman" panose="02020603050405020304" pitchFamily="18" charset="0"/>
-                <a:cs typeface="Times New Roman" panose="02020603050405020304" pitchFamily="18" charset="0"/>
-              </a:rPr>
-              <a:t>for an in-class activity grade</a:t>
-            </a:r>
+                <a:latin typeface="Times New Roman"/>
+                <a:cs typeface="Times New Roman"/>
+              </a:rPr>
+              <a:t>Diversity &amp; Inclusion: LGBTQ+ Status</a:t>
+            </a:r>
+            <a:endParaRPr lang="en-US" sz="2400" b="1" dirty="0">
+              <a:solidFill>
+                <a:prstClr val="black"/>
+              </a:solidFill>
+              <a:latin typeface="Times New Roman"/>
+              <a:cs typeface="Times New Roman"/>
+            </a:endParaRPr>
+          </a:p>
+        </p:txBody>
+      </p:sp>
+      <p:sp>
+        <p:nvSpPr>
+          <p:cNvPr id="6" name="TextBox 5">
+            <a:extLst>
+              <a:ext uri="{FF2B5EF4-FFF2-40B4-BE49-F238E27FC236}">
+                <a16:creationId xmlns:a16="http://schemas.microsoft.com/office/drawing/2014/main" id="{878A97EC-2834-8447-A6B8-2F5335C4C2C1}"/>
+              </a:ext>
+            </a:extLst>
+          </p:cNvPr>
+          <p:cNvSpPr txBox="1"/>
+          <p:nvPr/>
+        </p:nvSpPr>
+        <p:spPr>
+          <a:xfrm>
+            <a:off x="539603" y="945629"/>
+            <a:ext cx="8355015" cy="3724096"/>
+          </a:xfrm>
+          <a:prstGeom prst="rect">
+            <a:avLst/>
+          </a:prstGeom>
+          <a:noFill/>
+        </p:spPr>
+        <p:txBody>
+          <a:bodyPr wrap="square" rtlCol="0">
+            <a:spAutoFit/>
+          </a:bodyPr>
+          <a:lstStyle/>
+          <a:p>
+            <a:pPr marL="342900" indent="-342900">
+              <a:buFont typeface="Arial" panose="020B0604020202020204" pitchFamily="34" charset="0"/>
+              <a:buChar char="•"/>
+            </a:pPr>
             <a:r>
               <a:rPr lang="en-US" sz="2400" dirty="0">
+                <a:latin typeface="Times New Roman" panose="02020603050405020304" pitchFamily="18" charset="0"/>
+                <a:ea typeface="MS Mincho" panose="02020609040205080304" pitchFamily="49" charset="-128"/>
+                <a:cs typeface="Times New Roman" panose="02020603050405020304" pitchFamily="18" charset="0"/>
+              </a:rPr>
+              <a:t>Resources:</a:t>
+            </a:r>
+          </a:p>
+          <a:p>
+            <a:pPr marL="914400" lvl="1" indent="-457200">
+              <a:buFont typeface="Arial" panose="020B0604020202020204" pitchFamily="34" charset="0"/>
+              <a:buChar char="•"/>
+            </a:pPr>
+            <a:r>
+              <a:rPr lang="en-US" sz="2000" dirty="0">
+                <a:latin typeface="Times New Roman" panose="02020603050405020304" pitchFamily="18" charset="0"/>
+                <a:ea typeface="MS Mincho" panose="02020609040205080304" pitchFamily="49" charset="-128"/>
+                <a:cs typeface="Times New Roman" panose="02020603050405020304" pitchFamily="18" charset="0"/>
+                <a:hlinkClick r:id="rId2"/>
+              </a:rPr>
+              <a:t>https://www.aps.org/programs/lgbt/index.cfm</a:t>
+            </a:r>
+            <a:endParaRPr lang="en-US" sz="2000" dirty="0">
+              <a:latin typeface="Times New Roman" panose="02020603050405020304" pitchFamily="18" charset="0"/>
+              <a:ea typeface="MS Mincho" panose="02020609040205080304" pitchFamily="49" charset="-128"/>
+              <a:cs typeface="Times New Roman" panose="02020603050405020304" pitchFamily="18" charset="0"/>
+            </a:endParaRPr>
+          </a:p>
+          <a:p>
+            <a:pPr marL="914400" lvl="1" indent="-457200">
+              <a:buFont typeface="Arial" panose="020B0604020202020204" pitchFamily="34" charset="0"/>
+              <a:buChar char="•"/>
+            </a:pPr>
+            <a:endParaRPr lang="en-US" sz="800" dirty="0">
+              <a:latin typeface="Times New Roman" panose="02020603050405020304" pitchFamily="18" charset="0"/>
+              <a:ea typeface="MS Mincho" panose="02020609040205080304" pitchFamily="49" charset="-128"/>
+              <a:cs typeface="Times New Roman" panose="02020603050405020304" pitchFamily="18" charset="0"/>
+            </a:endParaRPr>
+          </a:p>
+          <a:p>
+            <a:pPr marL="457200" indent="-457200">
+              <a:buFont typeface="Arial" panose="020B0604020202020204" pitchFamily="34" charset="0"/>
+              <a:buChar char="•"/>
+            </a:pPr>
+            <a:r>
+              <a:rPr lang="en-US" sz="2400" dirty="0">
+                <a:latin typeface="Times New Roman" panose="02020603050405020304" pitchFamily="18" charset="0"/>
+                <a:ea typeface="MS Mincho" panose="02020609040205080304" pitchFamily="49" charset="-128"/>
+                <a:cs typeface="Times New Roman" panose="02020603050405020304" pitchFamily="18" charset="0"/>
+              </a:rPr>
+              <a:t>Q1: What hurdles do LGBTQ+ individuals face within the physics community?</a:t>
+            </a:r>
+          </a:p>
+          <a:p>
+            <a:pPr marL="457200" indent="-457200">
+              <a:buFont typeface="Arial" panose="020B0604020202020204" pitchFamily="34" charset="0"/>
+              <a:buChar char="•"/>
+            </a:pPr>
+            <a:endParaRPr lang="en-US" sz="800" dirty="0">
+              <a:latin typeface="Times New Roman" panose="02020603050405020304" pitchFamily="18" charset="0"/>
+              <a:ea typeface="MS Mincho" panose="02020609040205080304" pitchFamily="49" charset="-128"/>
+              <a:cs typeface="Times New Roman" panose="02020603050405020304" pitchFamily="18" charset="0"/>
+            </a:endParaRPr>
+          </a:p>
+          <a:p>
+            <a:pPr marL="457200" indent="-457200">
+              <a:buFont typeface="Arial" panose="020B0604020202020204" pitchFamily="34" charset="0"/>
+              <a:buChar char="•"/>
+            </a:pPr>
+            <a:r>
+              <a:rPr lang="en-US" sz="2400" dirty="0">
+                <a:latin typeface="Times New Roman" panose="02020603050405020304" pitchFamily="18" charset="0"/>
+                <a:ea typeface="MS Mincho" panose="02020609040205080304" pitchFamily="49" charset="-128"/>
+                <a:cs typeface="Times New Roman" panose="02020603050405020304" pitchFamily="18" charset="0"/>
+              </a:rPr>
+              <a:t>Q2: What hurdles do LGBTQ+ individuals face within the university environment?</a:t>
+            </a:r>
+          </a:p>
+          <a:p>
+            <a:pPr marL="457200" indent="-457200">
+              <a:buFont typeface="Arial" panose="020B0604020202020204" pitchFamily="34" charset="0"/>
+              <a:buChar char="•"/>
+            </a:pPr>
+            <a:endParaRPr lang="en-US" sz="800" dirty="0">
+              <a:latin typeface="Times New Roman" panose="02020603050405020304" pitchFamily="18" charset="0"/>
+              <a:ea typeface="MS Mincho" panose="02020609040205080304" pitchFamily="49" charset="-128"/>
+              <a:cs typeface="Times New Roman" panose="02020603050405020304" pitchFamily="18" charset="0"/>
+            </a:endParaRPr>
+          </a:p>
+          <a:p>
+            <a:pPr marL="457200" indent="-457200">
+              <a:buFont typeface="Arial" panose="020B0604020202020204" pitchFamily="34" charset="0"/>
+              <a:buChar char="•"/>
+            </a:pPr>
+            <a:r>
+              <a:rPr lang="en-US" sz="2400" dirty="0">
+                <a:latin typeface="Times New Roman" panose="02020603050405020304" pitchFamily="18" charset="0"/>
+                <a:ea typeface="MS Mincho" panose="02020609040205080304" pitchFamily="49" charset="-128"/>
+                <a:cs typeface="Times New Roman" panose="02020603050405020304" pitchFamily="18" charset="0"/>
+              </a:rPr>
+              <a:t>Q3: What can be done to improve inclusion of LGBTQ+ individuals within the physics department and the physics community?</a:t>
+            </a:r>
+          </a:p>
+        </p:txBody>
+      </p:sp>
+    </p:spTree>
+    <p:extLst>
+      <p:ext uri="{BB962C8B-B14F-4D97-AF65-F5344CB8AC3E}">
+        <p14:creationId xmlns:p14="http://schemas.microsoft.com/office/powerpoint/2010/main" val="602537703"/>
+      </p:ext>
+    </p:extLst>
+  </p:cSld>
+  <p:clrMapOvr>
+    <a:masterClrMapping/>
+  </p:clrMapOvr>
+</p:sld>
+</file>
+
+<file path=ppt/slides/slide8.xml><?xml version="1.0" encoding="utf-8"?>
+<p:sld xmlns:a="http://schemas.openxmlformats.org/drawingml/2006/main" xmlns:r="http://schemas.openxmlformats.org/officeDocument/2006/relationships" xmlns:p="http://schemas.openxmlformats.org/presentationml/2006/main">
+  <p:cSld>
+    <p:spTree>
+      <p:nvGrpSpPr>
+        <p:cNvPr id="1" name=""/>
+        <p:cNvGrpSpPr/>
+        <p:nvPr/>
+      </p:nvGrpSpPr>
+      <p:grpSpPr>
+        <a:xfrm>
+          <a:off x="0" y="0"/>
+          <a:ext cx="0" cy="0"/>
+          <a:chOff x="0" y="0"/>
+          <a:chExt cx="0" cy="0"/>
+        </a:xfrm>
+      </p:grpSpPr>
+      <p:sp>
+        <p:nvSpPr>
+          <p:cNvPr id="4" name="TextBox 3"/>
+          <p:cNvSpPr txBox="1"/>
+          <p:nvPr/>
+        </p:nvSpPr>
+        <p:spPr>
+          <a:xfrm>
+            <a:off x="275549" y="191702"/>
+            <a:ext cx="7750840" cy="553998"/>
+          </a:xfrm>
+          <a:prstGeom prst="rect">
+            <a:avLst/>
+          </a:prstGeom>
+          <a:noFill/>
+        </p:spPr>
+        <p:txBody>
+          <a:bodyPr wrap="none" rtlCol="0">
+            <a:spAutoFit/>
+          </a:bodyPr>
+          <a:lstStyle/>
+          <a:p>
+            <a:r>
+              <a:rPr lang="en-US" sz="3000" b="1" dirty="0">
                 <a:solidFill>
                   <a:prstClr val="black"/>
                 </a:solidFill>
-                <a:latin typeface="Times New Roman" panose="02020603050405020304" pitchFamily="18" charset="0"/>
-                <a:cs typeface="Times New Roman" panose="02020603050405020304" pitchFamily="18" charset="0"/>
-              </a:rPr>
-              <a:t>)</a:t>
+                <a:latin typeface="Times New Roman"/>
+                <a:cs typeface="Times New Roman"/>
+              </a:rPr>
+              <a:t>Diversity &amp; Inclusion: Caring Responsibilities</a:t>
+            </a:r>
+            <a:endParaRPr lang="en-US" sz="2400" b="1" dirty="0">
+              <a:solidFill>
+                <a:prstClr val="black"/>
+              </a:solidFill>
+              <a:latin typeface="Times New Roman"/>
+              <a:cs typeface="Times New Roman"/>
+            </a:endParaRPr>
+          </a:p>
+        </p:txBody>
+      </p:sp>
+      <p:sp>
+        <p:nvSpPr>
+          <p:cNvPr id="6" name="TextBox 5">
+            <a:extLst>
+              <a:ext uri="{FF2B5EF4-FFF2-40B4-BE49-F238E27FC236}">
+                <a16:creationId xmlns:a16="http://schemas.microsoft.com/office/drawing/2014/main" id="{878A97EC-2834-8447-A6B8-2F5335C4C2C1}"/>
+              </a:ext>
+            </a:extLst>
+          </p:cNvPr>
+          <p:cNvSpPr txBox="1"/>
+          <p:nvPr/>
+        </p:nvSpPr>
+        <p:spPr>
+          <a:xfrm>
+            <a:off x="539603" y="945629"/>
+            <a:ext cx="8355015" cy="3970318"/>
+          </a:xfrm>
+          <a:prstGeom prst="rect">
+            <a:avLst/>
+          </a:prstGeom>
+          <a:noFill/>
+        </p:spPr>
+        <p:txBody>
+          <a:bodyPr wrap="square" rtlCol="0">
+            <a:spAutoFit/>
+          </a:bodyPr>
+          <a:lstStyle/>
+          <a:p>
+            <a:pPr marL="342900" indent="-342900">
+              <a:buFont typeface="Arial" panose="020B0604020202020204" pitchFamily="34" charset="0"/>
+              <a:buChar char="•"/>
+            </a:pPr>
+            <a:r>
+              <a:rPr lang="en-US" sz="2400" dirty="0">
+                <a:latin typeface="Times New Roman" panose="02020603050405020304" pitchFamily="18" charset="0"/>
+                <a:ea typeface="MS Mincho" panose="02020609040205080304" pitchFamily="49" charset="-128"/>
+                <a:cs typeface="Times New Roman" panose="02020603050405020304" pitchFamily="18" charset="0"/>
+              </a:rPr>
+              <a:t>Resources:</a:t>
+            </a:r>
+          </a:p>
+          <a:p>
+            <a:pPr marL="914400" lvl="1" indent="-457200">
+              <a:buFont typeface="Arial" panose="020B0604020202020204" pitchFamily="34" charset="0"/>
+              <a:buChar char="•"/>
+            </a:pPr>
+            <a:r>
+              <a:rPr lang="en-US" sz="2000" dirty="0">
+                <a:latin typeface="Times New Roman" panose="02020603050405020304" pitchFamily="18" charset="0"/>
+                <a:ea typeface="MS Mincho" panose="02020609040205080304" pitchFamily="49" charset="-128"/>
+                <a:cs typeface="Times New Roman" panose="02020603050405020304" pitchFamily="18" charset="0"/>
+                <a:hlinkClick r:id="rId2"/>
+              </a:rPr>
+              <a:t>https://www.oecd.org/els/health-systems/47884865.pdf</a:t>
+            </a:r>
+            <a:endParaRPr lang="en-US" sz="2000" dirty="0">
+              <a:latin typeface="Times New Roman" panose="02020603050405020304" pitchFamily="18" charset="0"/>
+              <a:ea typeface="MS Mincho" panose="02020609040205080304" pitchFamily="49" charset="-128"/>
+              <a:cs typeface="Times New Roman" panose="02020603050405020304" pitchFamily="18" charset="0"/>
+            </a:endParaRPr>
+          </a:p>
+          <a:p>
+            <a:pPr marL="914400" lvl="1" indent="-457200">
+              <a:buFont typeface="Arial" panose="020B0604020202020204" pitchFamily="34" charset="0"/>
+              <a:buChar char="•"/>
+            </a:pPr>
+            <a:r>
+              <a:rPr lang="en-US" sz="2000" dirty="0">
+                <a:latin typeface="Times New Roman" panose="02020603050405020304" pitchFamily="18" charset="0"/>
+                <a:ea typeface="MS Mincho" panose="02020609040205080304" pitchFamily="49" charset="-128"/>
+                <a:cs typeface="Times New Roman" panose="02020603050405020304" pitchFamily="18" charset="0"/>
+                <a:hlinkClick r:id="rId3"/>
+              </a:rPr>
+              <a:t>https://www.theguardian.com/lifeandstyle/parents-and-parenting+money/work-and-careers</a:t>
+            </a:r>
+            <a:endParaRPr lang="en-US" sz="2000" dirty="0">
+              <a:latin typeface="Times New Roman" panose="02020603050405020304" pitchFamily="18" charset="0"/>
+              <a:ea typeface="MS Mincho" panose="02020609040205080304" pitchFamily="49" charset="-128"/>
+              <a:cs typeface="Times New Roman" panose="02020603050405020304" pitchFamily="18" charset="0"/>
+            </a:endParaRPr>
+          </a:p>
+          <a:p>
+            <a:pPr marL="914400" lvl="1" indent="-457200">
+              <a:buFont typeface="Arial" panose="020B0604020202020204" pitchFamily="34" charset="0"/>
+              <a:buChar char="•"/>
+            </a:pPr>
+            <a:endParaRPr lang="en-US" sz="800" dirty="0">
+              <a:latin typeface="Times New Roman" panose="02020603050405020304" pitchFamily="18" charset="0"/>
+              <a:ea typeface="MS Mincho" panose="02020609040205080304" pitchFamily="49" charset="-128"/>
+              <a:cs typeface="Times New Roman" panose="02020603050405020304" pitchFamily="18" charset="0"/>
+            </a:endParaRPr>
+          </a:p>
+          <a:p>
+            <a:pPr marL="457200" indent="-457200">
+              <a:buFont typeface="Arial" panose="020B0604020202020204" pitchFamily="34" charset="0"/>
+              <a:buChar char="•"/>
+            </a:pPr>
+            <a:r>
+              <a:rPr lang="en-US" sz="2400" dirty="0">
+                <a:latin typeface="Times New Roman" panose="02020603050405020304" pitchFamily="18" charset="0"/>
+                <a:ea typeface="MS Mincho" panose="02020609040205080304" pitchFamily="49" charset="-128"/>
+                <a:cs typeface="Times New Roman" panose="02020603050405020304" pitchFamily="18" charset="0"/>
+              </a:rPr>
+              <a:t>Q1: What issues are there for parents in the physics community?</a:t>
+            </a:r>
+          </a:p>
+          <a:p>
+            <a:pPr marL="457200" indent="-457200">
+              <a:buFont typeface="Arial" panose="020B0604020202020204" pitchFamily="34" charset="0"/>
+              <a:buChar char="•"/>
+            </a:pPr>
+            <a:endParaRPr lang="en-US" sz="800" dirty="0">
+              <a:latin typeface="Times New Roman" panose="02020603050405020304" pitchFamily="18" charset="0"/>
+              <a:ea typeface="MS Mincho" panose="02020609040205080304" pitchFamily="49" charset="-128"/>
+              <a:cs typeface="Times New Roman" panose="02020603050405020304" pitchFamily="18" charset="0"/>
+            </a:endParaRPr>
+          </a:p>
+          <a:p>
+            <a:pPr marL="457200" indent="-457200">
+              <a:buFont typeface="Arial" panose="020B0604020202020204" pitchFamily="34" charset="0"/>
+              <a:buChar char="•"/>
+            </a:pPr>
+            <a:r>
+              <a:rPr lang="en-US" sz="2400" dirty="0">
+                <a:latin typeface="Times New Roman" panose="02020603050405020304" pitchFamily="18" charset="0"/>
+                <a:ea typeface="MS Mincho" panose="02020609040205080304" pitchFamily="49" charset="-128"/>
+                <a:cs typeface="Times New Roman" panose="02020603050405020304" pitchFamily="18" charset="0"/>
+              </a:rPr>
+              <a:t>Q2: What issues are there for </a:t>
+            </a:r>
+            <a:r>
+              <a:rPr lang="en-US" sz="2400" dirty="0" err="1">
+                <a:latin typeface="Times New Roman" panose="02020603050405020304" pitchFamily="18" charset="0"/>
+                <a:ea typeface="MS Mincho" panose="02020609040205080304" pitchFamily="49" charset="-128"/>
+                <a:cs typeface="Times New Roman" panose="02020603050405020304" pitchFamily="18" charset="0"/>
+              </a:rPr>
+              <a:t>carers</a:t>
+            </a:r>
+            <a:r>
+              <a:rPr lang="en-US" sz="2400" dirty="0">
+                <a:latin typeface="Times New Roman" panose="02020603050405020304" pitchFamily="18" charset="0"/>
+                <a:ea typeface="MS Mincho" panose="02020609040205080304" pitchFamily="49" charset="-128"/>
+                <a:cs typeface="Times New Roman" panose="02020603050405020304" pitchFamily="18" charset="0"/>
+              </a:rPr>
+              <a:t> in the physics community?</a:t>
+            </a:r>
+          </a:p>
+          <a:p>
+            <a:pPr marL="457200" indent="-457200">
+              <a:buFont typeface="Arial" panose="020B0604020202020204" pitchFamily="34" charset="0"/>
+              <a:buChar char="•"/>
+            </a:pPr>
+            <a:endParaRPr lang="en-US" sz="800" dirty="0">
+              <a:latin typeface="Times New Roman" panose="02020603050405020304" pitchFamily="18" charset="0"/>
+              <a:ea typeface="MS Mincho" panose="02020609040205080304" pitchFamily="49" charset="-128"/>
+              <a:cs typeface="Times New Roman" panose="02020603050405020304" pitchFamily="18" charset="0"/>
+            </a:endParaRPr>
+          </a:p>
+          <a:p>
+            <a:pPr marL="457200" indent="-457200">
+              <a:buFont typeface="Arial" panose="020B0604020202020204" pitchFamily="34" charset="0"/>
+              <a:buChar char="•"/>
+            </a:pPr>
+            <a:r>
+              <a:rPr lang="en-US" sz="2400" dirty="0">
+                <a:latin typeface="Times New Roman" panose="02020603050405020304" pitchFamily="18" charset="0"/>
+                <a:ea typeface="MS Mincho" panose="02020609040205080304" pitchFamily="49" charset="-128"/>
+                <a:cs typeface="Times New Roman" panose="02020603050405020304" pitchFamily="18" charset="0"/>
+              </a:rPr>
+              <a:t>Q3: What can be done to make life easier for parents and/or </a:t>
+            </a:r>
+            <a:r>
+              <a:rPr lang="en-US" sz="2400" dirty="0" err="1">
+                <a:latin typeface="Times New Roman" panose="02020603050405020304" pitchFamily="18" charset="0"/>
+                <a:ea typeface="MS Mincho" panose="02020609040205080304" pitchFamily="49" charset="-128"/>
+                <a:cs typeface="Times New Roman" panose="02020603050405020304" pitchFamily="18" charset="0"/>
+              </a:rPr>
+              <a:t>carers</a:t>
+            </a:r>
+            <a:r>
+              <a:rPr lang="en-US" sz="2400" dirty="0">
+                <a:latin typeface="Times New Roman" panose="02020603050405020304" pitchFamily="18" charset="0"/>
+                <a:ea typeface="MS Mincho" panose="02020609040205080304" pitchFamily="49" charset="-128"/>
+                <a:cs typeface="Times New Roman" panose="02020603050405020304" pitchFamily="18" charset="0"/>
+              </a:rPr>
+              <a:t> within the physics department and the physics community?</a:t>
             </a:r>
           </a:p>
         </p:txBody>
@@ -4546,7 +6396,217 @@
     </p:spTree>
     <p:extLst>
       <p:ext uri="{BB962C8B-B14F-4D97-AF65-F5344CB8AC3E}">
-        <p14:creationId xmlns:p14="http://schemas.microsoft.com/office/powerpoint/2010/main" val="4159132312"/>
+        <p14:creationId xmlns:p14="http://schemas.microsoft.com/office/powerpoint/2010/main" val="3191451211"/>
+      </p:ext>
+    </p:extLst>
+  </p:cSld>
+  <p:clrMapOvr>
+    <a:masterClrMapping/>
+  </p:clrMapOvr>
+</p:sld>
+</file>
+
+<file path=ppt/slides/slide9.xml><?xml version="1.0" encoding="utf-8"?>
+<p:sld xmlns:a="http://schemas.openxmlformats.org/drawingml/2006/main" xmlns:r="http://schemas.openxmlformats.org/officeDocument/2006/relationships" xmlns:p="http://schemas.openxmlformats.org/presentationml/2006/main">
+  <p:cSld>
+    <p:spTree>
+      <p:nvGrpSpPr>
+        <p:cNvPr id="1" name=""/>
+        <p:cNvGrpSpPr/>
+        <p:nvPr/>
+      </p:nvGrpSpPr>
+      <p:grpSpPr>
+        <a:xfrm>
+          <a:off x="0" y="0"/>
+          <a:ext cx="0" cy="0"/>
+          <a:chOff x="0" y="0"/>
+          <a:chExt cx="0" cy="0"/>
+        </a:xfrm>
+      </p:grpSpPr>
+      <p:sp>
+        <p:nvSpPr>
+          <p:cNvPr id="4" name="TextBox 3"/>
+          <p:cNvSpPr txBox="1"/>
+          <p:nvPr/>
+        </p:nvSpPr>
+        <p:spPr>
+          <a:xfrm>
+            <a:off x="275549" y="191702"/>
+            <a:ext cx="8884163" cy="553998"/>
+          </a:xfrm>
+          <a:prstGeom prst="rect">
+            <a:avLst/>
+          </a:prstGeom>
+          <a:noFill/>
+        </p:spPr>
+        <p:txBody>
+          <a:bodyPr wrap="none" rtlCol="0">
+            <a:spAutoFit/>
+          </a:bodyPr>
+          <a:lstStyle/>
+          <a:p>
+            <a:r>
+              <a:rPr lang="en-US" sz="3000" b="1" dirty="0">
+                <a:solidFill>
+                  <a:prstClr val="black"/>
+                </a:solidFill>
+                <a:latin typeface="Times New Roman"/>
+                <a:cs typeface="Times New Roman"/>
+              </a:rPr>
+              <a:t>Diversity &amp; Inclusion: Socio-Economic Disadvantage</a:t>
+            </a:r>
+            <a:endParaRPr lang="en-US" sz="2400" b="1" dirty="0">
+              <a:solidFill>
+                <a:prstClr val="black"/>
+              </a:solidFill>
+              <a:latin typeface="Times New Roman"/>
+              <a:cs typeface="Times New Roman"/>
+            </a:endParaRPr>
+          </a:p>
+        </p:txBody>
+      </p:sp>
+      <p:sp>
+        <p:nvSpPr>
+          <p:cNvPr id="6" name="TextBox 5">
+            <a:extLst>
+              <a:ext uri="{FF2B5EF4-FFF2-40B4-BE49-F238E27FC236}">
+                <a16:creationId xmlns:a16="http://schemas.microsoft.com/office/drawing/2014/main" id="{878A97EC-2834-8447-A6B8-2F5335C4C2C1}"/>
+              </a:ext>
+            </a:extLst>
+          </p:cNvPr>
+          <p:cNvSpPr txBox="1"/>
+          <p:nvPr/>
+        </p:nvSpPr>
+        <p:spPr>
+          <a:xfrm>
+            <a:off x="539603" y="945629"/>
+            <a:ext cx="8355015" cy="4770537"/>
+          </a:xfrm>
+          <a:prstGeom prst="rect">
+            <a:avLst/>
+          </a:prstGeom>
+          <a:noFill/>
+        </p:spPr>
+        <p:txBody>
+          <a:bodyPr wrap="square" rtlCol="0">
+            <a:spAutoFit/>
+          </a:bodyPr>
+          <a:lstStyle/>
+          <a:p>
+            <a:pPr marL="342900" indent="-342900">
+              <a:buFont typeface="Arial" panose="020B0604020202020204" pitchFamily="34" charset="0"/>
+              <a:buChar char="•"/>
+            </a:pPr>
+            <a:r>
+              <a:rPr lang="en-US" sz="2400" dirty="0">
+                <a:latin typeface="Times New Roman" panose="02020603050405020304" pitchFamily="18" charset="0"/>
+                <a:ea typeface="MS Mincho" panose="02020609040205080304" pitchFamily="49" charset="-128"/>
+                <a:cs typeface="Times New Roman" panose="02020603050405020304" pitchFamily="18" charset="0"/>
+              </a:rPr>
+              <a:t>Resources:</a:t>
+            </a:r>
+          </a:p>
+          <a:p>
+            <a:pPr marL="914400" lvl="1" indent="-457200">
+              <a:buFont typeface="Arial" panose="020B0604020202020204" pitchFamily="34" charset="0"/>
+              <a:buChar char="•"/>
+            </a:pPr>
+            <a:r>
+              <a:rPr lang="en-US" sz="2000" dirty="0">
+                <a:latin typeface="Times New Roman" panose="02020603050405020304" pitchFamily="18" charset="0"/>
+                <a:ea typeface="MS Mincho" panose="02020609040205080304" pitchFamily="49" charset="-128"/>
+                <a:cs typeface="Times New Roman" panose="02020603050405020304" pitchFamily="18" charset="0"/>
+                <a:hlinkClick r:id="rId2"/>
+              </a:rPr>
+              <a:t>https://www.jrf.org.uk/report/socio-economic-disadvantage-and-experience-higher-education</a:t>
+            </a:r>
+            <a:endParaRPr lang="en-US" sz="2000" dirty="0">
+              <a:latin typeface="Times New Roman" panose="02020603050405020304" pitchFamily="18" charset="0"/>
+              <a:ea typeface="MS Mincho" panose="02020609040205080304" pitchFamily="49" charset="-128"/>
+              <a:cs typeface="Times New Roman" panose="02020603050405020304" pitchFamily="18" charset="0"/>
+            </a:endParaRPr>
+          </a:p>
+          <a:p>
+            <a:pPr marL="914400" lvl="1" indent="-457200">
+              <a:buFont typeface="Arial" panose="020B0604020202020204" pitchFamily="34" charset="0"/>
+              <a:buChar char="•"/>
+            </a:pPr>
+            <a:endParaRPr lang="en-US" sz="800" dirty="0">
+              <a:latin typeface="Times New Roman" panose="02020603050405020304" pitchFamily="18" charset="0"/>
+              <a:ea typeface="MS Mincho" panose="02020609040205080304" pitchFamily="49" charset="-128"/>
+              <a:cs typeface="Times New Roman" panose="02020603050405020304" pitchFamily="18" charset="0"/>
+            </a:endParaRPr>
+          </a:p>
+          <a:p>
+            <a:pPr marL="457200" indent="-457200">
+              <a:buFont typeface="Arial" panose="020B0604020202020204" pitchFamily="34" charset="0"/>
+              <a:buChar char="•"/>
+            </a:pPr>
+            <a:r>
+              <a:rPr lang="en-US" sz="2400" dirty="0">
+                <a:latin typeface="Times New Roman" panose="02020603050405020304" pitchFamily="18" charset="0"/>
+                <a:ea typeface="MS Mincho" panose="02020609040205080304" pitchFamily="49" charset="-128"/>
+                <a:cs typeface="Times New Roman" panose="02020603050405020304" pitchFamily="18" charset="0"/>
+              </a:rPr>
+              <a:t>Q1: What issues are there for individuals experiencing socio-economic disadvantage while pursuing education and a career in physics?</a:t>
+            </a:r>
+          </a:p>
+          <a:p>
+            <a:pPr marL="457200" indent="-457200">
+              <a:buFont typeface="Arial" panose="020B0604020202020204" pitchFamily="34" charset="0"/>
+              <a:buChar char="•"/>
+            </a:pPr>
+            <a:endParaRPr lang="en-US" sz="800" dirty="0">
+              <a:latin typeface="Times New Roman" panose="02020603050405020304" pitchFamily="18" charset="0"/>
+              <a:ea typeface="MS Mincho" panose="02020609040205080304" pitchFamily="49" charset="-128"/>
+              <a:cs typeface="Times New Roman" panose="02020603050405020304" pitchFamily="18" charset="0"/>
+            </a:endParaRPr>
+          </a:p>
+          <a:p>
+            <a:pPr marL="457200" indent="-457200">
+              <a:buFont typeface="Arial" panose="020B0604020202020204" pitchFamily="34" charset="0"/>
+              <a:buChar char="•"/>
+            </a:pPr>
+            <a:r>
+              <a:rPr lang="en-US" sz="2400" dirty="0">
+                <a:latin typeface="Times New Roman" panose="02020603050405020304" pitchFamily="18" charset="0"/>
+                <a:ea typeface="MS Mincho" panose="02020609040205080304" pitchFamily="49" charset="-128"/>
+                <a:cs typeface="Times New Roman" panose="02020603050405020304" pitchFamily="18" charset="0"/>
+              </a:rPr>
+              <a:t>Q2: What aspects of common community practice cause problems for physicists experiencing socio-economic disadvantage?</a:t>
+            </a:r>
+          </a:p>
+          <a:p>
+            <a:pPr marL="457200" indent="-457200">
+              <a:buFont typeface="Arial" panose="020B0604020202020204" pitchFamily="34" charset="0"/>
+              <a:buChar char="•"/>
+            </a:pPr>
+            <a:endParaRPr lang="en-US" sz="800" dirty="0">
+              <a:latin typeface="Times New Roman" panose="02020603050405020304" pitchFamily="18" charset="0"/>
+              <a:ea typeface="MS Mincho" panose="02020609040205080304" pitchFamily="49" charset="-128"/>
+              <a:cs typeface="Times New Roman" panose="02020603050405020304" pitchFamily="18" charset="0"/>
+            </a:endParaRPr>
+          </a:p>
+          <a:p>
+            <a:pPr marL="457200" indent="-457200">
+              <a:buFont typeface="Arial" panose="020B0604020202020204" pitchFamily="34" charset="0"/>
+              <a:buChar char="•"/>
+            </a:pPr>
+            <a:r>
+              <a:rPr lang="en-US" sz="2400" dirty="0">
+                <a:latin typeface="Times New Roman" panose="02020603050405020304" pitchFamily="18" charset="0"/>
+                <a:ea typeface="MS Mincho" panose="02020609040205080304" pitchFamily="49" charset="-128"/>
+                <a:cs typeface="Times New Roman" panose="02020603050405020304" pitchFamily="18" charset="0"/>
+              </a:rPr>
+              <a:t>Q3: What can be done to make life easier for individuals experiencing socio-economic disadvantage within the physics department and the physics community?</a:t>
+            </a:r>
+          </a:p>
+        </p:txBody>
+      </p:sp>
+    </p:spTree>
+    <p:extLst>
+      <p:ext uri="{BB962C8B-B14F-4D97-AF65-F5344CB8AC3E}">
+        <p14:creationId xmlns:p14="http://schemas.microsoft.com/office/powerpoint/2010/main" val="1652601616"/>
       </p:ext>
     </p:extLst>
   </p:cSld>

--- a/Slides/Class14.pptx
+++ b/Slides/Class14.pptx
@@ -17,11 +17,11 @@
     <p:sldId id="399" r:id="rId5"/>
     <p:sldId id="400" r:id="rId6"/>
     <p:sldId id="401" r:id="rId7"/>
-    <p:sldId id="402" r:id="rId8"/>
-    <p:sldId id="403" r:id="rId9"/>
-    <p:sldId id="404" r:id="rId10"/>
-    <p:sldId id="405" r:id="rId11"/>
-    <p:sldId id="406" r:id="rId12"/>
+    <p:sldId id="415" r:id="rId8"/>
+    <p:sldId id="402" r:id="rId9"/>
+    <p:sldId id="403" r:id="rId10"/>
+    <p:sldId id="404" r:id="rId11"/>
+    <p:sldId id="405" r:id="rId12"/>
     <p:sldId id="407" r:id="rId13"/>
   </p:sldIdLst>
   <p:sldSz cx="9144000" cy="6858000" type="screen4x3"/>
@@ -236,7 +236,7 @@
           <a:p>
             <a:fld id="{C24322AF-E05B-7249-906C-FBAC6154C037}" type="datetimeFigureOut">
               <a:rPr lang="en-US" smtClean="0"/>
-              <a:t>1/24/21</a:t>
+              <a:t>6/18/25</a:t>
             </a:fld>
             <a:endParaRPr lang="en-US"/>
           </a:p>
@@ -402,7 +402,7 @@
             <a:fld id="{06A43BE5-3BD4-F642-8751-88A31D8D6D13}" type="datetimeFigureOut">
               <a:rPr lang="en-US" smtClean="0"/>
               <a:pPr/>
-              <a:t>1/24/21</a:t>
+              <a:t>6/18/25</a:t>
             </a:fld>
             <a:endParaRPr lang="en-US"/>
           </a:p>
@@ -945,7 +945,7 @@
             <a:fld id="{A4FA2B0E-4818-9849-9CF1-1031FD4E1DAB}" type="datetimeFigureOut">
               <a:rPr lang="en-US" smtClean="0"/>
               <a:pPr/>
-              <a:t>1/24/21</a:t>
+              <a:t>6/18/25</a:t>
             </a:fld>
             <a:endParaRPr lang="en-US"/>
           </a:p>
@@ -1110,7 +1110,7 @@
             <a:fld id="{A4FA2B0E-4818-9849-9CF1-1031FD4E1DAB}" type="datetimeFigureOut">
               <a:rPr lang="en-US" smtClean="0"/>
               <a:pPr/>
-              <a:t>1/24/21</a:t>
+              <a:t>6/18/25</a:t>
             </a:fld>
             <a:endParaRPr lang="en-US"/>
           </a:p>
@@ -1285,7 +1285,7 @@
             <a:fld id="{A4FA2B0E-4818-9849-9CF1-1031FD4E1DAB}" type="datetimeFigureOut">
               <a:rPr lang="en-US" smtClean="0"/>
               <a:pPr/>
-              <a:t>1/24/21</a:t>
+              <a:t>6/18/25</a:t>
             </a:fld>
             <a:endParaRPr lang="en-US"/>
           </a:p>
@@ -1450,7 +1450,7 @@
             <a:fld id="{A4FA2B0E-4818-9849-9CF1-1031FD4E1DAB}" type="datetimeFigureOut">
               <a:rPr lang="en-US" smtClean="0"/>
               <a:pPr/>
-              <a:t>1/24/21</a:t>
+              <a:t>6/18/25</a:t>
             </a:fld>
             <a:endParaRPr lang="en-US"/>
           </a:p>
@@ -1692,7 +1692,7 @@
             <a:fld id="{A4FA2B0E-4818-9849-9CF1-1031FD4E1DAB}" type="datetimeFigureOut">
               <a:rPr lang="en-US" smtClean="0"/>
               <a:pPr/>
-              <a:t>1/24/21</a:t>
+              <a:t>6/18/25</a:t>
             </a:fld>
             <a:endParaRPr lang="en-US"/>
           </a:p>
@@ -1974,7 +1974,7 @@
             <a:fld id="{A4FA2B0E-4818-9849-9CF1-1031FD4E1DAB}" type="datetimeFigureOut">
               <a:rPr lang="en-US" smtClean="0"/>
               <a:pPr/>
-              <a:t>1/24/21</a:t>
+              <a:t>6/18/25</a:t>
             </a:fld>
             <a:endParaRPr lang="en-US"/>
           </a:p>
@@ -2390,7 +2390,7 @@
             <a:fld id="{A4FA2B0E-4818-9849-9CF1-1031FD4E1DAB}" type="datetimeFigureOut">
               <a:rPr lang="en-US" smtClean="0"/>
               <a:pPr/>
-              <a:t>1/24/21</a:t>
+              <a:t>6/18/25</a:t>
             </a:fld>
             <a:endParaRPr lang="en-US"/>
           </a:p>
@@ -2504,7 +2504,7 @@
             <a:fld id="{A4FA2B0E-4818-9849-9CF1-1031FD4E1DAB}" type="datetimeFigureOut">
               <a:rPr lang="en-US" smtClean="0"/>
               <a:pPr/>
-              <a:t>1/24/21</a:t>
+              <a:t>6/18/25</a:t>
             </a:fld>
             <a:endParaRPr lang="en-US"/>
           </a:p>
@@ -2596,7 +2596,7 @@
             <a:fld id="{A4FA2B0E-4818-9849-9CF1-1031FD4E1DAB}" type="datetimeFigureOut">
               <a:rPr lang="en-US" smtClean="0"/>
               <a:pPr/>
-              <a:t>1/24/21</a:t>
+              <a:t>6/18/25</a:t>
             </a:fld>
             <a:endParaRPr lang="en-US"/>
           </a:p>
@@ -2868,7 +2868,7 @@
             <a:fld id="{A4FA2B0E-4818-9849-9CF1-1031FD4E1DAB}" type="datetimeFigureOut">
               <a:rPr lang="en-US" smtClean="0"/>
               <a:pPr/>
-              <a:t>1/24/21</a:t>
+              <a:t>6/18/25</a:t>
             </a:fld>
             <a:endParaRPr lang="en-US"/>
           </a:p>
@@ -3117,7 +3117,7 @@
             <a:fld id="{A4FA2B0E-4818-9849-9CF1-1031FD4E1DAB}" type="datetimeFigureOut">
               <a:rPr lang="en-US" smtClean="0"/>
               <a:pPr/>
-              <a:t>1/24/21</a:t>
+              <a:t>6/18/25</a:t>
             </a:fld>
             <a:endParaRPr lang="en-US"/>
           </a:p>
@@ -3325,7 +3325,7 @@
             <a:fld id="{A4FA2B0E-4818-9849-9CF1-1031FD4E1DAB}" type="datetimeFigureOut">
               <a:rPr lang="en-US" smtClean="0"/>
               <a:pPr/>
-              <a:t>1/24/21</a:t>
+              <a:t>6/18/25</a:t>
             </a:fld>
             <a:endParaRPr lang="en-US"/>
           </a:p>
@@ -3813,7 +3813,7 @@
         <p:spPr>
           <a:xfrm>
             <a:off x="275549" y="191702"/>
-            <a:ext cx="8672182" cy="553998"/>
+            <a:ext cx="8884163" cy="553998"/>
           </a:xfrm>
           <a:prstGeom prst="rect">
             <a:avLst/>
@@ -3834,7 +3834,7 @@
                 <a:latin typeface="Times New Roman"/>
                 <a:cs typeface="Times New Roman"/>
               </a:rPr>
-              <a:t>Diversity &amp; Inclusion: Visible / Invisible Disabilities</a:t>
+              <a:t>Diversity &amp; Inclusion: Socio-Economic Disadvantage</a:t>
             </a:r>
             <a:endParaRPr lang="en-US" sz="2400" b="1" dirty="0">
               <a:solidFill>
@@ -3861,7 +3861,7 @@
         <p:spPr>
           <a:xfrm>
             <a:off x="539603" y="945629"/>
-            <a:ext cx="8355015" cy="5386090"/>
+            <a:ext cx="8355015" cy="4770537"/>
           </a:xfrm>
           <a:prstGeom prst="rect">
             <a:avLst/>
@@ -3899,7 +3899,7 @@
                 <a:cs typeface="Times New Roman" panose="02020603050405020304" pitchFamily="18" charset="0"/>
                 <a:hlinkClick r:id="rId2"/>
               </a:rPr>
-              <a:t>http://www.iop.org/publications/iop/2008/file_42866.pdf</a:t>
+              <a:t>https://www.researchgate.net/publication/255642041_Socio-Economic_Disadvantage_and_Access_to_Higher_Education</a:t>
             </a:r>
             <a:endParaRPr lang="en-US" sz="2000" dirty="0">
               <a:latin typeface="Times New Roman" panose="02020603050405020304" pitchFamily="18" charset="0"/>
@@ -3912,46 +3912,6 @@
               <a:buFont typeface="Arial" panose="020B0604020202020204" pitchFamily="34" charset="0"/>
               <a:buChar char="•"/>
             </a:pPr>
-            <a:r>
-              <a:rPr lang="en-US" sz="2000" dirty="0">
-                <a:latin typeface="Times New Roman" panose="02020603050405020304" pitchFamily="18" charset="0"/>
-                <a:ea typeface="MS Mincho" panose="02020609040205080304" pitchFamily="49" charset="-128"/>
-                <a:cs typeface="Times New Roman" panose="02020603050405020304" pitchFamily="18" charset="0"/>
-                <a:hlinkClick r:id="rId3"/>
-              </a:rPr>
-              <a:t>https://www.symmetrymagazine.org/article/approaching-disability-like-a-scientist</a:t>
-            </a:r>
-            <a:endParaRPr lang="en-US" sz="2000" dirty="0">
-              <a:latin typeface="Times New Roman" panose="02020603050405020304" pitchFamily="18" charset="0"/>
-              <a:ea typeface="MS Mincho" panose="02020609040205080304" pitchFamily="49" charset="-128"/>
-              <a:cs typeface="Times New Roman" panose="02020603050405020304" pitchFamily="18" charset="0"/>
-            </a:endParaRPr>
-          </a:p>
-          <a:p>
-            <a:pPr marL="914400" lvl="1" indent="-457200">
-              <a:buFont typeface="Arial" panose="020B0604020202020204" pitchFamily="34" charset="0"/>
-              <a:buChar char="•"/>
-            </a:pPr>
-            <a:r>
-              <a:rPr lang="en-US" sz="2000" dirty="0">
-                <a:latin typeface="Times New Roman" panose="02020603050405020304" pitchFamily="18" charset="0"/>
-                <a:ea typeface="MS Mincho" panose="02020609040205080304" pitchFamily="49" charset="-128"/>
-                <a:cs typeface="Times New Roman" panose="02020603050405020304" pitchFamily="18" charset="0"/>
-                <a:hlinkClick r:id="rId4"/>
-              </a:rPr>
-              <a:t>https://healthcenter.gwu.edu/counseling-and-psychological-services</a:t>
-            </a:r>
-            <a:endParaRPr lang="en-US" sz="2000" dirty="0">
-              <a:latin typeface="Times New Roman" panose="02020603050405020304" pitchFamily="18" charset="0"/>
-              <a:ea typeface="MS Mincho" panose="02020609040205080304" pitchFamily="49" charset="-128"/>
-              <a:cs typeface="Times New Roman" panose="02020603050405020304" pitchFamily="18" charset="0"/>
-            </a:endParaRPr>
-          </a:p>
-          <a:p>
-            <a:pPr marL="914400" lvl="1" indent="-457200">
-              <a:buFont typeface="Arial" panose="020B0604020202020204" pitchFamily="34" charset="0"/>
-              <a:buChar char="•"/>
-            </a:pPr>
             <a:endParaRPr lang="en-US" sz="800" dirty="0">
               <a:latin typeface="Times New Roman" panose="02020603050405020304" pitchFamily="18" charset="0"/>
               <a:ea typeface="MS Mincho" panose="02020609040205080304" pitchFamily="49" charset="-128"/>
@@ -3969,7 +3929,7 @@
                 <a:ea typeface="MS Mincho" panose="02020609040205080304" pitchFamily="49" charset="-128"/>
                 <a:cs typeface="Times New Roman" panose="02020603050405020304" pitchFamily="18" charset="0"/>
               </a:rPr>
-              <a:t>Q1: What issues are there for individuals experiencing visible and/or invisible disabilities while pursuing education and a career in physics?</a:t>
+              <a:t>Q1: What issues are there for individuals experiencing socio-economic disadvantage while pursuing education and a career in physics?</a:t>
             </a:r>
           </a:p>
           <a:p>
@@ -3994,7 +3954,7 @@
                 <a:ea typeface="MS Mincho" panose="02020609040205080304" pitchFamily="49" charset="-128"/>
                 <a:cs typeface="Times New Roman" panose="02020603050405020304" pitchFamily="18" charset="0"/>
               </a:rPr>
-              <a:t>Q2: What aspects of common community practice cause problems for physicists experiencing visible and/or invisible disabilities?</a:t>
+              <a:t>Q2: What aspects of common community practice cause problems for physicists experiencing socio-economic disadvantage?</a:t>
             </a:r>
           </a:p>
           <a:p>
@@ -4019,7 +3979,7 @@
                 <a:ea typeface="MS Mincho" panose="02020609040205080304" pitchFamily="49" charset="-128"/>
                 <a:cs typeface="Times New Roman" panose="02020603050405020304" pitchFamily="18" charset="0"/>
               </a:rPr>
-              <a:t>Q3: What can be done to make life easier for individuals experiencing visible and/or invisible disabilities within the physics department and the physics community?</a:t>
+              <a:t>Q3: What can be done to make life easier for individuals experiencing socio-economic disadvantage within the physics department and the physics community?</a:t>
             </a:r>
           </a:p>
         </p:txBody>
@@ -4027,7 +3987,7 @@
     </p:spTree>
     <p:extLst>
       <p:ext uri="{BB962C8B-B14F-4D97-AF65-F5344CB8AC3E}">
-        <p14:creationId xmlns:p14="http://schemas.microsoft.com/office/powerpoint/2010/main" val="2741183054"/>
+        <p14:creationId xmlns:p14="http://schemas.microsoft.com/office/powerpoint/2010/main" val="2526109345"/>
       </p:ext>
     </p:extLst>
   </p:cSld>
@@ -4063,7 +4023,7 @@
         <p:spPr>
           <a:xfrm>
             <a:off x="275549" y="191702"/>
-            <a:ext cx="6669390" cy="553998"/>
+            <a:ext cx="8672182" cy="553998"/>
           </a:xfrm>
           <a:prstGeom prst="rect">
             <a:avLst/>
@@ -4084,7 +4044,7 @@
                 <a:latin typeface="Times New Roman"/>
                 <a:cs typeface="Times New Roman"/>
               </a:rPr>
-              <a:t>Diversity &amp; Inclusion: Other Resources</a:t>
+              <a:t>Diversity &amp; Inclusion: Visible / Invisible Disabilities</a:t>
             </a:r>
             <a:endParaRPr lang="en-US" sz="2400" b="1" dirty="0">
               <a:solidFill>
@@ -4110,8 +4070,8 @@
         </p:nvSpPr>
         <p:spPr>
           <a:xfrm>
-            <a:off x="539604" y="945629"/>
-            <a:ext cx="8378766" cy="5632311"/>
+            <a:off x="539603" y="945629"/>
+            <a:ext cx="8355015" cy="5693866"/>
           </a:xfrm>
           <a:prstGeom prst="rect">
             <a:avLst/>
@@ -4129,242 +4089,147 @@
               <a:buChar char="•"/>
             </a:pPr>
             <a:r>
-              <a:rPr lang="en-GB" altLang="en-US" sz="2400" dirty="0">
-                <a:latin typeface="Times New Roman" panose="02020603050405020304" pitchFamily="18" charset="0"/>
-                <a:cs typeface="Times New Roman" panose="02020603050405020304" pitchFamily="18" charset="0"/>
-              </a:rPr>
-              <a:t>APS Bridge Program: </a:t>
-            </a:r>
-            <a:r>
-              <a:rPr lang="en-GB" altLang="en-US" sz="2400" dirty="0">
-                <a:latin typeface="Times New Roman" panose="02020603050405020304" pitchFamily="18" charset="0"/>
+              <a:rPr lang="en-US" sz="2400" dirty="0">
+                <a:latin typeface="Times New Roman" panose="02020603050405020304" pitchFamily="18" charset="0"/>
+                <a:ea typeface="MS Mincho" panose="02020609040205080304" pitchFamily="49" charset="-128"/>
+                <a:cs typeface="Times New Roman" panose="02020603050405020304" pitchFamily="18" charset="0"/>
+              </a:rPr>
+              <a:t>Resources:</a:t>
+            </a:r>
+          </a:p>
+          <a:p>
+            <a:pPr marL="914400" lvl="1" indent="-457200">
+              <a:buFont typeface="Arial" panose="020B0604020202020204" pitchFamily="34" charset="0"/>
+              <a:buChar char="•"/>
+            </a:pPr>
+            <a:r>
+              <a:rPr lang="en-US" sz="2000" dirty="0">
+                <a:latin typeface="Times New Roman" panose="02020603050405020304" pitchFamily="18" charset="0"/>
+                <a:ea typeface="MS Mincho" panose="02020609040205080304" pitchFamily="49" charset="-128"/>
                 <a:cs typeface="Times New Roman" panose="02020603050405020304" pitchFamily="18" charset="0"/>
                 <a:hlinkClick r:id="rId2"/>
               </a:rPr>
-              <a:t>http://www.apsbridgeprogram.org</a:t>
-            </a:r>
-            <a:endParaRPr lang="en-GB" altLang="en-US" sz="2400" dirty="0">
+              <a:t>https://www.iop.org/sites/default/files/2021-03/access-for-all-disability-good-practice-university-2008.pdf</a:t>
+            </a:r>
+            <a:endParaRPr lang="en-US" sz="2000" dirty="0">
               <a:latin typeface="Times New Roman" panose="02020603050405020304" pitchFamily="18" charset="0"/>
+              <a:ea typeface="MS Mincho" panose="02020609040205080304" pitchFamily="49" charset="-128"/>
               <a:cs typeface="Times New Roman" panose="02020603050405020304" pitchFamily="18" charset="0"/>
             </a:endParaRPr>
           </a:p>
           <a:p>
-            <a:pPr marL="342900" indent="-342900">
-              <a:buFont typeface="Arial" panose="020B0604020202020204" pitchFamily="34" charset="0"/>
-              <a:buChar char="•"/>
-            </a:pPr>
-            <a:endParaRPr lang="en-GB" altLang="en-US" sz="800" dirty="0">
+            <a:pPr marL="914400" lvl="1" indent="-457200">
+              <a:buFont typeface="Arial" panose="020B0604020202020204" pitchFamily="34" charset="0"/>
+              <a:buChar char="•"/>
+            </a:pPr>
+            <a:r>
+              <a:rPr lang="en-US" sz="2000" dirty="0">
+                <a:latin typeface="Times New Roman" panose="02020603050405020304" pitchFamily="18" charset="0"/>
+                <a:ea typeface="MS Mincho" panose="02020609040205080304" pitchFamily="49" charset="-128"/>
+                <a:cs typeface="Times New Roman" panose="02020603050405020304" pitchFamily="18" charset="0"/>
+                <a:hlinkClick r:id="rId3"/>
+              </a:rPr>
+              <a:t>https://www.symmetrymagazine.org/article/approaching-disability-like-a-scientist</a:t>
+            </a:r>
+            <a:endParaRPr lang="en-US" sz="2000" dirty="0">
               <a:latin typeface="Times New Roman" panose="02020603050405020304" pitchFamily="18" charset="0"/>
+              <a:ea typeface="MS Mincho" panose="02020609040205080304" pitchFamily="49" charset="-128"/>
               <a:cs typeface="Times New Roman" panose="02020603050405020304" pitchFamily="18" charset="0"/>
             </a:endParaRPr>
           </a:p>
           <a:p>
-            <a:pPr marL="342900" indent="-342900">
-              <a:buFont typeface="Arial" panose="020B0604020202020204" pitchFamily="34" charset="0"/>
-              <a:buChar char="•"/>
-            </a:pPr>
-            <a:r>
-              <a:rPr lang="en-GB" altLang="en-US" sz="2400" dirty="0">
-                <a:latin typeface="Times New Roman" panose="02020603050405020304" pitchFamily="18" charset="0"/>
-                <a:cs typeface="Times New Roman" panose="02020603050405020304" pitchFamily="18" charset="0"/>
-              </a:rPr>
-              <a:t>Conference for Undergraduate Women in Physics: </a:t>
-            </a:r>
-            <a:r>
-              <a:rPr lang="en-GB" altLang="en-US" sz="2400" dirty="0">
-                <a:latin typeface="Times New Roman" panose="02020603050405020304" pitchFamily="18" charset="0"/>
-                <a:cs typeface="Times New Roman" panose="02020603050405020304" pitchFamily="18" charset="0"/>
-                <a:hlinkClick r:id="rId3"/>
-              </a:rPr>
-              <a:t>https://www.aps.org/programs/women/workshops/cuwip.cfm</a:t>
-            </a:r>
-            <a:endParaRPr lang="en-GB" altLang="en-US" sz="2400" dirty="0">
+            <a:pPr marL="914400" lvl="1" indent="-457200">
+              <a:buFont typeface="Arial" panose="020B0604020202020204" pitchFamily="34" charset="0"/>
+              <a:buChar char="•"/>
+            </a:pPr>
+            <a:r>
+              <a:rPr lang="en-US" sz="2000" dirty="0">
+                <a:latin typeface="Times New Roman" panose="02020603050405020304" pitchFamily="18" charset="0"/>
+                <a:ea typeface="MS Mincho" panose="02020609040205080304" pitchFamily="49" charset="-128"/>
+                <a:cs typeface="Times New Roman" panose="02020603050405020304" pitchFamily="18" charset="0"/>
+                <a:hlinkClick r:id="rId4"/>
+              </a:rPr>
+              <a:t>https://healthcenter.gwu.edu/counseling-and-psychological-services</a:t>
+            </a:r>
+            <a:endParaRPr lang="en-US" sz="2000" dirty="0">
               <a:latin typeface="Times New Roman" panose="02020603050405020304" pitchFamily="18" charset="0"/>
+              <a:ea typeface="MS Mincho" panose="02020609040205080304" pitchFamily="49" charset="-128"/>
               <a:cs typeface="Times New Roman" panose="02020603050405020304" pitchFamily="18" charset="0"/>
             </a:endParaRPr>
           </a:p>
           <a:p>
-            <a:pPr marL="342900" indent="-342900">
-              <a:buFont typeface="Arial" panose="020B0604020202020204" pitchFamily="34" charset="0"/>
-              <a:buChar char="•"/>
-            </a:pPr>
-            <a:endParaRPr lang="en-GB" altLang="en-US" sz="800" dirty="0">
+            <a:pPr marL="914400" lvl="1" indent="-457200">
+              <a:buFont typeface="Arial" panose="020B0604020202020204" pitchFamily="34" charset="0"/>
+              <a:buChar char="•"/>
+            </a:pPr>
+            <a:endParaRPr lang="en-US" sz="800" dirty="0">
               <a:latin typeface="Times New Roman" panose="02020603050405020304" pitchFamily="18" charset="0"/>
+              <a:ea typeface="MS Mincho" panose="02020609040205080304" pitchFamily="49" charset="-128"/>
               <a:cs typeface="Times New Roman" panose="02020603050405020304" pitchFamily="18" charset="0"/>
             </a:endParaRPr>
           </a:p>
           <a:p>
-            <a:pPr marL="342900" indent="-342900">
-              <a:buFont typeface="Arial" panose="020B0604020202020204" pitchFamily="34" charset="0"/>
-              <a:buChar char="•"/>
-            </a:pPr>
-            <a:r>
-              <a:rPr lang="en-GB" altLang="en-US" sz="2400" dirty="0">
-                <a:latin typeface="Times New Roman" panose="02020603050405020304" pitchFamily="18" charset="0"/>
-                <a:cs typeface="Times New Roman" panose="02020603050405020304" pitchFamily="18" charset="0"/>
-              </a:rPr>
-              <a:t>Step Up 4 Women: </a:t>
-            </a:r>
-            <a:r>
-              <a:rPr lang="en-GB" altLang="en-US" sz="2400" dirty="0">
-                <a:latin typeface="Times New Roman" panose="02020603050405020304" pitchFamily="18" charset="0"/>
-                <a:cs typeface="Times New Roman" panose="02020603050405020304" pitchFamily="18" charset="0"/>
-                <a:hlinkClick r:id="rId4"/>
-              </a:rPr>
-              <a:t>https://www.aps.org/programs/education/su4w/</a:t>
-            </a:r>
-            <a:endParaRPr lang="en-GB" altLang="en-US" sz="2400" dirty="0">
+            <a:pPr marL="457200" indent="-457200">
+              <a:buFont typeface="Arial" panose="020B0604020202020204" pitchFamily="34" charset="0"/>
+              <a:buChar char="•"/>
+            </a:pPr>
+            <a:r>
+              <a:rPr lang="en-US" sz="2400" dirty="0">
+                <a:latin typeface="Times New Roman" panose="02020603050405020304" pitchFamily="18" charset="0"/>
+                <a:ea typeface="MS Mincho" panose="02020609040205080304" pitchFamily="49" charset="-128"/>
+                <a:cs typeface="Times New Roman" panose="02020603050405020304" pitchFamily="18" charset="0"/>
+              </a:rPr>
+              <a:t>Q1: What issues are there for individuals experiencing visible and/or invisible disabilities while pursuing education and a career in physics?</a:t>
+            </a:r>
+          </a:p>
+          <a:p>
+            <a:pPr marL="457200" indent="-457200">
+              <a:buFont typeface="Arial" panose="020B0604020202020204" pitchFamily="34" charset="0"/>
+              <a:buChar char="•"/>
+            </a:pPr>
+            <a:endParaRPr lang="en-US" sz="800" dirty="0">
               <a:latin typeface="Times New Roman" panose="02020603050405020304" pitchFamily="18" charset="0"/>
+              <a:ea typeface="MS Mincho" panose="02020609040205080304" pitchFamily="49" charset="-128"/>
               <a:cs typeface="Times New Roman" panose="02020603050405020304" pitchFamily="18" charset="0"/>
             </a:endParaRPr>
           </a:p>
           <a:p>
-            <a:pPr marL="342900" indent="-342900">
-              <a:buFont typeface="Arial" panose="020B0604020202020204" pitchFamily="34" charset="0"/>
-              <a:buChar char="•"/>
-            </a:pPr>
-            <a:endParaRPr lang="en-GB" altLang="en-US" sz="800" dirty="0">
+            <a:pPr marL="457200" indent="-457200">
+              <a:buFont typeface="Arial" panose="020B0604020202020204" pitchFamily="34" charset="0"/>
+              <a:buChar char="•"/>
+            </a:pPr>
+            <a:r>
+              <a:rPr lang="en-US" sz="2400" dirty="0">
+                <a:latin typeface="Times New Roman" panose="02020603050405020304" pitchFamily="18" charset="0"/>
+                <a:ea typeface="MS Mincho" panose="02020609040205080304" pitchFamily="49" charset="-128"/>
+                <a:cs typeface="Times New Roman" panose="02020603050405020304" pitchFamily="18" charset="0"/>
+              </a:rPr>
+              <a:t>Q2: What aspects of common community practice cause problems for physicists experiencing visible and/or invisible disabilities?</a:t>
+            </a:r>
+          </a:p>
+          <a:p>
+            <a:pPr marL="457200" indent="-457200">
+              <a:buFont typeface="Arial" panose="020B0604020202020204" pitchFamily="34" charset="0"/>
+              <a:buChar char="•"/>
+            </a:pPr>
+            <a:endParaRPr lang="en-US" sz="800" dirty="0">
               <a:latin typeface="Times New Roman" panose="02020603050405020304" pitchFamily="18" charset="0"/>
+              <a:ea typeface="MS Mincho" panose="02020609040205080304" pitchFamily="49" charset="-128"/>
               <a:cs typeface="Times New Roman" panose="02020603050405020304" pitchFamily="18" charset="0"/>
             </a:endParaRPr>
           </a:p>
           <a:p>
-            <a:pPr marL="342900" indent="-342900">
-              <a:buFont typeface="Arial" panose="020B0604020202020204" pitchFamily="34" charset="0"/>
-              <a:buChar char="•"/>
-            </a:pPr>
-            <a:r>
-              <a:rPr lang="en-GB" altLang="en-US" sz="2400" dirty="0">
-                <a:latin typeface="Times New Roman" panose="02020603050405020304" pitchFamily="18" charset="0"/>
-                <a:cs typeface="Times New Roman" panose="02020603050405020304" pitchFamily="18" charset="0"/>
-              </a:rPr>
-              <a:t>National Mentoring Community: </a:t>
-            </a:r>
-            <a:r>
-              <a:rPr lang="en-GB" altLang="en-US" sz="2400" dirty="0">
-                <a:latin typeface="Times New Roman" panose="02020603050405020304" pitchFamily="18" charset="0"/>
-                <a:cs typeface="Times New Roman" panose="02020603050405020304" pitchFamily="18" charset="0"/>
-                <a:hlinkClick r:id="rId5"/>
-              </a:rPr>
-              <a:t>https://www.aps.org/programs/minorities/nmc/</a:t>
-            </a:r>
-            <a:endParaRPr lang="en-GB" altLang="en-US" sz="2400" dirty="0">
-              <a:latin typeface="Times New Roman" panose="02020603050405020304" pitchFamily="18" charset="0"/>
-              <a:cs typeface="Times New Roman" panose="02020603050405020304" pitchFamily="18" charset="0"/>
-            </a:endParaRPr>
-          </a:p>
-          <a:p>
-            <a:pPr marL="342900" indent="-342900">
-              <a:buFont typeface="Arial" panose="020B0604020202020204" pitchFamily="34" charset="0"/>
-              <a:buChar char="•"/>
-            </a:pPr>
-            <a:endParaRPr lang="en-GB" altLang="en-US" sz="800" dirty="0">
-              <a:latin typeface="Times New Roman" panose="02020603050405020304" pitchFamily="18" charset="0"/>
-              <a:cs typeface="Times New Roman" panose="02020603050405020304" pitchFamily="18" charset="0"/>
-            </a:endParaRPr>
-          </a:p>
-          <a:p>
-            <a:pPr marL="342900" indent="-342900">
-              <a:buFont typeface="Arial" panose="020B0604020202020204" pitchFamily="34" charset="0"/>
-              <a:buChar char="•"/>
-            </a:pPr>
-            <a:r>
-              <a:rPr lang="en-GB" altLang="en-US" sz="2400" dirty="0">
-                <a:latin typeface="Times New Roman" panose="02020603050405020304" pitchFamily="18" charset="0"/>
-                <a:cs typeface="Times New Roman" panose="02020603050405020304" pitchFamily="18" charset="0"/>
-              </a:rPr>
-              <a:t>Women in Physics Groups (grants up to $1000): </a:t>
-            </a:r>
-            <a:r>
-              <a:rPr lang="en-GB" altLang="en-US" sz="2400" dirty="0">
-                <a:latin typeface="Times New Roman" panose="02020603050405020304" pitchFamily="18" charset="0"/>
-                <a:cs typeface="Times New Roman" panose="02020603050405020304" pitchFamily="18" charset="0"/>
-                <a:hlinkClick r:id="rId6"/>
-              </a:rPr>
-              <a:t>https://www.aps.org/programs/women/index.cfm</a:t>
-            </a:r>
-            <a:endParaRPr lang="en-GB" altLang="en-US" sz="2400" dirty="0">
-              <a:latin typeface="Times New Roman" panose="02020603050405020304" pitchFamily="18" charset="0"/>
-              <a:cs typeface="Times New Roman" panose="02020603050405020304" pitchFamily="18" charset="0"/>
-            </a:endParaRPr>
-          </a:p>
-          <a:p>
-            <a:pPr marL="342900" indent="-342900">
-              <a:buFont typeface="Arial" panose="020B0604020202020204" pitchFamily="34" charset="0"/>
-              <a:buChar char="•"/>
-            </a:pPr>
-            <a:endParaRPr lang="en-GB" altLang="en-US" sz="800" dirty="0">
-              <a:latin typeface="Times New Roman" panose="02020603050405020304" pitchFamily="18" charset="0"/>
-              <a:cs typeface="Times New Roman" panose="02020603050405020304" pitchFamily="18" charset="0"/>
-            </a:endParaRPr>
-          </a:p>
-          <a:p>
-            <a:pPr marL="342900" indent="-342900">
-              <a:buFont typeface="Arial" panose="020B0604020202020204" pitchFamily="34" charset="0"/>
-              <a:buChar char="•"/>
-            </a:pPr>
-            <a:r>
-              <a:rPr lang="en-GB" altLang="en-US" sz="2400" dirty="0">
-                <a:latin typeface="Times New Roman" panose="02020603050405020304" pitchFamily="18" charset="0"/>
-                <a:cs typeface="Times New Roman" panose="02020603050405020304" pitchFamily="18" charset="0"/>
-              </a:rPr>
-              <a:t>AIP Team-Up: </a:t>
-            </a:r>
-            <a:r>
-              <a:rPr lang="en-GB" altLang="en-US" sz="2400" dirty="0">
-                <a:latin typeface="Times New Roman" panose="02020603050405020304" pitchFamily="18" charset="0"/>
-                <a:cs typeface="Times New Roman" panose="02020603050405020304" pitchFamily="18" charset="0"/>
-                <a:hlinkClick r:id="rId7"/>
-              </a:rPr>
-              <a:t>https://www.aip.org/diversity-initiatives/team-up-task-force</a:t>
-            </a:r>
-            <a:endParaRPr lang="en-GB" altLang="en-US" sz="2400" dirty="0">
-              <a:latin typeface="Times New Roman" panose="02020603050405020304" pitchFamily="18" charset="0"/>
-              <a:cs typeface="Times New Roman" panose="02020603050405020304" pitchFamily="18" charset="0"/>
-            </a:endParaRPr>
-          </a:p>
-          <a:p>
-            <a:pPr marL="342900" indent="-342900">
-              <a:buFont typeface="Arial" panose="020B0604020202020204" pitchFamily="34" charset="0"/>
-              <a:buChar char="•"/>
-            </a:pPr>
-            <a:endParaRPr lang="en-GB" altLang="en-US" sz="800" dirty="0">
-              <a:latin typeface="Times New Roman" panose="02020603050405020304" pitchFamily="18" charset="0"/>
-              <a:cs typeface="Times New Roman" panose="02020603050405020304" pitchFamily="18" charset="0"/>
-            </a:endParaRPr>
-          </a:p>
-          <a:p>
-            <a:pPr marL="342900" indent="-342900">
-              <a:buFont typeface="Arial" panose="020B0604020202020204" pitchFamily="34" charset="0"/>
-              <a:buChar char="•"/>
-            </a:pPr>
-            <a:r>
-              <a:rPr lang="en-GB" altLang="en-US" sz="2400" i="1" dirty="0">
-                <a:latin typeface="Times New Roman" panose="02020603050405020304" pitchFamily="18" charset="0"/>
-                <a:cs typeface="Times New Roman" panose="02020603050405020304" pitchFamily="18" charset="0"/>
-              </a:rPr>
-              <a:t>Women Don't Ask: The High Cost of Avoiding Negotiation – and Positive Strategies for Change </a:t>
-            </a:r>
-            <a:r>
-              <a:rPr lang="en-GB" altLang="en-US" sz="2400" dirty="0">
-                <a:latin typeface="Times New Roman" panose="02020603050405020304" pitchFamily="18" charset="0"/>
-                <a:cs typeface="Times New Roman" panose="02020603050405020304" pitchFamily="18" charset="0"/>
-              </a:rPr>
-              <a:t>(L. Babcock &amp; S. </a:t>
-            </a:r>
-            <a:r>
-              <a:rPr lang="en-GB" altLang="en-US" sz="2400" dirty="0" err="1">
-                <a:latin typeface="Times New Roman" panose="02020603050405020304" pitchFamily="18" charset="0"/>
-                <a:cs typeface="Times New Roman" panose="02020603050405020304" pitchFamily="18" charset="0"/>
-              </a:rPr>
-              <a:t>Laschever</a:t>
-            </a:r>
-            <a:r>
-              <a:rPr lang="en-GB" altLang="en-US" sz="2400" dirty="0">
-                <a:latin typeface="Times New Roman" panose="02020603050405020304" pitchFamily="18" charset="0"/>
-                <a:cs typeface="Times New Roman" panose="02020603050405020304" pitchFamily="18" charset="0"/>
-              </a:rPr>
-              <a:t>)</a:t>
+            <a:pPr marL="457200" indent="-457200">
+              <a:buFont typeface="Arial" panose="020B0604020202020204" pitchFamily="34" charset="0"/>
+              <a:buChar char="•"/>
+            </a:pPr>
+            <a:r>
+              <a:rPr lang="en-US" sz="2400" dirty="0">
+                <a:latin typeface="Times New Roman" panose="02020603050405020304" pitchFamily="18" charset="0"/>
+                <a:ea typeface="MS Mincho" panose="02020609040205080304" pitchFamily="49" charset="-128"/>
+                <a:cs typeface="Times New Roman" panose="02020603050405020304" pitchFamily="18" charset="0"/>
+              </a:rPr>
+              <a:t>Q3: What can be done to make life easier for individuals experiencing visible and/or invisible disabilities within the physics department and the physics community?</a:t>
             </a:r>
           </a:p>
         </p:txBody>
@@ -4372,7 +4237,7 @@
     </p:spTree>
     <p:extLst>
       <p:ext uri="{BB962C8B-B14F-4D97-AF65-F5344CB8AC3E}">
-        <p14:creationId xmlns:p14="http://schemas.microsoft.com/office/powerpoint/2010/main" val="3010689005"/>
+        <p14:creationId xmlns:p14="http://schemas.microsoft.com/office/powerpoint/2010/main" val="1822273948"/>
       </p:ext>
     </p:extLst>
   </p:cSld>
@@ -4755,7 +4620,7 @@
         <p:spPr>
           <a:xfrm>
             <a:off x="539603" y="945629"/>
-            <a:ext cx="8450017" cy="5262979"/>
+            <a:ext cx="8450017" cy="5755422"/>
           </a:xfrm>
           <a:prstGeom prst="rect">
             <a:avLst/>
@@ -4929,6 +4794,31 @@
                 <a:cs typeface="Times New Roman" panose="02020603050405020304" pitchFamily="18" charset="0"/>
               </a:rPr>
               <a:t>Take away from these classes: ideas &amp; inspiration to improve the physics community</a:t>
+            </a:r>
+          </a:p>
+          <a:p>
+            <a:pPr marL="342900" indent="-342900">
+              <a:buFont typeface="Arial" panose="020B0604020202020204" pitchFamily="34" charset="0"/>
+              <a:buChar char="•"/>
+            </a:pPr>
+            <a:endParaRPr lang="en-US" sz="800" dirty="0">
+              <a:latin typeface="Times New Roman" panose="02020603050405020304" pitchFamily="18" charset="0"/>
+              <a:ea typeface="MS Mincho" panose="02020609040205080304" pitchFamily="49" charset="-128"/>
+              <a:cs typeface="Times New Roman" panose="02020603050405020304" pitchFamily="18" charset="0"/>
+            </a:endParaRPr>
+          </a:p>
+          <a:p>
+            <a:pPr marL="342900" indent="-342900">
+              <a:buFont typeface="Arial" panose="020B0604020202020204" pitchFamily="34" charset="0"/>
+              <a:buChar char="•"/>
+            </a:pPr>
+            <a:r>
+              <a:rPr lang="en-US" sz="2400" dirty="0">
+                <a:latin typeface="Times New Roman" panose="02020603050405020304" pitchFamily="18" charset="0"/>
+                <a:ea typeface="MS Mincho" panose="02020609040205080304" pitchFamily="49" charset="-128"/>
+                <a:cs typeface="Times New Roman" panose="02020603050405020304" pitchFamily="18" charset="0"/>
+              </a:rPr>
+              <a:t>Assume good intent</a:t>
             </a:r>
           </a:p>
         </p:txBody>
@@ -4943,6 +4833,428 @@
   <p:clrMapOvr>
     <a:masterClrMapping/>
   </p:clrMapOvr>
+  <p:timing>
+    <p:tnLst>
+      <p:par>
+        <p:cTn id="1" dur="indefinite" restart="never" nodeType="tmRoot">
+          <p:childTnLst>
+            <p:seq concurrent="1" nextAc="seek">
+              <p:cTn id="2" dur="indefinite" nodeType="mainSeq">
+                <p:childTnLst>
+                  <p:par>
+                    <p:cTn id="3" fill="hold">
+                      <p:stCondLst>
+                        <p:cond delay="indefinite"/>
+                      </p:stCondLst>
+                      <p:childTnLst>
+                        <p:par>
+                          <p:cTn id="4" fill="hold">
+                            <p:stCondLst>
+                              <p:cond delay="0"/>
+                            </p:stCondLst>
+                            <p:childTnLst>
+                              <p:par>
+                                <p:cTn id="5" presetID="1" presetClass="entr" presetSubtype="0" fill="hold" nodeType="clickEffect">
+                                  <p:stCondLst>
+                                    <p:cond delay="0"/>
+                                  </p:stCondLst>
+                                  <p:childTnLst>
+                                    <p:set>
+                                      <p:cBhvr>
+                                        <p:cTn id="6" dur="1" fill="hold">
+                                          <p:stCondLst>
+                                            <p:cond delay="0"/>
+                                          </p:stCondLst>
+                                        </p:cTn>
+                                        <p:tgtEl>
+                                          <p:spTgt spid="6">
+                                            <p:txEl>
+                                              <p:pRg st="0" end="0"/>
+                                            </p:txEl>
+                                          </p:spTgt>
+                                        </p:tgtEl>
+                                        <p:attrNameLst>
+                                          <p:attrName>style.visibility</p:attrName>
+                                        </p:attrNameLst>
+                                      </p:cBhvr>
+                                      <p:to>
+                                        <p:strVal val="visible"/>
+                                      </p:to>
+                                    </p:set>
+                                  </p:childTnLst>
+                                </p:cTn>
+                              </p:par>
+                            </p:childTnLst>
+                          </p:cTn>
+                        </p:par>
+                      </p:childTnLst>
+                    </p:cTn>
+                  </p:par>
+                  <p:par>
+                    <p:cTn id="7" fill="hold">
+                      <p:stCondLst>
+                        <p:cond delay="indefinite"/>
+                      </p:stCondLst>
+                      <p:childTnLst>
+                        <p:par>
+                          <p:cTn id="8" fill="hold">
+                            <p:stCondLst>
+                              <p:cond delay="0"/>
+                            </p:stCondLst>
+                            <p:childTnLst>
+                              <p:par>
+                                <p:cTn id="9" presetID="1" presetClass="entr" presetSubtype="0" fill="hold" nodeType="clickEffect">
+                                  <p:stCondLst>
+                                    <p:cond delay="0"/>
+                                  </p:stCondLst>
+                                  <p:childTnLst>
+                                    <p:set>
+                                      <p:cBhvr>
+                                        <p:cTn id="10" dur="1" fill="hold">
+                                          <p:stCondLst>
+                                            <p:cond delay="0"/>
+                                          </p:stCondLst>
+                                        </p:cTn>
+                                        <p:tgtEl>
+                                          <p:spTgt spid="6">
+                                            <p:txEl>
+                                              <p:pRg st="2" end="2"/>
+                                            </p:txEl>
+                                          </p:spTgt>
+                                        </p:tgtEl>
+                                        <p:attrNameLst>
+                                          <p:attrName>style.visibility</p:attrName>
+                                        </p:attrNameLst>
+                                      </p:cBhvr>
+                                      <p:to>
+                                        <p:strVal val="visible"/>
+                                      </p:to>
+                                    </p:set>
+                                  </p:childTnLst>
+                                </p:cTn>
+                              </p:par>
+                            </p:childTnLst>
+                          </p:cTn>
+                        </p:par>
+                      </p:childTnLst>
+                    </p:cTn>
+                  </p:par>
+                  <p:par>
+                    <p:cTn id="11" fill="hold">
+                      <p:stCondLst>
+                        <p:cond delay="indefinite"/>
+                      </p:stCondLst>
+                      <p:childTnLst>
+                        <p:par>
+                          <p:cTn id="12" fill="hold">
+                            <p:stCondLst>
+                              <p:cond delay="0"/>
+                            </p:stCondLst>
+                            <p:childTnLst>
+                              <p:par>
+                                <p:cTn id="13" presetID="1" presetClass="entr" presetSubtype="0" fill="hold" nodeType="clickEffect">
+                                  <p:stCondLst>
+                                    <p:cond delay="0"/>
+                                  </p:stCondLst>
+                                  <p:childTnLst>
+                                    <p:set>
+                                      <p:cBhvr>
+                                        <p:cTn id="14" dur="1" fill="hold">
+                                          <p:stCondLst>
+                                            <p:cond delay="0"/>
+                                          </p:stCondLst>
+                                        </p:cTn>
+                                        <p:tgtEl>
+                                          <p:spTgt spid="6">
+                                            <p:txEl>
+                                              <p:pRg st="4" end="4"/>
+                                            </p:txEl>
+                                          </p:spTgt>
+                                        </p:tgtEl>
+                                        <p:attrNameLst>
+                                          <p:attrName>style.visibility</p:attrName>
+                                        </p:attrNameLst>
+                                      </p:cBhvr>
+                                      <p:to>
+                                        <p:strVal val="visible"/>
+                                      </p:to>
+                                    </p:set>
+                                  </p:childTnLst>
+                                </p:cTn>
+                              </p:par>
+                            </p:childTnLst>
+                          </p:cTn>
+                        </p:par>
+                      </p:childTnLst>
+                    </p:cTn>
+                  </p:par>
+                  <p:par>
+                    <p:cTn id="15" fill="hold">
+                      <p:stCondLst>
+                        <p:cond delay="indefinite"/>
+                      </p:stCondLst>
+                      <p:childTnLst>
+                        <p:par>
+                          <p:cTn id="16" fill="hold">
+                            <p:stCondLst>
+                              <p:cond delay="0"/>
+                            </p:stCondLst>
+                            <p:childTnLst>
+                              <p:par>
+                                <p:cTn id="17" presetID="1" presetClass="entr" presetSubtype="0" fill="hold" nodeType="clickEffect">
+                                  <p:stCondLst>
+                                    <p:cond delay="0"/>
+                                  </p:stCondLst>
+                                  <p:childTnLst>
+                                    <p:set>
+                                      <p:cBhvr>
+                                        <p:cTn id="18" dur="1" fill="hold">
+                                          <p:stCondLst>
+                                            <p:cond delay="0"/>
+                                          </p:stCondLst>
+                                        </p:cTn>
+                                        <p:tgtEl>
+                                          <p:spTgt spid="6">
+                                            <p:txEl>
+                                              <p:pRg st="6" end="6"/>
+                                            </p:txEl>
+                                          </p:spTgt>
+                                        </p:tgtEl>
+                                        <p:attrNameLst>
+                                          <p:attrName>style.visibility</p:attrName>
+                                        </p:attrNameLst>
+                                      </p:cBhvr>
+                                      <p:to>
+                                        <p:strVal val="visible"/>
+                                      </p:to>
+                                    </p:set>
+                                  </p:childTnLst>
+                                </p:cTn>
+                              </p:par>
+                            </p:childTnLst>
+                          </p:cTn>
+                        </p:par>
+                      </p:childTnLst>
+                    </p:cTn>
+                  </p:par>
+                  <p:par>
+                    <p:cTn id="19" fill="hold">
+                      <p:stCondLst>
+                        <p:cond delay="indefinite"/>
+                      </p:stCondLst>
+                      <p:childTnLst>
+                        <p:par>
+                          <p:cTn id="20" fill="hold">
+                            <p:stCondLst>
+                              <p:cond delay="0"/>
+                            </p:stCondLst>
+                            <p:childTnLst>
+                              <p:par>
+                                <p:cTn id="21" presetID="1" presetClass="entr" presetSubtype="0" fill="hold" nodeType="clickEffect">
+                                  <p:stCondLst>
+                                    <p:cond delay="0"/>
+                                  </p:stCondLst>
+                                  <p:childTnLst>
+                                    <p:set>
+                                      <p:cBhvr>
+                                        <p:cTn id="22" dur="1" fill="hold">
+                                          <p:stCondLst>
+                                            <p:cond delay="0"/>
+                                          </p:stCondLst>
+                                        </p:cTn>
+                                        <p:tgtEl>
+                                          <p:spTgt spid="6">
+                                            <p:txEl>
+                                              <p:pRg st="8" end="8"/>
+                                            </p:txEl>
+                                          </p:spTgt>
+                                        </p:tgtEl>
+                                        <p:attrNameLst>
+                                          <p:attrName>style.visibility</p:attrName>
+                                        </p:attrNameLst>
+                                      </p:cBhvr>
+                                      <p:to>
+                                        <p:strVal val="visible"/>
+                                      </p:to>
+                                    </p:set>
+                                  </p:childTnLst>
+                                </p:cTn>
+                              </p:par>
+                            </p:childTnLst>
+                          </p:cTn>
+                        </p:par>
+                      </p:childTnLst>
+                    </p:cTn>
+                  </p:par>
+                  <p:par>
+                    <p:cTn id="23" fill="hold">
+                      <p:stCondLst>
+                        <p:cond delay="indefinite"/>
+                      </p:stCondLst>
+                      <p:childTnLst>
+                        <p:par>
+                          <p:cTn id="24" fill="hold">
+                            <p:stCondLst>
+                              <p:cond delay="0"/>
+                            </p:stCondLst>
+                            <p:childTnLst>
+                              <p:par>
+                                <p:cTn id="25" presetID="1" presetClass="entr" presetSubtype="0" fill="hold" nodeType="clickEffect">
+                                  <p:stCondLst>
+                                    <p:cond delay="0"/>
+                                  </p:stCondLst>
+                                  <p:childTnLst>
+                                    <p:set>
+                                      <p:cBhvr>
+                                        <p:cTn id="26" dur="1" fill="hold">
+                                          <p:stCondLst>
+                                            <p:cond delay="0"/>
+                                          </p:stCondLst>
+                                        </p:cTn>
+                                        <p:tgtEl>
+                                          <p:spTgt spid="6">
+                                            <p:txEl>
+                                              <p:pRg st="10" end="10"/>
+                                            </p:txEl>
+                                          </p:spTgt>
+                                        </p:tgtEl>
+                                        <p:attrNameLst>
+                                          <p:attrName>style.visibility</p:attrName>
+                                        </p:attrNameLst>
+                                      </p:cBhvr>
+                                      <p:to>
+                                        <p:strVal val="visible"/>
+                                      </p:to>
+                                    </p:set>
+                                  </p:childTnLst>
+                                </p:cTn>
+                              </p:par>
+                            </p:childTnLst>
+                          </p:cTn>
+                        </p:par>
+                      </p:childTnLst>
+                    </p:cTn>
+                  </p:par>
+                  <p:par>
+                    <p:cTn id="27" fill="hold">
+                      <p:stCondLst>
+                        <p:cond delay="indefinite"/>
+                      </p:stCondLst>
+                      <p:childTnLst>
+                        <p:par>
+                          <p:cTn id="28" fill="hold">
+                            <p:stCondLst>
+                              <p:cond delay="0"/>
+                            </p:stCondLst>
+                            <p:childTnLst>
+                              <p:par>
+                                <p:cTn id="29" presetID="1" presetClass="entr" presetSubtype="0" fill="hold" nodeType="clickEffect">
+                                  <p:stCondLst>
+                                    <p:cond delay="0"/>
+                                  </p:stCondLst>
+                                  <p:childTnLst>
+                                    <p:set>
+                                      <p:cBhvr>
+                                        <p:cTn id="30" dur="1" fill="hold">
+                                          <p:stCondLst>
+                                            <p:cond delay="0"/>
+                                          </p:stCondLst>
+                                        </p:cTn>
+                                        <p:tgtEl>
+                                          <p:spTgt spid="6">
+                                            <p:txEl>
+                                              <p:pRg st="12" end="12"/>
+                                            </p:txEl>
+                                          </p:spTgt>
+                                        </p:tgtEl>
+                                        <p:attrNameLst>
+                                          <p:attrName>style.visibility</p:attrName>
+                                        </p:attrNameLst>
+                                      </p:cBhvr>
+                                      <p:to>
+                                        <p:strVal val="visible"/>
+                                      </p:to>
+                                    </p:set>
+                                  </p:childTnLst>
+                                </p:cTn>
+                              </p:par>
+                            </p:childTnLst>
+                          </p:cTn>
+                        </p:par>
+                      </p:childTnLst>
+                    </p:cTn>
+                  </p:par>
+                  <p:par>
+                    <p:cTn id="31" fill="hold">
+                      <p:stCondLst>
+                        <p:cond delay="indefinite"/>
+                      </p:stCondLst>
+                      <p:childTnLst>
+                        <p:par>
+                          <p:cTn id="32" fill="hold">
+                            <p:stCondLst>
+                              <p:cond delay="0"/>
+                            </p:stCondLst>
+                            <p:childTnLst>
+                              <p:par>
+                                <p:cTn id="33" presetID="1" presetClass="entr" presetSubtype="0" fill="hold" nodeType="clickEffect">
+                                  <p:stCondLst>
+                                    <p:cond delay="0"/>
+                                  </p:stCondLst>
+                                  <p:childTnLst>
+                                    <p:set>
+                                      <p:cBhvr>
+                                        <p:cTn id="34" dur="1" fill="hold">
+                                          <p:stCondLst>
+                                            <p:cond delay="0"/>
+                                          </p:stCondLst>
+                                        </p:cTn>
+                                        <p:tgtEl>
+                                          <p:spTgt spid="6">
+                                            <p:txEl>
+                                              <p:pRg st="14" end="14"/>
+                                            </p:txEl>
+                                          </p:spTgt>
+                                        </p:tgtEl>
+                                        <p:attrNameLst>
+                                          <p:attrName>style.visibility</p:attrName>
+                                        </p:attrNameLst>
+                                      </p:cBhvr>
+                                      <p:to>
+                                        <p:strVal val="visible"/>
+                                      </p:to>
+                                    </p:set>
+                                  </p:childTnLst>
+                                </p:cTn>
+                              </p:par>
+                            </p:childTnLst>
+                          </p:cTn>
+                        </p:par>
+                      </p:childTnLst>
+                    </p:cTn>
+                  </p:par>
+                </p:childTnLst>
+              </p:cTn>
+              <p:prevCondLst>
+                <p:cond evt="onPrev" delay="0">
+                  <p:tgtEl>
+                    <p:sldTgt/>
+                  </p:tgtEl>
+                </p:cond>
+              </p:prevCondLst>
+              <p:nextCondLst>
+                <p:cond evt="onNext" delay="0">
+                  <p:tgtEl>
+                    <p:sldTgt/>
+                  </p:tgtEl>
+                </p:cond>
+              </p:nextCondLst>
+            </p:seq>
+          </p:childTnLst>
+        </p:cTn>
+      </p:par>
+    </p:tnLst>
+  </p:timing>
 </p:sld>
 </file>
 
@@ -4972,7 +5284,7 @@
         <p:spPr>
           <a:xfrm>
             <a:off x="275549" y="191702"/>
-            <a:ext cx="6290505" cy="553998"/>
+            <a:ext cx="7239482" cy="553998"/>
           </a:xfrm>
           <a:prstGeom prst="rect">
             <a:avLst/>
@@ -5013,7 +5325,7 @@
                 <a:latin typeface="Times New Roman"/>
                 <a:cs typeface="Times New Roman"/>
               </a:rPr>
-              <a:t>Class discussions</a:t>
+              <a:t>Discussions – Homework</a:t>
             </a:r>
             <a:r>
               <a:rPr lang="en-US" sz="2400" dirty="0">
@@ -5050,7 +5362,7 @@
         <p:spPr>
           <a:xfrm>
             <a:off x="539603" y="945629"/>
-            <a:ext cx="8355015" cy="4893647"/>
+            <a:ext cx="8355015" cy="5693866"/>
           </a:xfrm>
           <a:prstGeom prst="rect">
             <a:avLst/>
@@ -5129,7 +5441,7 @@
                 <a:ea typeface="MS Mincho" panose="02020609040205080304" pitchFamily="49" charset="-128"/>
                 <a:cs typeface="Times New Roman" panose="02020603050405020304" pitchFamily="18" charset="0"/>
               </a:rPr>
-              <a:t>Group 4: LGBTQ+ Status</a:t>
+              <a:t>Group 4: First Generation Students</a:t>
             </a:r>
           </a:p>
           <a:p>
@@ -5143,7 +5455,7 @@
                 <a:ea typeface="MS Mincho" panose="02020609040205080304" pitchFamily="49" charset="-128"/>
                 <a:cs typeface="Times New Roman" panose="02020603050405020304" pitchFamily="18" charset="0"/>
               </a:rPr>
-              <a:t>Group 5: Caring / Parenting Responsibilities</a:t>
+              <a:t>Group 5: LGBTQ+ Status</a:t>
             </a:r>
           </a:p>
           <a:p>
@@ -5157,7 +5469,7 @@
                 <a:ea typeface="MS Mincho" panose="02020609040205080304" pitchFamily="49" charset="-128"/>
                 <a:cs typeface="Times New Roman" panose="02020603050405020304" pitchFamily="18" charset="0"/>
               </a:rPr>
-              <a:t>Group 6: Socio-economic Disadvantage</a:t>
+              <a:t>Group 6: Caring / Parenting Responsibilities</a:t>
             </a:r>
           </a:p>
           <a:p>
@@ -5171,7 +5483,21 @@
                 <a:ea typeface="MS Mincho" panose="02020609040205080304" pitchFamily="49" charset="-128"/>
                 <a:cs typeface="Times New Roman" panose="02020603050405020304" pitchFamily="18" charset="0"/>
               </a:rPr>
-              <a:t>Group 7: Visible / Invisible Disabilities</a:t>
+              <a:t>Group 7: Socio-economic Disadvantage</a:t>
+            </a:r>
+          </a:p>
+          <a:p>
+            <a:pPr marL="914400" lvl="1" indent="-457200">
+              <a:buFont typeface="Arial" panose="020B0604020202020204" pitchFamily="34" charset="0"/>
+              <a:buChar char="•"/>
+            </a:pPr>
+            <a:r>
+              <a:rPr lang="en-US" sz="2200" dirty="0">
+                <a:latin typeface="Times New Roman" panose="02020603050405020304" pitchFamily="18" charset="0"/>
+                <a:ea typeface="MS Mincho" panose="02020609040205080304" pitchFamily="49" charset="-128"/>
+                <a:cs typeface="Times New Roman" panose="02020603050405020304" pitchFamily="18" charset="0"/>
+              </a:rPr>
+              <a:t>Group 8: Visible / Invisible Disabilities</a:t>
             </a:r>
           </a:p>
           <a:p>
@@ -5247,6 +5573,31 @@
                 <a:cs typeface="Times New Roman" panose="02020603050405020304" pitchFamily="18" charset="0"/>
               </a:rPr>
               <a:t>Every student should be prepared to answer 1 question, and the group has to answer all 3 questions for their topic</a:t>
+            </a:r>
+          </a:p>
+          <a:p>
+            <a:pPr marL="457200" indent="-457200">
+              <a:buFont typeface="Arial" panose="020B0604020202020204" pitchFamily="34" charset="0"/>
+              <a:buChar char="•"/>
+            </a:pPr>
+            <a:endParaRPr lang="en-US" sz="800" dirty="0">
+              <a:latin typeface="Times New Roman" panose="02020603050405020304" pitchFamily="18" charset="0"/>
+              <a:ea typeface="MS Mincho" panose="02020609040205080304" pitchFamily="49" charset="-128"/>
+              <a:cs typeface="Times New Roman" panose="02020603050405020304" pitchFamily="18" charset="0"/>
+            </a:endParaRPr>
+          </a:p>
+          <a:p>
+            <a:pPr marL="457200" indent="-457200">
+              <a:buFont typeface="Arial" panose="020B0604020202020204" pitchFamily="34" charset="0"/>
+              <a:buChar char="•"/>
+            </a:pPr>
+            <a:r>
+              <a:rPr lang="en-US" sz="2200" dirty="0">
+                <a:latin typeface="Times New Roman" panose="02020603050405020304" pitchFamily="18" charset="0"/>
+                <a:ea typeface="MS Mincho" panose="02020609040205080304" pitchFamily="49" charset="-128"/>
+                <a:cs typeface="Times New Roman" panose="02020603050405020304" pitchFamily="18" charset="0"/>
+              </a:rPr>
+              <a:t>Resources &amp; questions on following slides</a:t>
             </a:r>
           </a:p>
         </p:txBody>
@@ -5261,6 +5612,529 @@
   <p:clrMapOvr>
     <a:masterClrMapping/>
   </p:clrMapOvr>
+  <p:timing>
+    <p:tnLst>
+      <p:par>
+        <p:cTn id="1" dur="indefinite" restart="never" nodeType="tmRoot">
+          <p:childTnLst>
+            <p:seq concurrent="1" nextAc="seek">
+              <p:cTn id="2" dur="indefinite" nodeType="mainSeq">
+                <p:childTnLst>
+                  <p:par>
+                    <p:cTn id="3" fill="hold">
+                      <p:stCondLst>
+                        <p:cond delay="indefinite"/>
+                      </p:stCondLst>
+                      <p:childTnLst>
+                        <p:par>
+                          <p:cTn id="4" fill="hold">
+                            <p:stCondLst>
+                              <p:cond delay="0"/>
+                            </p:stCondLst>
+                            <p:childTnLst>
+                              <p:par>
+                                <p:cTn id="5" presetID="1" presetClass="entr" presetSubtype="0" fill="hold" nodeType="clickEffect">
+                                  <p:stCondLst>
+                                    <p:cond delay="0"/>
+                                  </p:stCondLst>
+                                  <p:childTnLst>
+                                    <p:set>
+                                      <p:cBhvr>
+                                        <p:cTn id="6" dur="1" fill="hold">
+                                          <p:stCondLst>
+                                            <p:cond delay="0"/>
+                                          </p:stCondLst>
+                                        </p:cTn>
+                                        <p:tgtEl>
+                                          <p:spTgt spid="6">
+                                            <p:txEl>
+                                              <p:pRg st="0" end="0"/>
+                                            </p:txEl>
+                                          </p:spTgt>
+                                        </p:tgtEl>
+                                        <p:attrNameLst>
+                                          <p:attrName>style.visibility</p:attrName>
+                                        </p:attrNameLst>
+                                      </p:cBhvr>
+                                      <p:to>
+                                        <p:strVal val="visible"/>
+                                      </p:to>
+                                    </p:set>
+                                  </p:childTnLst>
+                                </p:cTn>
+                              </p:par>
+                              <p:par>
+                                <p:cTn id="7" presetID="1" presetClass="entr" presetSubtype="0" fill="hold" nodeType="withEffect">
+                                  <p:stCondLst>
+                                    <p:cond delay="0"/>
+                                  </p:stCondLst>
+                                  <p:childTnLst>
+                                    <p:set>
+                                      <p:cBhvr>
+                                        <p:cTn id="8" dur="1" fill="hold">
+                                          <p:stCondLst>
+                                            <p:cond delay="0"/>
+                                          </p:stCondLst>
+                                        </p:cTn>
+                                        <p:tgtEl>
+                                          <p:spTgt spid="6">
+                                            <p:txEl>
+                                              <p:pRg st="1" end="1"/>
+                                            </p:txEl>
+                                          </p:spTgt>
+                                        </p:tgtEl>
+                                        <p:attrNameLst>
+                                          <p:attrName>style.visibility</p:attrName>
+                                        </p:attrNameLst>
+                                      </p:cBhvr>
+                                      <p:to>
+                                        <p:strVal val="visible"/>
+                                      </p:to>
+                                    </p:set>
+                                  </p:childTnLst>
+                                </p:cTn>
+                              </p:par>
+                              <p:par>
+                                <p:cTn id="9" presetID="1" presetClass="entr" presetSubtype="0" fill="hold" nodeType="withEffect">
+                                  <p:stCondLst>
+                                    <p:cond delay="0"/>
+                                  </p:stCondLst>
+                                  <p:childTnLst>
+                                    <p:set>
+                                      <p:cBhvr>
+                                        <p:cTn id="10" dur="1" fill="hold">
+                                          <p:stCondLst>
+                                            <p:cond delay="0"/>
+                                          </p:stCondLst>
+                                        </p:cTn>
+                                        <p:tgtEl>
+                                          <p:spTgt spid="6">
+                                            <p:txEl>
+                                              <p:pRg st="2" end="2"/>
+                                            </p:txEl>
+                                          </p:spTgt>
+                                        </p:tgtEl>
+                                        <p:attrNameLst>
+                                          <p:attrName>style.visibility</p:attrName>
+                                        </p:attrNameLst>
+                                      </p:cBhvr>
+                                      <p:to>
+                                        <p:strVal val="visible"/>
+                                      </p:to>
+                                    </p:set>
+                                  </p:childTnLst>
+                                </p:cTn>
+                              </p:par>
+                              <p:par>
+                                <p:cTn id="11" presetID="1" presetClass="entr" presetSubtype="0" fill="hold" nodeType="withEffect">
+                                  <p:stCondLst>
+                                    <p:cond delay="0"/>
+                                  </p:stCondLst>
+                                  <p:childTnLst>
+                                    <p:set>
+                                      <p:cBhvr>
+                                        <p:cTn id="12" dur="1" fill="hold">
+                                          <p:stCondLst>
+                                            <p:cond delay="0"/>
+                                          </p:stCondLst>
+                                        </p:cTn>
+                                        <p:tgtEl>
+                                          <p:spTgt spid="6">
+                                            <p:txEl>
+                                              <p:pRg st="3" end="3"/>
+                                            </p:txEl>
+                                          </p:spTgt>
+                                        </p:tgtEl>
+                                        <p:attrNameLst>
+                                          <p:attrName>style.visibility</p:attrName>
+                                        </p:attrNameLst>
+                                      </p:cBhvr>
+                                      <p:to>
+                                        <p:strVal val="visible"/>
+                                      </p:to>
+                                    </p:set>
+                                  </p:childTnLst>
+                                </p:cTn>
+                              </p:par>
+                              <p:par>
+                                <p:cTn id="13" presetID="1" presetClass="entr" presetSubtype="0" fill="hold" nodeType="withEffect">
+                                  <p:stCondLst>
+                                    <p:cond delay="0"/>
+                                  </p:stCondLst>
+                                  <p:childTnLst>
+                                    <p:set>
+                                      <p:cBhvr>
+                                        <p:cTn id="14" dur="1" fill="hold">
+                                          <p:stCondLst>
+                                            <p:cond delay="0"/>
+                                          </p:stCondLst>
+                                        </p:cTn>
+                                        <p:tgtEl>
+                                          <p:spTgt spid="6">
+                                            <p:txEl>
+                                              <p:pRg st="4" end="4"/>
+                                            </p:txEl>
+                                          </p:spTgt>
+                                        </p:tgtEl>
+                                        <p:attrNameLst>
+                                          <p:attrName>style.visibility</p:attrName>
+                                        </p:attrNameLst>
+                                      </p:cBhvr>
+                                      <p:to>
+                                        <p:strVal val="visible"/>
+                                      </p:to>
+                                    </p:set>
+                                  </p:childTnLst>
+                                </p:cTn>
+                              </p:par>
+                              <p:par>
+                                <p:cTn id="15" presetID="1" presetClass="entr" presetSubtype="0" fill="hold" nodeType="withEffect">
+                                  <p:stCondLst>
+                                    <p:cond delay="0"/>
+                                  </p:stCondLst>
+                                  <p:childTnLst>
+                                    <p:set>
+                                      <p:cBhvr>
+                                        <p:cTn id="16" dur="1" fill="hold">
+                                          <p:stCondLst>
+                                            <p:cond delay="0"/>
+                                          </p:stCondLst>
+                                        </p:cTn>
+                                        <p:tgtEl>
+                                          <p:spTgt spid="6">
+                                            <p:txEl>
+                                              <p:pRg st="5" end="5"/>
+                                            </p:txEl>
+                                          </p:spTgt>
+                                        </p:tgtEl>
+                                        <p:attrNameLst>
+                                          <p:attrName>style.visibility</p:attrName>
+                                        </p:attrNameLst>
+                                      </p:cBhvr>
+                                      <p:to>
+                                        <p:strVal val="visible"/>
+                                      </p:to>
+                                    </p:set>
+                                  </p:childTnLst>
+                                </p:cTn>
+                              </p:par>
+                              <p:par>
+                                <p:cTn id="17" presetID="1" presetClass="entr" presetSubtype="0" fill="hold" nodeType="withEffect">
+                                  <p:stCondLst>
+                                    <p:cond delay="0"/>
+                                  </p:stCondLst>
+                                  <p:childTnLst>
+                                    <p:set>
+                                      <p:cBhvr>
+                                        <p:cTn id="18" dur="1" fill="hold">
+                                          <p:stCondLst>
+                                            <p:cond delay="0"/>
+                                          </p:stCondLst>
+                                        </p:cTn>
+                                        <p:tgtEl>
+                                          <p:spTgt spid="6">
+                                            <p:txEl>
+                                              <p:pRg st="6" end="6"/>
+                                            </p:txEl>
+                                          </p:spTgt>
+                                        </p:tgtEl>
+                                        <p:attrNameLst>
+                                          <p:attrName>style.visibility</p:attrName>
+                                        </p:attrNameLst>
+                                      </p:cBhvr>
+                                      <p:to>
+                                        <p:strVal val="visible"/>
+                                      </p:to>
+                                    </p:set>
+                                  </p:childTnLst>
+                                </p:cTn>
+                              </p:par>
+                              <p:par>
+                                <p:cTn id="19" presetID="1" presetClass="entr" presetSubtype="0" fill="hold" nodeType="withEffect">
+                                  <p:stCondLst>
+                                    <p:cond delay="0"/>
+                                  </p:stCondLst>
+                                  <p:childTnLst>
+                                    <p:set>
+                                      <p:cBhvr>
+                                        <p:cTn id="20" dur="1" fill="hold">
+                                          <p:stCondLst>
+                                            <p:cond delay="0"/>
+                                          </p:stCondLst>
+                                        </p:cTn>
+                                        <p:tgtEl>
+                                          <p:spTgt spid="6">
+                                            <p:txEl>
+                                              <p:pRg st="7" end="7"/>
+                                            </p:txEl>
+                                          </p:spTgt>
+                                        </p:tgtEl>
+                                        <p:attrNameLst>
+                                          <p:attrName>style.visibility</p:attrName>
+                                        </p:attrNameLst>
+                                      </p:cBhvr>
+                                      <p:to>
+                                        <p:strVal val="visible"/>
+                                      </p:to>
+                                    </p:set>
+                                  </p:childTnLst>
+                                </p:cTn>
+                              </p:par>
+                              <p:par>
+                                <p:cTn id="21" presetID="1" presetClass="entr" presetSubtype="0" fill="hold" nodeType="withEffect">
+                                  <p:stCondLst>
+                                    <p:cond delay="0"/>
+                                  </p:stCondLst>
+                                  <p:childTnLst>
+                                    <p:set>
+                                      <p:cBhvr>
+                                        <p:cTn id="22" dur="1" fill="hold">
+                                          <p:stCondLst>
+                                            <p:cond delay="0"/>
+                                          </p:stCondLst>
+                                        </p:cTn>
+                                        <p:tgtEl>
+                                          <p:spTgt spid="6">
+                                            <p:txEl>
+                                              <p:pRg st="8" end="8"/>
+                                            </p:txEl>
+                                          </p:spTgt>
+                                        </p:tgtEl>
+                                        <p:attrNameLst>
+                                          <p:attrName>style.visibility</p:attrName>
+                                        </p:attrNameLst>
+                                      </p:cBhvr>
+                                      <p:to>
+                                        <p:strVal val="visible"/>
+                                      </p:to>
+                                    </p:set>
+                                  </p:childTnLst>
+                                </p:cTn>
+                              </p:par>
+                            </p:childTnLst>
+                          </p:cTn>
+                        </p:par>
+                      </p:childTnLst>
+                    </p:cTn>
+                  </p:par>
+                  <p:par>
+                    <p:cTn id="23" fill="hold">
+                      <p:stCondLst>
+                        <p:cond delay="indefinite"/>
+                      </p:stCondLst>
+                      <p:childTnLst>
+                        <p:par>
+                          <p:cTn id="24" fill="hold">
+                            <p:stCondLst>
+                              <p:cond delay="0"/>
+                            </p:stCondLst>
+                            <p:childTnLst>
+                              <p:par>
+                                <p:cTn id="25" presetID="1" presetClass="entr" presetSubtype="0" fill="hold" nodeType="clickEffect">
+                                  <p:stCondLst>
+                                    <p:cond delay="0"/>
+                                  </p:stCondLst>
+                                  <p:childTnLst>
+                                    <p:set>
+                                      <p:cBhvr>
+                                        <p:cTn id="26" dur="1" fill="hold">
+                                          <p:stCondLst>
+                                            <p:cond delay="0"/>
+                                          </p:stCondLst>
+                                        </p:cTn>
+                                        <p:tgtEl>
+                                          <p:spTgt spid="6">
+                                            <p:txEl>
+                                              <p:pRg st="10" end="10"/>
+                                            </p:txEl>
+                                          </p:spTgt>
+                                        </p:tgtEl>
+                                        <p:attrNameLst>
+                                          <p:attrName>style.visibility</p:attrName>
+                                        </p:attrNameLst>
+                                      </p:cBhvr>
+                                      <p:to>
+                                        <p:strVal val="visible"/>
+                                      </p:to>
+                                    </p:set>
+                                  </p:childTnLst>
+                                </p:cTn>
+                              </p:par>
+                            </p:childTnLst>
+                          </p:cTn>
+                        </p:par>
+                      </p:childTnLst>
+                    </p:cTn>
+                  </p:par>
+                  <p:par>
+                    <p:cTn id="27" fill="hold">
+                      <p:stCondLst>
+                        <p:cond delay="indefinite"/>
+                      </p:stCondLst>
+                      <p:childTnLst>
+                        <p:par>
+                          <p:cTn id="28" fill="hold">
+                            <p:stCondLst>
+                              <p:cond delay="0"/>
+                            </p:stCondLst>
+                            <p:childTnLst>
+                              <p:par>
+                                <p:cTn id="29" presetID="1" presetClass="entr" presetSubtype="0" fill="hold" nodeType="clickEffect">
+                                  <p:stCondLst>
+                                    <p:cond delay="0"/>
+                                  </p:stCondLst>
+                                  <p:childTnLst>
+                                    <p:set>
+                                      <p:cBhvr>
+                                        <p:cTn id="30" dur="1" fill="hold">
+                                          <p:stCondLst>
+                                            <p:cond delay="0"/>
+                                          </p:stCondLst>
+                                        </p:cTn>
+                                        <p:tgtEl>
+                                          <p:spTgt spid="6">
+                                            <p:txEl>
+                                              <p:pRg st="12" end="12"/>
+                                            </p:txEl>
+                                          </p:spTgt>
+                                        </p:tgtEl>
+                                        <p:attrNameLst>
+                                          <p:attrName>style.visibility</p:attrName>
+                                        </p:attrNameLst>
+                                      </p:cBhvr>
+                                      <p:to>
+                                        <p:strVal val="visible"/>
+                                      </p:to>
+                                    </p:set>
+                                  </p:childTnLst>
+                                </p:cTn>
+                              </p:par>
+                            </p:childTnLst>
+                          </p:cTn>
+                        </p:par>
+                      </p:childTnLst>
+                    </p:cTn>
+                  </p:par>
+                  <p:par>
+                    <p:cTn id="31" fill="hold">
+                      <p:stCondLst>
+                        <p:cond delay="indefinite"/>
+                      </p:stCondLst>
+                      <p:childTnLst>
+                        <p:par>
+                          <p:cTn id="32" fill="hold">
+                            <p:stCondLst>
+                              <p:cond delay="0"/>
+                            </p:stCondLst>
+                            <p:childTnLst>
+                              <p:par>
+                                <p:cTn id="33" presetID="1" presetClass="entr" presetSubtype="0" fill="hold" nodeType="clickEffect">
+                                  <p:stCondLst>
+                                    <p:cond delay="0"/>
+                                  </p:stCondLst>
+                                  <p:childTnLst>
+                                    <p:set>
+                                      <p:cBhvr>
+                                        <p:cTn id="34" dur="1" fill="hold">
+                                          <p:stCondLst>
+                                            <p:cond delay="0"/>
+                                          </p:stCondLst>
+                                        </p:cTn>
+                                        <p:tgtEl>
+                                          <p:spTgt spid="6">
+                                            <p:txEl>
+                                              <p:pRg st="14" end="14"/>
+                                            </p:txEl>
+                                          </p:spTgt>
+                                        </p:tgtEl>
+                                        <p:attrNameLst>
+                                          <p:attrName>style.visibility</p:attrName>
+                                        </p:attrNameLst>
+                                      </p:cBhvr>
+                                      <p:to>
+                                        <p:strVal val="visible"/>
+                                      </p:to>
+                                    </p:set>
+                                  </p:childTnLst>
+                                </p:cTn>
+                              </p:par>
+                            </p:childTnLst>
+                          </p:cTn>
+                        </p:par>
+                      </p:childTnLst>
+                    </p:cTn>
+                  </p:par>
+                  <p:par>
+                    <p:cTn id="35" fill="hold">
+                      <p:stCondLst>
+                        <p:cond delay="indefinite"/>
+                      </p:stCondLst>
+                      <p:childTnLst>
+                        <p:par>
+                          <p:cTn id="36" fill="hold">
+                            <p:stCondLst>
+                              <p:cond delay="0"/>
+                            </p:stCondLst>
+                            <p:childTnLst>
+                              <p:par>
+                                <p:cTn id="37" presetID="1" presetClass="entr" presetSubtype="0" fill="hold" nodeType="clickEffect">
+                                  <p:stCondLst>
+                                    <p:cond delay="0"/>
+                                  </p:stCondLst>
+                                  <p:childTnLst>
+                                    <p:set>
+                                      <p:cBhvr>
+                                        <p:cTn id="38" dur="1" fill="hold">
+                                          <p:stCondLst>
+                                            <p:cond delay="0"/>
+                                          </p:stCondLst>
+                                        </p:cTn>
+                                        <p:tgtEl>
+                                          <p:spTgt spid="6">
+                                            <p:txEl>
+                                              <p:pRg st="16" end="16"/>
+                                            </p:txEl>
+                                          </p:spTgt>
+                                        </p:tgtEl>
+                                        <p:attrNameLst>
+                                          <p:attrName>style.visibility</p:attrName>
+                                        </p:attrNameLst>
+                                      </p:cBhvr>
+                                      <p:to>
+                                        <p:strVal val="visible"/>
+                                      </p:to>
+                                    </p:set>
+                                  </p:childTnLst>
+                                </p:cTn>
+                              </p:par>
+                            </p:childTnLst>
+                          </p:cTn>
+                        </p:par>
+                      </p:childTnLst>
+                    </p:cTn>
+                  </p:par>
+                </p:childTnLst>
+              </p:cTn>
+              <p:prevCondLst>
+                <p:cond evt="onPrev" delay="0">
+                  <p:tgtEl>
+                    <p:sldTgt/>
+                  </p:tgtEl>
+                </p:cond>
+              </p:prevCondLst>
+              <p:nextCondLst>
+                <p:cond evt="onNext" delay="0">
+                  <p:tgtEl>
+                    <p:sldTgt/>
+                  </p:tgtEl>
+                </p:cond>
+              </p:nextCondLst>
+            </p:seq>
+          </p:childTnLst>
+        </p:cTn>
+      </p:par>
+    </p:tnLst>
+  </p:timing>
 </p:sld>
 </file>
 
@@ -5338,7 +6212,7 @@
         <p:spPr>
           <a:xfrm>
             <a:off x="539603" y="945629"/>
-            <a:ext cx="8355015" cy="3662541"/>
+            <a:ext cx="8355015" cy="3970318"/>
           </a:xfrm>
           <a:prstGeom prst="rect">
             <a:avLst/>
@@ -5376,7 +6250,7 @@
                 <a:cs typeface="Times New Roman" panose="02020603050405020304" pitchFamily="18" charset="0"/>
                 <a:hlinkClick r:id="rId2"/>
               </a:rPr>
-              <a:t>https://diversity.arizona.edu/sites/default/files/stereotype_threat_overview.pdf</a:t>
+              <a:t>https://www.colorado.edu/center/teaching-learning/inclusivity/stereotype-threat</a:t>
             </a:r>
             <a:endParaRPr lang="en-US" sz="2000" dirty="0">
               <a:latin typeface="Times New Roman" panose="02020603050405020304" pitchFamily="18" charset="0"/>
@@ -5385,7 +6259,27 @@
             </a:endParaRPr>
           </a:p>
           <a:p>
-            <a:pPr marL="457200" indent="-457200">
+            <a:pPr marL="914400" lvl="1" indent="-457200">
+              <a:buFont typeface="Arial" panose="020B0604020202020204" pitchFamily="34" charset="0"/>
+              <a:buChar char="•"/>
+            </a:pPr>
+            <a:r>
+              <a:rPr lang="en-US" sz="2000" dirty="0">
+                <a:latin typeface="Times New Roman" panose="02020603050405020304" pitchFamily="18" charset="0"/>
+                <a:ea typeface="MS Mincho" panose="02020609040205080304" pitchFamily="49" charset="-128"/>
+                <a:cs typeface="Times New Roman" panose="02020603050405020304" pitchFamily="18" charset="0"/>
+                <a:hlinkClick r:id="rId3"/>
+              </a:rPr>
+              <a:t>https://www.simplypsychology.org/stereotype-threat.html</a:t>
+            </a:r>
+            <a:endParaRPr lang="en-US" sz="2000" dirty="0">
+              <a:latin typeface="Times New Roman" panose="02020603050405020304" pitchFamily="18" charset="0"/>
+              <a:ea typeface="MS Mincho" panose="02020609040205080304" pitchFamily="49" charset="-128"/>
+              <a:cs typeface="Times New Roman" panose="02020603050405020304" pitchFamily="18" charset="0"/>
+            </a:endParaRPr>
+          </a:p>
+          <a:p>
+            <a:pPr marL="914400" lvl="1" indent="-457200">
               <a:buFont typeface="Arial" panose="020B0604020202020204" pitchFamily="34" charset="0"/>
               <a:buChar char="•"/>
             </a:pPr>
@@ -5464,7 +6358,7 @@
     </p:spTree>
     <p:extLst>
       <p:ext uri="{BB962C8B-B14F-4D97-AF65-F5344CB8AC3E}">
-        <p14:creationId xmlns:p14="http://schemas.microsoft.com/office/powerpoint/2010/main" val="3095473469"/>
+        <p14:creationId xmlns:p14="http://schemas.microsoft.com/office/powerpoint/2010/main" val="3856670769"/>
       </p:ext>
     </p:extLst>
   </p:cSld>
@@ -5548,7 +6442,7 @@
         <p:spPr>
           <a:xfrm>
             <a:off x="539603" y="945629"/>
-            <a:ext cx="8355015" cy="3354765"/>
+            <a:ext cx="8355015" cy="3970318"/>
           </a:xfrm>
           <a:prstGeom prst="rect">
             <a:avLst/>
@@ -5595,6 +6489,26 @@
             </a:endParaRPr>
           </a:p>
           <a:p>
+            <a:pPr marL="914400" lvl="1" indent="-457200">
+              <a:buFont typeface="Arial" panose="020B0604020202020204" pitchFamily="34" charset="0"/>
+              <a:buChar char="•"/>
+            </a:pPr>
+            <a:r>
+              <a:rPr lang="en-US" sz="2000" dirty="0">
+                <a:latin typeface="Times New Roman" panose="02020603050405020304" pitchFamily="18" charset="0"/>
+                <a:ea typeface="MS Mincho" panose="02020609040205080304" pitchFamily="49" charset="-128"/>
+                <a:cs typeface="Times New Roman" panose="02020603050405020304" pitchFamily="18" charset="0"/>
+                <a:hlinkClick r:id="rId3"/>
+              </a:rPr>
+              <a:t>https://careers.seas.gwu.edu/blog/2023/02/24/imposter-syndrome-and-how-you-can-fight-against-it/</a:t>
+            </a:r>
+            <a:endParaRPr lang="en-US" sz="2000" dirty="0">
+              <a:latin typeface="Times New Roman" panose="02020603050405020304" pitchFamily="18" charset="0"/>
+              <a:ea typeface="MS Mincho" panose="02020609040205080304" pitchFamily="49" charset="-128"/>
+              <a:cs typeface="Times New Roman" panose="02020603050405020304" pitchFamily="18" charset="0"/>
+            </a:endParaRPr>
+          </a:p>
+          <a:p>
             <a:pPr marL="457200" indent="-457200">
               <a:buFont typeface="Arial" panose="020B0604020202020204" pitchFamily="34" charset="0"/>
               <a:buChar char="•"/>
@@ -5674,7 +6588,7 @@
     </p:spTree>
     <p:extLst>
       <p:ext uri="{BB962C8B-B14F-4D97-AF65-F5344CB8AC3E}">
-        <p14:creationId xmlns:p14="http://schemas.microsoft.com/office/powerpoint/2010/main" val="3537580524"/>
+        <p14:creationId xmlns:p14="http://schemas.microsoft.com/office/powerpoint/2010/main" val="1660188588"/>
       </p:ext>
     </p:extLst>
   </p:cSld>
@@ -5758,7 +6672,7 @@
         <p:spPr>
           <a:xfrm>
             <a:off x="539603" y="945629"/>
-            <a:ext cx="8355015" cy="4278094"/>
+            <a:ext cx="8355015" cy="4585871"/>
           </a:xfrm>
           <a:prstGeom prst="rect">
             <a:avLst/>
@@ -5849,6 +6763,26 @@
               <a:buFont typeface="Arial" panose="020B0604020202020204" pitchFamily="34" charset="0"/>
               <a:buChar char="•"/>
             </a:pPr>
+            <a:r>
+              <a:rPr lang="en-US" sz="2000" dirty="0">
+                <a:latin typeface="Times New Roman" panose="02020603050405020304" pitchFamily="18" charset="0"/>
+                <a:ea typeface="MS Mincho" panose="02020609040205080304" pitchFamily="49" charset="-128"/>
+                <a:cs typeface="Times New Roman" panose="02020603050405020304" pitchFamily="18" charset="0"/>
+                <a:hlinkClick r:id="rId5"/>
+              </a:rPr>
+              <a:t>https://diversity.gwu.edu/bias-incident-response</a:t>
+            </a:r>
+            <a:endParaRPr lang="en-US" sz="2000" dirty="0">
+              <a:latin typeface="Times New Roman" panose="02020603050405020304" pitchFamily="18" charset="0"/>
+              <a:ea typeface="MS Mincho" panose="02020609040205080304" pitchFamily="49" charset="-128"/>
+              <a:cs typeface="Times New Roman" panose="02020603050405020304" pitchFamily="18" charset="0"/>
+            </a:endParaRPr>
+          </a:p>
+          <a:p>
+            <a:pPr marL="914400" lvl="1" indent="-457200">
+              <a:buFont typeface="Arial" panose="020B0604020202020204" pitchFamily="34" charset="0"/>
+              <a:buChar char="•"/>
+            </a:pPr>
             <a:endParaRPr lang="en-US" sz="800" dirty="0">
               <a:latin typeface="Times New Roman" panose="02020603050405020304" pitchFamily="18" charset="0"/>
               <a:ea typeface="MS Mincho" panose="02020609040205080304" pitchFamily="49" charset="-128"/>
@@ -5924,7 +6858,7 @@
     </p:spTree>
     <p:extLst>
       <p:ext uri="{BB962C8B-B14F-4D97-AF65-F5344CB8AC3E}">
-        <p14:creationId xmlns:p14="http://schemas.microsoft.com/office/powerpoint/2010/main" val="4106925271"/>
+        <p14:creationId xmlns:p14="http://schemas.microsoft.com/office/powerpoint/2010/main" val="983063268"/>
       </p:ext>
     </p:extLst>
   </p:cSld>
@@ -5960,7 +6894,7 @@
         <p:spPr>
           <a:xfrm>
             <a:off x="275549" y="191702"/>
-            <a:ext cx="6644768" cy="553998"/>
+            <a:ext cx="8210902" cy="553998"/>
           </a:xfrm>
           <a:prstGeom prst="rect">
             <a:avLst/>
@@ -5981,7 +6915,7 @@
                 <a:latin typeface="Times New Roman"/>
                 <a:cs typeface="Times New Roman"/>
               </a:rPr>
-              <a:t>Diversity &amp; Inclusion: LGBTQ+ Status</a:t>
+              <a:t>Diversity &amp; Inclusion: First Generation Students</a:t>
             </a:r>
             <a:endParaRPr lang="en-US" sz="2400" b="1" dirty="0">
               <a:solidFill>
@@ -6008,7 +6942,7 @@
         <p:spPr>
           <a:xfrm>
             <a:off x="539603" y="945629"/>
-            <a:ext cx="8355015" cy="3724096"/>
+            <a:ext cx="8355015" cy="5139869"/>
           </a:xfrm>
           <a:prstGeom prst="rect">
             <a:avLst/>
@@ -6046,7 +6980,7 @@
                 <a:cs typeface="Times New Roman" panose="02020603050405020304" pitchFamily="18" charset="0"/>
                 <a:hlinkClick r:id="rId2"/>
               </a:rPr>
-              <a:t>https://www.aps.org/programs/lgbt/index.cfm</a:t>
+              <a:t>https://www.chronicle.com/search?q=How+to+Help+First+Generation+Students+Succeed</a:t>
             </a:r>
             <a:endParaRPr lang="en-US" sz="2000" dirty="0">
               <a:latin typeface="Times New Roman" panose="02020603050405020304" pitchFamily="18" charset="0"/>
@@ -6059,6 +6993,46 @@
               <a:buFont typeface="Arial" panose="020B0604020202020204" pitchFamily="34" charset="0"/>
               <a:buChar char="•"/>
             </a:pPr>
+            <a:r>
+              <a:rPr lang="en-US" sz="2000" dirty="0">
+                <a:latin typeface="Times New Roman" panose="02020603050405020304" pitchFamily="18" charset="0"/>
+                <a:ea typeface="MS Mincho" panose="02020609040205080304" pitchFamily="49" charset="-128"/>
+                <a:cs typeface="Times New Roman" panose="02020603050405020304" pitchFamily="18" charset="0"/>
+                <a:hlinkClick r:id="rId3"/>
+              </a:rPr>
+              <a:t>https://theinclusionsolution.me/a-point-of-view-lessons-from-a-first-gen/</a:t>
+            </a:r>
+            <a:endParaRPr lang="en-US" sz="2000" dirty="0">
+              <a:latin typeface="Times New Roman" panose="02020603050405020304" pitchFamily="18" charset="0"/>
+              <a:ea typeface="MS Mincho" panose="02020609040205080304" pitchFamily="49" charset="-128"/>
+              <a:cs typeface="Times New Roman" panose="02020603050405020304" pitchFamily="18" charset="0"/>
+            </a:endParaRPr>
+          </a:p>
+          <a:p>
+            <a:pPr marL="914400" lvl="1" indent="-457200">
+              <a:buFont typeface="Arial" panose="020B0604020202020204" pitchFamily="34" charset="0"/>
+              <a:buChar char="•"/>
+            </a:pPr>
+            <a:r>
+              <a:rPr lang="en-US" sz="2000" dirty="0">
+                <a:latin typeface="Times New Roman" panose="02020603050405020304" pitchFamily="18" charset="0"/>
+                <a:ea typeface="MS Mincho" panose="02020609040205080304" pitchFamily="49" charset="-128"/>
+                <a:cs typeface="Times New Roman" panose="02020603050405020304" pitchFamily="18" charset="0"/>
+                <a:hlinkClick r:id="rId4"/>
+              </a:rPr>
+              <a:t>https://students.gwu.edu/first-generation</a:t>
+            </a:r>
+            <a:endParaRPr lang="en-US" sz="2000" dirty="0">
+              <a:latin typeface="Times New Roman" panose="02020603050405020304" pitchFamily="18" charset="0"/>
+              <a:ea typeface="MS Mincho" panose="02020609040205080304" pitchFamily="49" charset="-128"/>
+              <a:cs typeface="Times New Roman" panose="02020603050405020304" pitchFamily="18" charset="0"/>
+            </a:endParaRPr>
+          </a:p>
+          <a:p>
+            <a:pPr marL="914400" lvl="1" indent="-457200">
+              <a:buFont typeface="Arial" panose="020B0604020202020204" pitchFamily="34" charset="0"/>
+              <a:buChar char="•"/>
+            </a:pPr>
             <a:endParaRPr lang="en-US" sz="800" dirty="0">
               <a:latin typeface="Times New Roman" panose="02020603050405020304" pitchFamily="18" charset="0"/>
               <a:ea typeface="MS Mincho" panose="02020609040205080304" pitchFamily="49" charset="-128"/>
@@ -6076,7 +7050,7 @@
                 <a:ea typeface="MS Mincho" panose="02020609040205080304" pitchFamily="49" charset="-128"/>
                 <a:cs typeface="Times New Roman" panose="02020603050405020304" pitchFamily="18" charset="0"/>
               </a:rPr>
-              <a:t>Q1: What hurdles do LGBTQ+ individuals face within the physics community?</a:t>
+              <a:t>Q1: What hurdles do first-generation students face within the physics community?</a:t>
             </a:r>
           </a:p>
           <a:p>
@@ -6101,7 +7075,7 @@
                 <a:ea typeface="MS Mincho" panose="02020609040205080304" pitchFamily="49" charset="-128"/>
                 <a:cs typeface="Times New Roman" panose="02020603050405020304" pitchFamily="18" charset="0"/>
               </a:rPr>
-              <a:t>Q2: What hurdles do LGBTQ+ individuals face within the university environment?</a:t>
+              <a:t>Q2: What hurdles do first-generation students face within the university environment?</a:t>
             </a:r>
           </a:p>
           <a:p>
@@ -6126,7 +7100,7 @@
                 <a:ea typeface="MS Mincho" panose="02020609040205080304" pitchFamily="49" charset="-128"/>
                 <a:cs typeface="Times New Roman" panose="02020603050405020304" pitchFamily="18" charset="0"/>
               </a:rPr>
-              <a:t>Q3: What can be done to improve inclusion of LGBTQ+ individuals within the physics department and the physics community?</a:t>
+              <a:t>Q3: What can be done to improve inclusion of first-generation students within the physics department and the physics community?</a:t>
             </a:r>
           </a:p>
         </p:txBody>
@@ -6134,7 +7108,7 @@
     </p:spTree>
     <p:extLst>
       <p:ext uri="{BB962C8B-B14F-4D97-AF65-F5344CB8AC3E}">
-        <p14:creationId xmlns:p14="http://schemas.microsoft.com/office/powerpoint/2010/main" val="602537703"/>
+        <p14:creationId xmlns:p14="http://schemas.microsoft.com/office/powerpoint/2010/main" val="233156778"/>
       </p:ext>
     </p:extLst>
   </p:cSld>
@@ -6170,7 +7144,7 @@
         <p:spPr>
           <a:xfrm>
             <a:off x="275549" y="191702"/>
-            <a:ext cx="7750840" cy="553998"/>
+            <a:ext cx="6644768" cy="553998"/>
           </a:xfrm>
           <a:prstGeom prst="rect">
             <a:avLst/>
@@ -6191,7 +7165,7 @@
                 <a:latin typeface="Times New Roman"/>
                 <a:cs typeface="Times New Roman"/>
               </a:rPr>
-              <a:t>Diversity &amp; Inclusion: Caring Responsibilities</a:t>
+              <a:t>Diversity &amp; Inclusion: LGBTQ+ Status</a:t>
             </a:r>
             <a:endParaRPr lang="en-US" sz="2400" b="1" dirty="0">
               <a:solidFill>
@@ -6218,7 +7192,7 @@
         <p:spPr>
           <a:xfrm>
             <a:off x="539603" y="945629"/>
-            <a:ext cx="8355015" cy="3970318"/>
+            <a:ext cx="8355015" cy="3724096"/>
           </a:xfrm>
           <a:prstGeom prst="rect">
             <a:avLst/>
@@ -6256,7 +7230,7 @@
                 <a:cs typeface="Times New Roman" panose="02020603050405020304" pitchFamily="18" charset="0"/>
                 <a:hlinkClick r:id="rId2"/>
               </a:rPr>
-              <a:t>https://www.oecd.org/els/health-systems/47884865.pdf</a:t>
+              <a:t>https://www.aps.org/publications/reports/lgbt-climate-in-physics</a:t>
             </a:r>
             <a:endParaRPr lang="en-US" sz="2000" dirty="0">
               <a:latin typeface="Times New Roman" panose="02020603050405020304" pitchFamily="18" charset="0"/>
@@ -6269,26 +7243,6 @@
               <a:buFont typeface="Arial" panose="020B0604020202020204" pitchFamily="34" charset="0"/>
               <a:buChar char="•"/>
             </a:pPr>
-            <a:r>
-              <a:rPr lang="en-US" sz="2000" dirty="0">
-                <a:latin typeface="Times New Roman" panose="02020603050405020304" pitchFamily="18" charset="0"/>
-                <a:ea typeface="MS Mincho" panose="02020609040205080304" pitchFamily="49" charset="-128"/>
-                <a:cs typeface="Times New Roman" panose="02020603050405020304" pitchFamily="18" charset="0"/>
-                <a:hlinkClick r:id="rId3"/>
-              </a:rPr>
-              <a:t>https://www.theguardian.com/lifeandstyle/parents-and-parenting+money/work-and-careers</a:t>
-            </a:r>
-            <a:endParaRPr lang="en-US" sz="2000" dirty="0">
-              <a:latin typeface="Times New Roman" panose="02020603050405020304" pitchFamily="18" charset="0"/>
-              <a:ea typeface="MS Mincho" panose="02020609040205080304" pitchFamily="49" charset="-128"/>
-              <a:cs typeface="Times New Roman" panose="02020603050405020304" pitchFamily="18" charset="0"/>
-            </a:endParaRPr>
-          </a:p>
-          <a:p>
-            <a:pPr marL="914400" lvl="1" indent="-457200">
-              <a:buFont typeface="Arial" panose="020B0604020202020204" pitchFamily="34" charset="0"/>
-              <a:buChar char="•"/>
-            </a:pPr>
             <a:endParaRPr lang="en-US" sz="800" dirty="0">
               <a:latin typeface="Times New Roman" panose="02020603050405020304" pitchFamily="18" charset="0"/>
               <a:ea typeface="MS Mincho" panose="02020609040205080304" pitchFamily="49" charset="-128"/>
@@ -6306,7 +7260,7 @@
                 <a:ea typeface="MS Mincho" panose="02020609040205080304" pitchFamily="49" charset="-128"/>
                 <a:cs typeface="Times New Roman" panose="02020603050405020304" pitchFamily="18" charset="0"/>
               </a:rPr>
-              <a:t>Q1: What issues are there for parents in the physics community?</a:t>
+              <a:t>Q1: What hurdles do LGBTQ+ individuals face within the physics community?</a:t>
             </a:r>
           </a:p>
           <a:p>
@@ -6331,23 +7285,7 @@
                 <a:ea typeface="MS Mincho" panose="02020609040205080304" pitchFamily="49" charset="-128"/>
                 <a:cs typeface="Times New Roman" panose="02020603050405020304" pitchFamily="18" charset="0"/>
               </a:rPr>
-              <a:t>Q2: What issues are there for </a:t>
-            </a:r>
-            <a:r>
-              <a:rPr lang="en-US" sz="2400" dirty="0" err="1">
-                <a:latin typeface="Times New Roman" panose="02020603050405020304" pitchFamily="18" charset="0"/>
-                <a:ea typeface="MS Mincho" panose="02020609040205080304" pitchFamily="49" charset="-128"/>
-                <a:cs typeface="Times New Roman" panose="02020603050405020304" pitchFamily="18" charset="0"/>
-              </a:rPr>
-              <a:t>carers</a:t>
-            </a:r>
-            <a:r>
-              <a:rPr lang="en-US" sz="2400" dirty="0">
-                <a:latin typeface="Times New Roman" panose="02020603050405020304" pitchFamily="18" charset="0"/>
-                <a:ea typeface="MS Mincho" panose="02020609040205080304" pitchFamily="49" charset="-128"/>
-                <a:cs typeface="Times New Roman" panose="02020603050405020304" pitchFamily="18" charset="0"/>
-              </a:rPr>
-              <a:t> in the physics community?</a:t>
+              <a:t>Q2: What hurdles do LGBTQ+ individuals face within the university environment?</a:t>
             </a:r>
           </a:p>
           <a:p>
@@ -6372,23 +7310,7 @@
                 <a:ea typeface="MS Mincho" panose="02020609040205080304" pitchFamily="49" charset="-128"/>
                 <a:cs typeface="Times New Roman" panose="02020603050405020304" pitchFamily="18" charset="0"/>
               </a:rPr>
-              <a:t>Q3: What can be done to make life easier for parents and/or </a:t>
-            </a:r>
-            <a:r>
-              <a:rPr lang="en-US" sz="2400" dirty="0" err="1">
-                <a:latin typeface="Times New Roman" panose="02020603050405020304" pitchFamily="18" charset="0"/>
-                <a:ea typeface="MS Mincho" panose="02020609040205080304" pitchFamily="49" charset="-128"/>
-                <a:cs typeface="Times New Roman" panose="02020603050405020304" pitchFamily="18" charset="0"/>
-              </a:rPr>
-              <a:t>carers</a:t>
-            </a:r>
-            <a:r>
-              <a:rPr lang="en-US" sz="2400" dirty="0">
-                <a:latin typeface="Times New Roman" panose="02020603050405020304" pitchFamily="18" charset="0"/>
-                <a:ea typeface="MS Mincho" panose="02020609040205080304" pitchFamily="49" charset="-128"/>
-                <a:cs typeface="Times New Roman" panose="02020603050405020304" pitchFamily="18" charset="0"/>
-              </a:rPr>
-              <a:t> within the physics department and the physics community?</a:t>
+              <a:t>Q3: What can be done to improve inclusion of LGBTQ+ individuals within the physics department and the physics community?</a:t>
             </a:r>
           </a:p>
         </p:txBody>
@@ -6396,7 +7318,7 @@
     </p:spTree>
     <p:extLst>
       <p:ext uri="{BB962C8B-B14F-4D97-AF65-F5344CB8AC3E}">
-        <p14:creationId xmlns:p14="http://schemas.microsoft.com/office/powerpoint/2010/main" val="3191451211"/>
+        <p14:creationId xmlns:p14="http://schemas.microsoft.com/office/powerpoint/2010/main" val="1794254469"/>
       </p:ext>
     </p:extLst>
   </p:cSld>
@@ -6432,7 +7354,7 @@
         <p:spPr>
           <a:xfrm>
             <a:off x="275549" y="191702"/>
-            <a:ext cx="8884163" cy="553998"/>
+            <a:ext cx="7750840" cy="553998"/>
           </a:xfrm>
           <a:prstGeom prst="rect">
             <a:avLst/>
@@ -6453,7 +7375,7 @@
                 <a:latin typeface="Times New Roman"/>
                 <a:cs typeface="Times New Roman"/>
               </a:rPr>
-              <a:t>Diversity &amp; Inclusion: Socio-Economic Disadvantage</a:t>
+              <a:t>Diversity &amp; Inclusion: Caring Responsibilities</a:t>
             </a:r>
             <a:endParaRPr lang="en-US" sz="2400" b="1" dirty="0">
               <a:solidFill>
@@ -6480,7 +7402,7 @@
         <p:spPr>
           <a:xfrm>
             <a:off x="539603" y="945629"/>
-            <a:ext cx="8355015" cy="4770537"/>
+            <a:ext cx="8355015" cy="4278094"/>
           </a:xfrm>
           <a:prstGeom prst="rect">
             <a:avLst/>
@@ -6518,7 +7440,7 @@
                 <a:cs typeface="Times New Roman" panose="02020603050405020304" pitchFamily="18" charset="0"/>
                 <a:hlinkClick r:id="rId2"/>
               </a:rPr>
-              <a:t>https://www.jrf.org.uk/report/socio-economic-disadvantage-and-experience-higher-education</a:t>
+              <a:t>https://www.oecd-ilibrary.org/social-issues-migration-health/supporting-informal-carers-of-older-people_0f0c0d52-en</a:t>
             </a:r>
             <a:endParaRPr lang="en-US" sz="2000" dirty="0">
               <a:latin typeface="Times New Roman" panose="02020603050405020304" pitchFamily="18" charset="0"/>
@@ -6531,6 +7453,26 @@
               <a:buFont typeface="Arial" panose="020B0604020202020204" pitchFamily="34" charset="0"/>
               <a:buChar char="•"/>
             </a:pPr>
+            <a:r>
+              <a:rPr lang="en-US" sz="2000" dirty="0">
+                <a:latin typeface="Times New Roman" panose="02020603050405020304" pitchFamily="18" charset="0"/>
+                <a:ea typeface="MS Mincho" panose="02020609040205080304" pitchFamily="49" charset="-128"/>
+                <a:cs typeface="Times New Roman" panose="02020603050405020304" pitchFamily="18" charset="0"/>
+                <a:hlinkClick r:id="rId3"/>
+              </a:rPr>
+              <a:t>https://www.theguardian.com/lifeandstyle/parents-and-parenting+money/work-and-careers</a:t>
+            </a:r>
+            <a:endParaRPr lang="en-US" sz="2000" dirty="0">
+              <a:latin typeface="Times New Roman" panose="02020603050405020304" pitchFamily="18" charset="0"/>
+              <a:ea typeface="MS Mincho" panose="02020609040205080304" pitchFamily="49" charset="-128"/>
+              <a:cs typeface="Times New Roman" panose="02020603050405020304" pitchFamily="18" charset="0"/>
+            </a:endParaRPr>
+          </a:p>
+          <a:p>
+            <a:pPr marL="914400" lvl="1" indent="-457200">
+              <a:buFont typeface="Arial" panose="020B0604020202020204" pitchFamily="34" charset="0"/>
+              <a:buChar char="•"/>
+            </a:pPr>
             <a:endParaRPr lang="en-US" sz="800" dirty="0">
               <a:latin typeface="Times New Roman" panose="02020603050405020304" pitchFamily="18" charset="0"/>
               <a:ea typeface="MS Mincho" panose="02020609040205080304" pitchFamily="49" charset="-128"/>
@@ -6548,7 +7490,7 @@
                 <a:ea typeface="MS Mincho" panose="02020609040205080304" pitchFamily="49" charset="-128"/>
                 <a:cs typeface="Times New Roman" panose="02020603050405020304" pitchFamily="18" charset="0"/>
               </a:rPr>
-              <a:t>Q1: What issues are there for individuals experiencing socio-economic disadvantage while pursuing education and a career in physics?</a:t>
+              <a:t>Q1: What issues are there for parents in the physics community?</a:t>
             </a:r>
           </a:p>
           <a:p>
@@ -6573,7 +7515,23 @@
                 <a:ea typeface="MS Mincho" panose="02020609040205080304" pitchFamily="49" charset="-128"/>
                 <a:cs typeface="Times New Roman" panose="02020603050405020304" pitchFamily="18" charset="0"/>
               </a:rPr>
-              <a:t>Q2: What aspects of common community practice cause problems for physicists experiencing socio-economic disadvantage?</a:t>
+              <a:t>Q2: What issues are there for </a:t>
+            </a:r>
+            <a:r>
+              <a:rPr lang="en-US" sz="2400" dirty="0" err="1">
+                <a:latin typeface="Times New Roman" panose="02020603050405020304" pitchFamily="18" charset="0"/>
+                <a:ea typeface="MS Mincho" panose="02020609040205080304" pitchFamily="49" charset="-128"/>
+                <a:cs typeface="Times New Roman" panose="02020603050405020304" pitchFamily="18" charset="0"/>
+              </a:rPr>
+              <a:t>carers</a:t>
+            </a:r>
+            <a:r>
+              <a:rPr lang="en-US" sz="2400" dirty="0">
+                <a:latin typeface="Times New Roman" panose="02020603050405020304" pitchFamily="18" charset="0"/>
+                <a:ea typeface="MS Mincho" panose="02020609040205080304" pitchFamily="49" charset="-128"/>
+                <a:cs typeface="Times New Roman" panose="02020603050405020304" pitchFamily="18" charset="0"/>
+              </a:rPr>
+              <a:t> in the physics community?</a:t>
             </a:r>
           </a:p>
           <a:p>
@@ -6598,7 +7556,23 @@
                 <a:ea typeface="MS Mincho" panose="02020609040205080304" pitchFamily="49" charset="-128"/>
                 <a:cs typeface="Times New Roman" panose="02020603050405020304" pitchFamily="18" charset="0"/>
               </a:rPr>
-              <a:t>Q3: What can be done to make life easier for individuals experiencing socio-economic disadvantage within the physics department and the physics community?</a:t>
+              <a:t>Q3: What can be done to make life easier for parents and/or </a:t>
+            </a:r>
+            <a:r>
+              <a:rPr lang="en-US" sz="2400" dirty="0" err="1">
+                <a:latin typeface="Times New Roman" panose="02020603050405020304" pitchFamily="18" charset="0"/>
+                <a:ea typeface="MS Mincho" panose="02020609040205080304" pitchFamily="49" charset="-128"/>
+                <a:cs typeface="Times New Roman" panose="02020603050405020304" pitchFamily="18" charset="0"/>
+              </a:rPr>
+              <a:t>carers</a:t>
+            </a:r>
+            <a:r>
+              <a:rPr lang="en-US" sz="2400" dirty="0">
+                <a:latin typeface="Times New Roman" panose="02020603050405020304" pitchFamily="18" charset="0"/>
+                <a:ea typeface="MS Mincho" panose="02020609040205080304" pitchFamily="49" charset="-128"/>
+                <a:cs typeface="Times New Roman" panose="02020603050405020304" pitchFamily="18" charset="0"/>
+              </a:rPr>
+              <a:t> within the physics department and the physics community?</a:t>
             </a:r>
           </a:p>
         </p:txBody>
@@ -6606,7 +7580,7 @@
     </p:spTree>
     <p:extLst>
       <p:ext uri="{BB962C8B-B14F-4D97-AF65-F5344CB8AC3E}">
-        <p14:creationId xmlns:p14="http://schemas.microsoft.com/office/powerpoint/2010/main" val="1652601616"/>
+        <p14:creationId xmlns:p14="http://schemas.microsoft.com/office/powerpoint/2010/main" val="3937403600"/>
       </p:ext>
     </p:extLst>
   </p:cSld>
